--- a/微服务.pptx
+++ b/微服务.pptx
@@ -15,19 +15,22 @@
     <p:sldId id="261" r:id="rId9"/>
     <p:sldId id="262" r:id="rId10"/>
     <p:sldId id="274" r:id="rId11"/>
-    <p:sldId id="275" r:id="rId12"/>
-    <p:sldId id="263" r:id="rId13"/>
-    <p:sldId id="264" r:id="rId14"/>
-    <p:sldId id="265" r:id="rId15"/>
-    <p:sldId id="266" r:id="rId16"/>
-    <p:sldId id="272" r:id="rId17"/>
-    <p:sldId id="267" r:id="rId18"/>
-    <p:sldId id="277" r:id="rId19"/>
-    <p:sldId id="269" r:id="rId20"/>
-    <p:sldId id="270" r:id="rId21"/>
-    <p:sldId id="271" r:id="rId22"/>
-    <p:sldId id="276" r:id="rId23"/>
-    <p:sldId id="273" r:id="rId24"/>
+    <p:sldId id="284" r:id="rId12"/>
+    <p:sldId id="282" r:id="rId13"/>
+    <p:sldId id="275" r:id="rId14"/>
+    <p:sldId id="263" r:id="rId15"/>
+    <p:sldId id="264" r:id="rId16"/>
+    <p:sldId id="265" r:id="rId17"/>
+    <p:sldId id="266" r:id="rId18"/>
+    <p:sldId id="272" r:id="rId19"/>
+    <p:sldId id="267" r:id="rId20"/>
+    <p:sldId id="277" r:id="rId21"/>
+    <p:sldId id="269" r:id="rId22"/>
+    <p:sldId id="270" r:id="rId23"/>
+    <p:sldId id="271" r:id="rId24"/>
+    <p:sldId id="283" r:id="rId25"/>
+    <p:sldId id="276" r:id="rId26"/>
+    <p:sldId id="273" r:id="rId27"/>
   </p:sldIdLst>
   <p:sldSz cx="12192000" cy="6858000"/>
   <p:notesSz cx="6858000" cy="9144000"/>
@@ -281,7 +284,7 @@
           <a:p>
             <a:fld id="{79A44D41-C6BF-4F72-BBE9-D4C6EB15C3CD}" type="datetimeFigureOut">
               <a:rPr lang="zh-CN" altLang="en-US" smtClean="0"/>
-              <a:t>2021/3/15</a:t>
+              <a:t>2021/3/18</a:t>
             </a:fld>
             <a:endParaRPr lang="zh-CN" altLang="en-US"/>
           </a:p>
@@ -479,7 +482,7 @@
           <a:p>
             <a:fld id="{79A44D41-C6BF-4F72-BBE9-D4C6EB15C3CD}" type="datetimeFigureOut">
               <a:rPr lang="zh-CN" altLang="en-US" smtClean="0"/>
-              <a:t>2021/3/15</a:t>
+              <a:t>2021/3/18</a:t>
             </a:fld>
             <a:endParaRPr lang="zh-CN" altLang="en-US"/>
           </a:p>
@@ -687,7 +690,7 @@
           <a:p>
             <a:fld id="{79A44D41-C6BF-4F72-BBE9-D4C6EB15C3CD}" type="datetimeFigureOut">
               <a:rPr lang="zh-CN" altLang="en-US" smtClean="0"/>
-              <a:t>2021/3/15</a:t>
+              <a:t>2021/3/18</a:t>
             </a:fld>
             <a:endParaRPr lang="zh-CN" altLang="en-US"/>
           </a:p>
@@ -885,7 +888,7 @@
           <a:p>
             <a:fld id="{79A44D41-C6BF-4F72-BBE9-D4C6EB15C3CD}" type="datetimeFigureOut">
               <a:rPr lang="zh-CN" altLang="en-US" smtClean="0"/>
-              <a:t>2021/3/15</a:t>
+              <a:t>2021/3/18</a:t>
             </a:fld>
             <a:endParaRPr lang="zh-CN" altLang="en-US"/>
           </a:p>
@@ -1160,7 +1163,7 @@
           <a:p>
             <a:fld id="{79A44D41-C6BF-4F72-BBE9-D4C6EB15C3CD}" type="datetimeFigureOut">
               <a:rPr lang="zh-CN" altLang="en-US" smtClean="0"/>
-              <a:t>2021/3/15</a:t>
+              <a:t>2021/3/18</a:t>
             </a:fld>
             <a:endParaRPr lang="zh-CN" altLang="en-US"/>
           </a:p>
@@ -1425,7 +1428,7 @@
           <a:p>
             <a:fld id="{79A44D41-C6BF-4F72-BBE9-D4C6EB15C3CD}" type="datetimeFigureOut">
               <a:rPr lang="zh-CN" altLang="en-US" smtClean="0"/>
-              <a:t>2021/3/15</a:t>
+              <a:t>2021/3/18</a:t>
             </a:fld>
             <a:endParaRPr lang="zh-CN" altLang="en-US"/>
           </a:p>
@@ -1837,7 +1840,7 @@
           <a:p>
             <a:fld id="{79A44D41-C6BF-4F72-BBE9-D4C6EB15C3CD}" type="datetimeFigureOut">
               <a:rPr lang="zh-CN" altLang="en-US" smtClean="0"/>
-              <a:t>2021/3/15</a:t>
+              <a:t>2021/3/18</a:t>
             </a:fld>
             <a:endParaRPr lang="zh-CN" altLang="en-US"/>
           </a:p>
@@ -1978,7 +1981,7 @@
           <a:p>
             <a:fld id="{79A44D41-C6BF-4F72-BBE9-D4C6EB15C3CD}" type="datetimeFigureOut">
               <a:rPr lang="zh-CN" altLang="en-US" smtClean="0"/>
-              <a:t>2021/3/15</a:t>
+              <a:t>2021/3/18</a:t>
             </a:fld>
             <a:endParaRPr lang="zh-CN" altLang="en-US"/>
           </a:p>
@@ -2091,7 +2094,7 @@
           <a:p>
             <a:fld id="{79A44D41-C6BF-4F72-BBE9-D4C6EB15C3CD}" type="datetimeFigureOut">
               <a:rPr lang="zh-CN" altLang="en-US" smtClean="0"/>
-              <a:t>2021/3/15</a:t>
+              <a:t>2021/3/18</a:t>
             </a:fld>
             <a:endParaRPr lang="zh-CN" altLang="en-US"/>
           </a:p>
@@ -2402,7 +2405,7 @@
           <a:p>
             <a:fld id="{79A44D41-C6BF-4F72-BBE9-D4C6EB15C3CD}" type="datetimeFigureOut">
               <a:rPr lang="zh-CN" altLang="en-US" smtClean="0"/>
-              <a:t>2021/3/15</a:t>
+              <a:t>2021/3/18</a:t>
             </a:fld>
             <a:endParaRPr lang="zh-CN" altLang="en-US"/>
           </a:p>
@@ -2690,7 +2693,7 @@
           <a:p>
             <a:fld id="{79A44D41-C6BF-4F72-BBE9-D4C6EB15C3CD}" type="datetimeFigureOut">
               <a:rPr lang="zh-CN" altLang="en-US" smtClean="0"/>
-              <a:t>2021/3/15</a:t>
+              <a:t>2021/3/18</a:t>
             </a:fld>
             <a:endParaRPr lang="zh-CN" altLang="en-US"/>
           </a:p>
@@ -2931,7 +2934,7 @@
           <a:p>
             <a:fld id="{79A44D41-C6BF-4F72-BBE9-D4C6EB15C3CD}" type="datetimeFigureOut">
               <a:rPr lang="zh-CN" altLang="en-US" smtClean="0"/>
-              <a:t>2021/3/15</a:t>
+              <a:t>2021/3/18</a:t>
             </a:fld>
             <a:endParaRPr lang="zh-CN" altLang="en-US"/>
           </a:p>
@@ -3519,7 +3522,7 @@
           <p:cNvPr id="2" name="标题 1">
             <a:extLst>
               <a:ext uri="{FF2B5EF4-FFF2-40B4-BE49-F238E27FC236}">
-                <a16:creationId xmlns:a16="http://schemas.microsoft.com/office/drawing/2014/main" id="{E8E5ECC5-7098-4770-AAFC-E65030DECF84}"/>
+                <a16:creationId xmlns:a16="http://schemas.microsoft.com/office/drawing/2014/main" id="{0109FD87-5459-49B8-A41C-AE62D1BE5D1D}"/>
               </a:ext>
             </a:extLst>
           </p:cNvPr>
@@ -3536,106 +3539,54 @@
           <a:lstStyle/>
           <a:p>
             <a:r>
+              <a:rPr lang="en-US" altLang="zh-CN" b="1" dirty="0" err="1"/>
+              <a:t>Protobuf</a:t>
+            </a:r>
+            <a:r>
               <a:rPr lang="en-US" altLang="zh-CN" b="1" dirty="0"/>
-              <a:t>Protocol buffer</a:t>
-            </a:r>
-            <a:endParaRPr lang="zh-CN" altLang="en-US" b="1" dirty="0"/>
-          </a:p>
-        </p:txBody>
-      </p:sp>
-      <p:sp>
-        <p:nvSpPr>
-          <p:cNvPr id="3" name="内容占位符 2">
-            <a:extLst>
-              <a:ext uri="{FF2B5EF4-FFF2-40B4-BE49-F238E27FC236}">
-                <a16:creationId xmlns:a16="http://schemas.microsoft.com/office/drawing/2014/main" id="{06FD2342-C960-4F8D-81AE-C69AB6BEBA71}"/>
-              </a:ext>
-            </a:extLst>
-          </p:cNvPr>
-          <p:cNvSpPr>
-            <a:spLocks noGrp="1"/>
-          </p:cNvSpPr>
-          <p:nvPr>
-            <p:ph idx="1"/>
-          </p:nvPr>
-        </p:nvSpPr>
-        <p:spPr/>
-        <p:txBody>
-          <a:bodyPr/>
-          <a:lstStyle/>
-          <a:p>
-            <a:r>
-              <a:rPr lang="zh-CN" altLang="en-US" dirty="0"/>
-              <a:t>优点</a:t>
-            </a:r>
-            <a:endParaRPr lang="en-US" altLang="zh-CN" dirty="0"/>
-          </a:p>
-          <a:p>
-            <a:pPr lvl="1"/>
-            <a:r>
-              <a:rPr lang="zh-CN" altLang="en-US" dirty="0"/>
-              <a:t>性能好</a:t>
-            </a:r>
-            <a:endParaRPr lang="en-US" altLang="zh-CN" dirty="0"/>
-          </a:p>
-          <a:p>
-            <a:pPr lvl="1"/>
-            <a:r>
-              <a:rPr lang="zh-CN" altLang="en-US" dirty="0"/>
-              <a:t>效率高</a:t>
-            </a:r>
-            <a:endParaRPr lang="en-US" altLang="zh-CN" dirty="0"/>
-          </a:p>
-          <a:p>
-            <a:pPr lvl="1"/>
-            <a:r>
-              <a:rPr lang="zh-CN" altLang="en-US" dirty="0"/>
-              <a:t>支持向前向后兼容</a:t>
-            </a:r>
-            <a:endParaRPr lang="en-US" altLang="zh-CN" dirty="0"/>
-          </a:p>
-          <a:p>
-            <a:pPr marL="457200" lvl="1" indent="0">
-              <a:buNone/>
-            </a:pPr>
-            <a:endParaRPr lang="en-US" altLang="zh-CN" dirty="0"/>
-          </a:p>
-          <a:p>
-            <a:r>
-              <a:rPr lang="zh-CN" altLang="en-US" dirty="0"/>
-              <a:t>缺点</a:t>
-            </a:r>
-            <a:endParaRPr lang="en-US" altLang="zh-CN" dirty="0"/>
-          </a:p>
-          <a:p>
-            <a:pPr lvl="1"/>
-            <a:r>
-              <a:rPr lang="zh-CN" altLang="en-US" dirty="0"/>
-              <a:t>没有可读性</a:t>
-            </a:r>
-            <a:endParaRPr lang="en-US" altLang="zh-CN" dirty="0"/>
-          </a:p>
-          <a:p>
-            <a:pPr lvl="1"/>
-            <a:r>
-              <a:rPr lang="zh-CN" altLang="en-US" dirty="0"/>
-              <a:t>缺乏自描述</a:t>
-            </a:r>
-            <a:endParaRPr lang="en-US" altLang="zh-CN" dirty="0"/>
-          </a:p>
-          <a:p>
-            <a:pPr lvl="1"/>
-            <a:r>
-              <a:rPr lang="zh-CN" altLang="en-US" dirty="0"/>
-              <a:t>通用性</a:t>
-            </a:r>
-          </a:p>
-        </p:txBody>
-      </p:sp>
+              <a:t> - </a:t>
+            </a:r>
+            <a:r>
+              <a:rPr lang="zh-CN" altLang="en-US" b="1" dirty="0"/>
+              <a:t>序列化</a:t>
+            </a:r>
+          </a:p>
+        </p:txBody>
+      </p:sp>
+      <p:pic>
+        <p:nvPicPr>
+          <p:cNvPr id="5" name="图片 4">
+            <a:extLst>
+              <a:ext uri="{FF2B5EF4-FFF2-40B4-BE49-F238E27FC236}">
+                <a16:creationId xmlns:a16="http://schemas.microsoft.com/office/drawing/2014/main" id="{FACBDFF1-9C30-4164-9098-E9CCE6CA66F9}"/>
+              </a:ext>
+            </a:extLst>
+          </p:cNvPr>
+          <p:cNvPicPr>
+            <a:picLocks noChangeAspect="1"/>
+          </p:cNvPicPr>
+          <p:nvPr/>
+        </p:nvPicPr>
+        <p:blipFill>
+          <a:blip r:embed="rId3"/>
+          <a:stretch>
+            <a:fillRect/>
+          </a:stretch>
+        </p:blipFill>
+        <p:spPr>
+          <a:xfrm>
+            <a:off x="3119809" y="1553238"/>
+            <a:ext cx="5952381" cy="5304762"/>
+          </a:xfrm>
+          <a:prstGeom prst="rect">
+            <a:avLst/>
+          </a:prstGeom>
+        </p:spPr>
+      </p:pic>
     </p:spTree>
     <p:extLst>
       <p:ext uri="{BB962C8B-B14F-4D97-AF65-F5344CB8AC3E}">
-        <p14:creationId xmlns:p14="http://schemas.microsoft.com/office/powerpoint/2010/main" val="315934487"/>
+        <p14:creationId xmlns:p14="http://schemas.microsoft.com/office/powerpoint/2010/main" val="2867738936"/>
       </p:ext>
     </p:extLst>
   </p:cSld>
@@ -3681,7 +3632,7 @@
           <p:cNvPr id="2" name="标题 1">
             <a:extLst>
               <a:ext uri="{FF2B5EF4-FFF2-40B4-BE49-F238E27FC236}">
-                <a16:creationId xmlns:a16="http://schemas.microsoft.com/office/drawing/2014/main" id="{A273169E-E7E4-4296-81F0-EE7B2F12FE34}"/>
+                <a16:creationId xmlns:a16="http://schemas.microsoft.com/office/drawing/2014/main" id="{E935BD5B-3191-405E-AA71-7062CD7BBAD8}"/>
               </a:ext>
             </a:extLst>
           </p:cNvPr>
@@ -3698,46 +3649,205 @@
           <a:lstStyle/>
           <a:p>
             <a:r>
+              <a:rPr lang="en-US" altLang="zh-CN" b="1" dirty="0" err="1"/>
+              <a:t>Protobuf</a:t>
+            </a:r>
+            <a:r>
+              <a:rPr lang="en-US" altLang="zh-CN" b="1" dirty="0"/>
+              <a:t> 2-&gt;3 </a:t>
+            </a:r>
+            <a:r>
               <a:rPr lang="zh-CN" altLang="en-US" b="1" dirty="0"/>
-              <a:t>配置中心</a:t>
-            </a:r>
-          </a:p>
-        </p:txBody>
-      </p:sp>
-      <p:pic>
-        <p:nvPicPr>
-          <p:cNvPr id="5" name="图片 4">
-            <a:extLst>
-              <a:ext uri="{FF2B5EF4-FFF2-40B4-BE49-F238E27FC236}">
-                <a16:creationId xmlns:a16="http://schemas.microsoft.com/office/drawing/2014/main" id="{A9014C5E-C557-47B5-A74B-1675363376C2}"/>
-              </a:ext>
-            </a:extLst>
-          </p:cNvPr>
-          <p:cNvPicPr>
-            <a:picLocks noChangeAspect="1"/>
-          </p:cNvPicPr>
-          <p:nvPr/>
-        </p:nvPicPr>
-        <p:blipFill>
-          <a:blip r:embed="rId3"/>
-          <a:stretch>
-            <a:fillRect/>
-          </a:stretch>
-        </p:blipFill>
-        <p:spPr>
-          <a:xfrm>
-            <a:off x="838200" y="1877422"/>
-            <a:ext cx="10131662" cy="4980578"/>
-          </a:xfrm>
-          <a:prstGeom prst="rect">
-            <a:avLst/>
-          </a:prstGeom>
-        </p:spPr>
-      </p:pic>
+              <a:t>取消了</a:t>
+            </a:r>
+            <a:r>
+              <a:rPr lang="en-US" altLang="zh-CN" b="1" dirty="0"/>
+              <a:t>(required</a:t>
+            </a:r>
+            <a:r>
+              <a:rPr lang="zh-CN" altLang="en-US" b="1" dirty="0"/>
+              <a:t>、</a:t>
+            </a:r>
+            <a:r>
+              <a:rPr lang="en-US" altLang="zh-CN" b="1" dirty="0"/>
+              <a:t>optional)</a:t>
+            </a:r>
+            <a:endParaRPr lang="zh-CN" altLang="en-US" dirty="0"/>
+          </a:p>
+        </p:txBody>
+      </p:sp>
+      <p:sp>
+        <p:nvSpPr>
+          <p:cNvPr id="3" name="内容占位符 2">
+            <a:extLst>
+              <a:ext uri="{FF2B5EF4-FFF2-40B4-BE49-F238E27FC236}">
+                <a16:creationId xmlns:a16="http://schemas.microsoft.com/office/drawing/2014/main" id="{B0D7D9B2-8E92-4181-A98F-9C1C621298A4}"/>
+              </a:ext>
+            </a:extLst>
+          </p:cNvPr>
+          <p:cNvSpPr>
+            <a:spLocks noGrp="1"/>
+          </p:cNvSpPr>
+          <p:nvPr>
+            <p:ph idx="1"/>
+          </p:nvPr>
+        </p:nvSpPr>
+        <p:spPr/>
+        <p:txBody>
+          <a:bodyPr>
+            <a:normAutofit/>
+          </a:bodyPr>
+          <a:lstStyle/>
+          <a:p>
+            <a:r>
+              <a:rPr lang="zh-CN" altLang="en-US" dirty="0"/>
+              <a:t>大部分情况，初始值（</a:t>
+            </a:r>
+            <a:r>
+              <a:rPr lang="en-US" altLang="zh-CN" dirty="0"/>
+              <a:t>””,false,0,0.0</a:t>
+            </a:r>
+            <a:r>
+              <a:rPr lang="zh-CN" altLang="en-US" dirty="0"/>
+              <a:t>等</a:t>
+            </a:r>
+            <a:r>
+              <a:rPr lang="en-US" altLang="zh-CN" dirty="0"/>
+              <a:t>) </a:t>
+            </a:r>
+            <a:r>
+              <a:rPr lang="zh-CN" altLang="en-US" dirty="0"/>
+              <a:t>与非必填等价</a:t>
+            </a:r>
+            <a:endParaRPr lang="en-US" altLang="zh-CN" dirty="0"/>
+          </a:p>
+          <a:p>
+            <a:r>
+              <a:rPr lang="zh-CN" altLang="en-US" dirty="0"/>
+              <a:t>极少部分情况，使用设置特殊默认值，来区分零值与空值的区别</a:t>
+            </a:r>
+            <a:endParaRPr lang="en-US" altLang="zh-CN" dirty="0"/>
+          </a:p>
+          <a:p>
+            <a:endParaRPr lang="en-US" altLang="zh-CN" dirty="0"/>
+          </a:p>
+          <a:p>
+            <a:pPr marL="0" indent="0">
+              <a:buNone/>
+            </a:pPr>
+            <a:r>
+              <a:rPr lang="zh-CN" altLang="en-US" dirty="0"/>
+              <a:t>优势：不用大量代码判断数据是否存在，数据库没有</a:t>
+            </a:r>
+            <a:r>
+              <a:rPr lang="en-US" altLang="zh-CN" dirty="0"/>
+              <a:t>null</a:t>
+            </a:r>
+            <a:r>
+              <a:rPr lang="zh-CN" altLang="en-US" dirty="0"/>
+              <a:t>值，</a:t>
+            </a:r>
+            <a:r>
+              <a:rPr lang="en-US" altLang="zh-CN" dirty="0" err="1"/>
+              <a:t>sql</a:t>
+            </a:r>
+            <a:r>
+              <a:rPr lang="zh-CN" altLang="en-US" dirty="0"/>
+              <a:t>更简单，效率更高</a:t>
+            </a:r>
+            <a:endParaRPr lang="en-US" altLang="zh-CN" dirty="0"/>
+          </a:p>
+          <a:p>
+            <a:pPr marL="0" indent="0">
+              <a:buNone/>
+            </a:pPr>
+            <a:endParaRPr lang="en-US" altLang="zh-CN" dirty="0"/>
+          </a:p>
+          <a:p>
+            <a:pPr marL="0" indent="0">
+              <a:buNone/>
+            </a:pPr>
+            <a:endParaRPr lang="en-US" altLang="zh-CN" dirty="0"/>
+          </a:p>
+          <a:p>
+            <a:pPr marL="0" indent="0">
+              <a:buNone/>
+            </a:pPr>
+            <a:r>
+              <a:rPr lang="zh-CN" altLang="en-US" sz="1100" dirty="0"/>
+              <a:t>参考：</a:t>
+            </a:r>
+            <a:r>
+              <a:rPr lang="en-US" altLang="zh-CN" sz="900" dirty="0" err="1">
+                <a:hlinkClick r:id="rId3"/>
+              </a:rPr>
+              <a:t>grpc</a:t>
+            </a:r>
+            <a:r>
+              <a:rPr lang="en-US" altLang="zh-CN" sz="900" dirty="0">
+                <a:hlinkClick r:id="rId3"/>
+              </a:rPr>
+              <a:t> - Why required and optional is removed in Protocol Buffers 3 - Stack Overflow</a:t>
+            </a:r>
+            <a:r>
+              <a:rPr lang="en-US" altLang="zh-CN" sz="1100" dirty="0"/>
+              <a:t>	</a:t>
+            </a:r>
+          </a:p>
+          <a:p>
+            <a:pPr marL="0" indent="0">
+              <a:buNone/>
+            </a:pPr>
+            <a:r>
+              <a:rPr lang="zh-CN" altLang="en-US" sz="900" dirty="0">
+                <a:hlinkClick r:id="rId4"/>
+              </a:rPr>
+              <a:t>区分 </a:t>
+            </a:r>
+            <a:r>
+              <a:rPr lang="en-US" altLang="zh-CN" sz="900" dirty="0" err="1">
+                <a:hlinkClick r:id="rId4"/>
+              </a:rPr>
+              <a:t>Protobuf</a:t>
+            </a:r>
+            <a:r>
+              <a:rPr lang="en-US" altLang="zh-CN" sz="900" dirty="0">
+                <a:hlinkClick r:id="rId4"/>
+              </a:rPr>
+              <a:t> </a:t>
+            </a:r>
+            <a:r>
+              <a:rPr lang="zh-CN" altLang="en-US" sz="900" dirty="0">
+                <a:hlinkClick r:id="rId4"/>
+              </a:rPr>
+              <a:t>中缺失值和默认值 </a:t>
+            </a:r>
+            <a:r>
+              <a:rPr lang="en-US" altLang="zh-CN" sz="900" dirty="0">
+                <a:hlinkClick r:id="rId4"/>
+              </a:rPr>
+              <a:t>- </a:t>
+            </a:r>
+            <a:r>
+              <a:rPr lang="zh-CN" altLang="en-US" sz="900" dirty="0">
+                <a:hlinkClick r:id="rId4"/>
+              </a:rPr>
+              <a:t>知乎 </a:t>
+            </a:r>
+            <a:r>
+              <a:rPr lang="en-US" altLang="zh-CN" sz="900" dirty="0">
+                <a:hlinkClick r:id="rId4"/>
+              </a:rPr>
+              <a:t>(zhihu.com)</a:t>
+            </a:r>
+            <a:endParaRPr lang="zh-CN" altLang="en-US" sz="1100" dirty="0"/>
+          </a:p>
+        </p:txBody>
+      </p:sp>
     </p:spTree>
     <p:extLst>
       <p:ext uri="{BB962C8B-B14F-4D97-AF65-F5344CB8AC3E}">
-        <p14:creationId xmlns:p14="http://schemas.microsoft.com/office/powerpoint/2010/main" val="2488308321"/>
+        <p14:creationId xmlns:p14="http://schemas.microsoft.com/office/powerpoint/2010/main" val="1582909116"/>
       </p:ext>
     </p:extLst>
   </p:cSld>
@@ -3783,7 +3893,7 @@
           <p:cNvPr id="2" name="标题 1">
             <a:extLst>
               <a:ext uri="{FF2B5EF4-FFF2-40B4-BE49-F238E27FC236}">
-                <a16:creationId xmlns:a16="http://schemas.microsoft.com/office/drawing/2014/main" id="{9E079EAD-10C6-4B44-8683-69CE936F766B}"/>
+                <a16:creationId xmlns:a16="http://schemas.microsoft.com/office/drawing/2014/main" id="{E8E5ECC5-7098-4770-AAFC-E65030DECF84}"/>
               </a:ext>
             </a:extLst>
           </p:cNvPr>
@@ -3800,46 +3910,106 @@
           <a:lstStyle/>
           <a:p>
             <a:r>
-              <a:rPr lang="zh-CN" altLang="en-US" b="1" dirty="0"/>
-              <a:t>服务发现</a:t>
-            </a:r>
-          </a:p>
-        </p:txBody>
-      </p:sp>
-      <p:pic>
-        <p:nvPicPr>
-          <p:cNvPr id="5" name="图片 4">
-            <a:extLst>
-              <a:ext uri="{FF2B5EF4-FFF2-40B4-BE49-F238E27FC236}">
-                <a16:creationId xmlns:a16="http://schemas.microsoft.com/office/drawing/2014/main" id="{C581C653-8B62-47D2-B02F-80FABDFA0599}"/>
-              </a:ext>
-            </a:extLst>
-          </p:cNvPr>
-          <p:cNvPicPr>
-            <a:picLocks noChangeAspect="1"/>
-          </p:cNvPicPr>
-          <p:nvPr/>
-        </p:nvPicPr>
-        <p:blipFill>
-          <a:blip r:embed="rId3"/>
-          <a:stretch>
-            <a:fillRect/>
-          </a:stretch>
-        </p:blipFill>
-        <p:spPr>
-          <a:xfrm>
-            <a:off x="2496168" y="2328326"/>
-            <a:ext cx="6933333" cy="3266667"/>
-          </a:xfrm>
-          <a:prstGeom prst="rect">
-            <a:avLst/>
-          </a:prstGeom>
-        </p:spPr>
-      </p:pic>
+              <a:rPr lang="en-US" altLang="zh-CN" b="1" dirty="0"/>
+              <a:t>Protocol buffer</a:t>
+            </a:r>
+            <a:endParaRPr lang="zh-CN" altLang="en-US" b="1" dirty="0"/>
+          </a:p>
+        </p:txBody>
+      </p:sp>
+      <p:sp>
+        <p:nvSpPr>
+          <p:cNvPr id="3" name="内容占位符 2">
+            <a:extLst>
+              <a:ext uri="{FF2B5EF4-FFF2-40B4-BE49-F238E27FC236}">
+                <a16:creationId xmlns:a16="http://schemas.microsoft.com/office/drawing/2014/main" id="{06FD2342-C960-4F8D-81AE-C69AB6BEBA71}"/>
+              </a:ext>
+            </a:extLst>
+          </p:cNvPr>
+          <p:cNvSpPr>
+            <a:spLocks noGrp="1"/>
+          </p:cNvSpPr>
+          <p:nvPr>
+            <p:ph idx="1"/>
+          </p:nvPr>
+        </p:nvSpPr>
+        <p:spPr/>
+        <p:txBody>
+          <a:bodyPr/>
+          <a:lstStyle/>
+          <a:p>
+            <a:r>
+              <a:rPr lang="zh-CN" altLang="en-US" dirty="0"/>
+              <a:t>优点</a:t>
+            </a:r>
+            <a:endParaRPr lang="en-US" altLang="zh-CN" dirty="0"/>
+          </a:p>
+          <a:p>
+            <a:pPr lvl="1"/>
+            <a:r>
+              <a:rPr lang="zh-CN" altLang="en-US" dirty="0"/>
+              <a:t>性能好</a:t>
+            </a:r>
+            <a:endParaRPr lang="en-US" altLang="zh-CN" dirty="0"/>
+          </a:p>
+          <a:p>
+            <a:pPr lvl="1"/>
+            <a:r>
+              <a:rPr lang="zh-CN" altLang="en-US" dirty="0"/>
+              <a:t>效率高</a:t>
+            </a:r>
+            <a:endParaRPr lang="en-US" altLang="zh-CN" dirty="0"/>
+          </a:p>
+          <a:p>
+            <a:pPr lvl="1"/>
+            <a:r>
+              <a:rPr lang="zh-CN" altLang="en-US" dirty="0"/>
+              <a:t>支持向前向后兼容</a:t>
+            </a:r>
+            <a:endParaRPr lang="en-US" altLang="zh-CN" dirty="0"/>
+          </a:p>
+          <a:p>
+            <a:pPr marL="457200" lvl="1" indent="0">
+              <a:buNone/>
+            </a:pPr>
+            <a:endParaRPr lang="en-US" altLang="zh-CN" dirty="0"/>
+          </a:p>
+          <a:p>
+            <a:r>
+              <a:rPr lang="zh-CN" altLang="en-US" dirty="0"/>
+              <a:t>缺点</a:t>
+            </a:r>
+            <a:endParaRPr lang="en-US" altLang="zh-CN" dirty="0"/>
+          </a:p>
+          <a:p>
+            <a:pPr lvl="1"/>
+            <a:r>
+              <a:rPr lang="zh-CN" altLang="en-US" dirty="0"/>
+              <a:t>没有可读性</a:t>
+            </a:r>
+            <a:endParaRPr lang="en-US" altLang="zh-CN" dirty="0"/>
+          </a:p>
+          <a:p>
+            <a:pPr lvl="1"/>
+            <a:r>
+              <a:rPr lang="zh-CN" altLang="en-US" dirty="0"/>
+              <a:t>缺乏自描述</a:t>
+            </a:r>
+            <a:endParaRPr lang="en-US" altLang="zh-CN" dirty="0"/>
+          </a:p>
+          <a:p>
+            <a:pPr lvl="1"/>
+            <a:r>
+              <a:rPr lang="zh-CN" altLang="en-US" dirty="0"/>
+              <a:t>通用性</a:t>
+            </a:r>
+          </a:p>
+        </p:txBody>
+      </p:sp>
     </p:spTree>
     <p:extLst>
       <p:ext uri="{BB962C8B-B14F-4D97-AF65-F5344CB8AC3E}">
-        <p14:creationId xmlns:p14="http://schemas.microsoft.com/office/powerpoint/2010/main" val="1006773812"/>
+        <p14:creationId xmlns:p14="http://schemas.microsoft.com/office/powerpoint/2010/main" val="315934487"/>
       </p:ext>
     </p:extLst>
   </p:cSld>
@@ -3885,7 +4055,7 @@
           <p:cNvPr id="2" name="标题 1">
             <a:extLst>
               <a:ext uri="{FF2B5EF4-FFF2-40B4-BE49-F238E27FC236}">
-                <a16:creationId xmlns:a16="http://schemas.microsoft.com/office/drawing/2014/main" id="{8C00A2DE-80B2-4D8A-A3E1-98766A947CF7}"/>
+                <a16:creationId xmlns:a16="http://schemas.microsoft.com/office/drawing/2014/main" id="{A273169E-E7E4-4296-81F0-EE7B2F12FE34}"/>
               </a:ext>
             </a:extLst>
           </p:cNvPr>
@@ -3903,7 +4073,7 @@
           <a:p>
             <a:r>
               <a:rPr lang="zh-CN" altLang="en-US" b="1" dirty="0"/>
-              <a:t>服务注册发现框架</a:t>
+              <a:t>配置中心</a:t>
             </a:r>
           </a:p>
         </p:txBody>
@@ -3913,7 +4083,7 @@
           <p:cNvPr id="5" name="图片 4">
             <a:extLst>
               <a:ext uri="{FF2B5EF4-FFF2-40B4-BE49-F238E27FC236}">
-                <a16:creationId xmlns:a16="http://schemas.microsoft.com/office/drawing/2014/main" id="{9C009AAE-BF62-4EA0-86F4-F111F9AEB8A4}"/>
+                <a16:creationId xmlns:a16="http://schemas.microsoft.com/office/drawing/2014/main" id="{A9014C5E-C557-47B5-A74B-1675363376C2}"/>
               </a:ext>
             </a:extLst>
           </p:cNvPr>
@@ -3930,8 +4100,8 @@
         </p:blipFill>
         <p:spPr>
           <a:xfrm>
-            <a:off x="1285605" y="2001062"/>
-            <a:ext cx="9180952" cy="4314286"/>
+            <a:off x="838200" y="1877422"/>
+            <a:ext cx="10131662" cy="4980578"/>
           </a:xfrm>
           <a:prstGeom prst="rect">
             <a:avLst/>
@@ -3941,7 +4111,7 @@
     </p:spTree>
     <p:extLst>
       <p:ext uri="{BB962C8B-B14F-4D97-AF65-F5344CB8AC3E}">
-        <p14:creationId xmlns:p14="http://schemas.microsoft.com/office/powerpoint/2010/main" val="3127544902"/>
+        <p14:creationId xmlns:p14="http://schemas.microsoft.com/office/powerpoint/2010/main" val="2488308321"/>
       </p:ext>
     </p:extLst>
   </p:cSld>
@@ -3987,7 +4157,7 @@
           <p:cNvPr id="2" name="标题 1">
             <a:extLst>
               <a:ext uri="{FF2B5EF4-FFF2-40B4-BE49-F238E27FC236}">
-                <a16:creationId xmlns:a16="http://schemas.microsoft.com/office/drawing/2014/main" id="{656877F7-85E5-44BE-B398-D45C128B2EF5}"/>
+                <a16:creationId xmlns:a16="http://schemas.microsoft.com/office/drawing/2014/main" id="{9E079EAD-10C6-4B44-8683-69CE936F766B}"/>
               </a:ext>
             </a:extLst>
           </p:cNvPr>
@@ -4004,10 +4174,9 @@
           <a:lstStyle/>
           <a:p>
             <a:r>
-              <a:rPr lang="en-US" altLang="zh-CN" b="1" dirty="0"/>
-              <a:t>ETCD</a:t>
-            </a:r>
-            <a:endParaRPr lang="zh-CN" altLang="en-US" b="1" dirty="0"/>
+              <a:rPr lang="zh-CN" altLang="en-US" b="1" dirty="0"/>
+              <a:t>服务发现</a:t>
+            </a:r>
           </a:p>
         </p:txBody>
       </p:sp>
@@ -4016,7 +4185,7 @@
           <p:cNvPr id="5" name="图片 4">
             <a:extLst>
               <a:ext uri="{FF2B5EF4-FFF2-40B4-BE49-F238E27FC236}">
-                <a16:creationId xmlns:a16="http://schemas.microsoft.com/office/drawing/2014/main" id="{9783C9D3-ABF3-46EE-8425-DD8DA9E2623C}"/>
+                <a16:creationId xmlns:a16="http://schemas.microsoft.com/office/drawing/2014/main" id="{C581C653-8B62-47D2-B02F-80FABDFA0599}"/>
               </a:ext>
             </a:extLst>
           </p:cNvPr>
@@ -4033,8 +4202,8 @@
         </p:blipFill>
         <p:spPr>
           <a:xfrm>
-            <a:off x="838200" y="1880553"/>
-            <a:ext cx="10028571" cy="4323809"/>
+            <a:off x="2496168" y="2328326"/>
+            <a:ext cx="6933333" cy="3266667"/>
           </a:xfrm>
           <a:prstGeom prst="rect">
             <a:avLst/>
@@ -4044,7 +4213,7 @@
     </p:spTree>
     <p:extLst>
       <p:ext uri="{BB962C8B-B14F-4D97-AF65-F5344CB8AC3E}">
-        <p14:creationId xmlns:p14="http://schemas.microsoft.com/office/powerpoint/2010/main" val="2064201839"/>
+        <p14:creationId xmlns:p14="http://schemas.microsoft.com/office/powerpoint/2010/main" val="1006773812"/>
       </p:ext>
     </p:extLst>
   </p:cSld>
@@ -4090,7 +4259,7 @@
           <p:cNvPr id="2" name="标题 1">
             <a:extLst>
               <a:ext uri="{FF2B5EF4-FFF2-40B4-BE49-F238E27FC236}">
-                <a16:creationId xmlns:a16="http://schemas.microsoft.com/office/drawing/2014/main" id="{5F5289BA-6D31-4541-9A13-311D35B059A5}"/>
+                <a16:creationId xmlns:a16="http://schemas.microsoft.com/office/drawing/2014/main" id="{8C00A2DE-80B2-4D8A-A3E1-98766A947CF7}"/>
               </a:ext>
             </a:extLst>
           </p:cNvPr>
@@ -4107,120 +4276,46 @@
           <a:lstStyle/>
           <a:p>
             <a:r>
-              <a:rPr lang="en-US" altLang="zh-CN" b="1" dirty="0"/>
-              <a:t>ETCD</a:t>
-            </a:r>
-            <a:endParaRPr lang="zh-CN" altLang="en-US" dirty="0"/>
-          </a:p>
-        </p:txBody>
-      </p:sp>
-      <p:sp>
-        <p:nvSpPr>
-          <p:cNvPr id="3" name="内容占位符 2">
-            <a:extLst>
-              <a:ext uri="{FF2B5EF4-FFF2-40B4-BE49-F238E27FC236}">
-                <a16:creationId xmlns:a16="http://schemas.microsoft.com/office/drawing/2014/main" id="{11B6BC2C-9C40-4461-BFA5-38A145D3D4FF}"/>
-              </a:ext>
-            </a:extLst>
-          </p:cNvPr>
-          <p:cNvSpPr>
-            <a:spLocks noGrp="1"/>
-          </p:cNvSpPr>
-          <p:nvPr>
-            <p:ph idx="1"/>
-          </p:nvPr>
-        </p:nvSpPr>
-        <p:spPr/>
-        <p:txBody>
-          <a:bodyPr/>
-          <a:lstStyle/>
-          <a:p>
-            <a:r>
-              <a:rPr lang="en-US" altLang="zh-CN" dirty="0"/>
-              <a:t>get		</a:t>
-            </a:r>
-            <a:r>
-              <a:rPr lang="zh-CN" altLang="en-US" dirty="0"/>
-              <a:t>获取</a:t>
-            </a:r>
-            <a:endParaRPr lang="en-US" altLang="zh-CN" dirty="0"/>
-          </a:p>
-          <a:p>
-            <a:r>
-              <a:rPr lang="en-US" altLang="zh-CN" dirty="0"/>
-              <a:t>put		</a:t>
-            </a:r>
-            <a:r>
-              <a:rPr lang="zh-CN" altLang="en-US" dirty="0"/>
-              <a:t>写</a:t>
-            </a:r>
-            <a:endParaRPr lang="en-US" altLang="zh-CN" dirty="0"/>
-          </a:p>
-          <a:p>
-            <a:r>
-              <a:rPr lang="en-US" altLang="zh-CN" dirty="0"/>
-              <a:t>del		</a:t>
-            </a:r>
-            <a:r>
-              <a:rPr lang="zh-CN" altLang="en-US" dirty="0"/>
-              <a:t>删除</a:t>
-            </a:r>
-            <a:endParaRPr lang="en-US" altLang="zh-CN" dirty="0"/>
-          </a:p>
-          <a:p>
-            <a:r>
-              <a:rPr lang="en-US" altLang="zh-CN" dirty="0"/>
-              <a:t>watch	</a:t>
-            </a:r>
-            <a:r>
-              <a:rPr lang="zh-CN" altLang="en-US" dirty="0"/>
-              <a:t>监听</a:t>
-            </a:r>
-            <a:endParaRPr lang="en-US" altLang="zh-CN" dirty="0"/>
-          </a:p>
-          <a:p>
-            <a:r>
-              <a:rPr lang="en-US" altLang="zh-CN" dirty="0"/>
-              <a:t>lock		</a:t>
-            </a:r>
-            <a:r>
-              <a:rPr lang="zh-CN" altLang="en-US" dirty="0"/>
-              <a:t>锁</a:t>
-            </a:r>
-            <a:endParaRPr lang="en-US" altLang="zh-CN" dirty="0"/>
-          </a:p>
-          <a:p>
-            <a:r>
-              <a:rPr lang="en-US" altLang="zh-CN" dirty="0" err="1"/>
-              <a:t>txn</a:t>
-            </a:r>
-            <a:r>
-              <a:rPr lang="en-US" altLang="zh-CN" dirty="0"/>
-              <a:t>		</a:t>
-            </a:r>
-            <a:r>
-              <a:rPr lang="zh-CN" altLang="en-US" dirty="0"/>
-              <a:t>原子，事物</a:t>
-            </a:r>
-            <a:endParaRPr lang="en-US" altLang="zh-CN" dirty="0"/>
-          </a:p>
-          <a:p>
-            <a:r>
-              <a:rPr lang="en-US" altLang="zh-CN" dirty="0"/>
-              <a:t>lease 	</a:t>
-            </a:r>
-            <a:r>
-              <a:rPr lang="zh-CN" altLang="en-US" dirty="0"/>
-              <a:t>租约</a:t>
-            </a:r>
-            <a:endParaRPr lang="en-US" altLang="zh-CN" dirty="0"/>
-          </a:p>
-        </p:txBody>
-      </p:sp>
+              <a:rPr lang="zh-CN" altLang="en-US" b="1" dirty="0"/>
+              <a:t>服务注册发现框架</a:t>
+            </a:r>
+          </a:p>
+        </p:txBody>
+      </p:sp>
+      <p:pic>
+        <p:nvPicPr>
+          <p:cNvPr id="5" name="图片 4">
+            <a:extLst>
+              <a:ext uri="{FF2B5EF4-FFF2-40B4-BE49-F238E27FC236}">
+                <a16:creationId xmlns:a16="http://schemas.microsoft.com/office/drawing/2014/main" id="{9C009AAE-BF62-4EA0-86F4-F111F9AEB8A4}"/>
+              </a:ext>
+            </a:extLst>
+          </p:cNvPr>
+          <p:cNvPicPr>
+            <a:picLocks noChangeAspect="1"/>
+          </p:cNvPicPr>
+          <p:nvPr/>
+        </p:nvPicPr>
+        <p:blipFill>
+          <a:blip r:embed="rId3"/>
+          <a:stretch>
+            <a:fillRect/>
+          </a:stretch>
+        </p:blipFill>
+        <p:spPr>
+          <a:xfrm>
+            <a:off x="1285605" y="2001062"/>
+            <a:ext cx="9180952" cy="4314286"/>
+          </a:xfrm>
+          <a:prstGeom prst="rect">
+            <a:avLst/>
+          </a:prstGeom>
+        </p:spPr>
+      </p:pic>
     </p:spTree>
     <p:extLst>
       <p:ext uri="{BB962C8B-B14F-4D97-AF65-F5344CB8AC3E}">
-        <p14:creationId xmlns:p14="http://schemas.microsoft.com/office/powerpoint/2010/main" val="1854242347"/>
+        <p14:creationId xmlns:p14="http://schemas.microsoft.com/office/powerpoint/2010/main" val="3127544902"/>
       </p:ext>
     </p:extLst>
   </p:cSld>
@@ -4266,7 +4361,7 @@
           <p:cNvPr id="2" name="标题 1">
             <a:extLst>
               <a:ext uri="{FF2B5EF4-FFF2-40B4-BE49-F238E27FC236}">
-                <a16:creationId xmlns:a16="http://schemas.microsoft.com/office/drawing/2014/main" id="{C6B6AC32-041C-4496-A899-13A8F4C1FE29}"/>
+                <a16:creationId xmlns:a16="http://schemas.microsoft.com/office/drawing/2014/main" id="{656877F7-85E5-44BE-B398-D45C128B2EF5}"/>
               </a:ext>
             </a:extLst>
           </p:cNvPr>
@@ -4284,7 +4379,7 @@
           <a:p>
             <a:r>
               <a:rPr lang="en-US" altLang="zh-CN" b="1" dirty="0"/>
-              <a:t>CAP</a:t>
+              <a:t>ETCD</a:t>
             </a:r>
             <a:endParaRPr lang="zh-CN" altLang="en-US" b="1" dirty="0"/>
           </a:p>
@@ -4295,7 +4390,7 @@
           <p:cNvPr id="5" name="图片 4">
             <a:extLst>
               <a:ext uri="{FF2B5EF4-FFF2-40B4-BE49-F238E27FC236}">
-                <a16:creationId xmlns:a16="http://schemas.microsoft.com/office/drawing/2014/main" id="{DD586917-FE68-44D3-B5EF-95D957E097D4}"/>
+                <a16:creationId xmlns:a16="http://schemas.microsoft.com/office/drawing/2014/main" id="{9783C9D3-ABF3-46EE-8425-DD8DA9E2623C}"/>
               </a:ext>
             </a:extLst>
           </p:cNvPr>
@@ -4312,8 +4407,8 @@
         </p:blipFill>
         <p:spPr>
           <a:xfrm>
-            <a:off x="838200" y="1441579"/>
-            <a:ext cx="9619934" cy="5416421"/>
+            <a:off x="838200" y="1880553"/>
+            <a:ext cx="10028571" cy="4323809"/>
           </a:xfrm>
           <a:prstGeom prst="rect">
             <a:avLst/>
@@ -4323,7 +4418,7 @@
     </p:spTree>
     <p:extLst>
       <p:ext uri="{BB962C8B-B14F-4D97-AF65-F5344CB8AC3E}">
-        <p14:creationId xmlns:p14="http://schemas.microsoft.com/office/powerpoint/2010/main" val="924802517"/>
+        <p14:creationId xmlns:p14="http://schemas.microsoft.com/office/powerpoint/2010/main" val="2064201839"/>
       </p:ext>
     </p:extLst>
   </p:cSld>
@@ -4336,6 +4431,20 @@
 <file path=ppt/slides/slide18.xml><?xml version="1.0" encoding="utf-8"?>
 <p:sld xmlns:a="http://schemas.openxmlformats.org/drawingml/2006/main" xmlns:r="http://schemas.openxmlformats.org/officeDocument/2006/relationships" xmlns:p="http://schemas.openxmlformats.org/presentationml/2006/main">
   <p:cSld>
+    <p:bg>
+      <p:bgPr>
+        <a:blipFill dpi="0" rotWithShape="1">
+          <a:blip r:embed="rId2">
+            <a:lum/>
+          </a:blip>
+          <a:srcRect/>
+          <a:stretch>
+            <a:fillRect/>
+          </a:stretch>
+        </a:blipFill>
+        <a:effectLst/>
+      </p:bgPr>
+    </p:bg>
     <p:spTree>
       <p:nvGrpSpPr>
         <p:cNvPr id="1" name=""/>
@@ -4355,7 +4464,7 @@
           <p:cNvPr id="2" name="标题 1">
             <a:extLst>
               <a:ext uri="{FF2B5EF4-FFF2-40B4-BE49-F238E27FC236}">
-                <a16:creationId xmlns:a16="http://schemas.microsoft.com/office/drawing/2014/main" id="{79D2F5E4-FE19-4044-9F18-02AA0E4EC1F9}"/>
+                <a16:creationId xmlns:a16="http://schemas.microsoft.com/office/drawing/2014/main" id="{5F5289BA-6D31-4541-9A13-311D35B059A5}"/>
               </a:ext>
             </a:extLst>
           </p:cNvPr>
@@ -4373,46 +4482,119 @@
           <a:p>
             <a:r>
               <a:rPr lang="en-US" altLang="zh-CN" b="1" dirty="0"/>
-              <a:t>CAP</a:t>
-            </a:r>
-            <a:endParaRPr lang="zh-CN" altLang="en-US" b="1" dirty="0"/>
-          </a:p>
-        </p:txBody>
-      </p:sp>
-      <p:pic>
-        <p:nvPicPr>
-          <p:cNvPr id="5" name="图片 4">
-            <a:extLst>
-              <a:ext uri="{FF2B5EF4-FFF2-40B4-BE49-F238E27FC236}">
-                <a16:creationId xmlns:a16="http://schemas.microsoft.com/office/drawing/2014/main" id="{DF3BA343-8860-4A1C-995E-520F187291E2}"/>
-              </a:ext>
-            </a:extLst>
-          </p:cNvPr>
-          <p:cNvPicPr>
-            <a:picLocks noChangeAspect="1"/>
-          </p:cNvPicPr>
-          <p:nvPr/>
-        </p:nvPicPr>
-        <p:blipFill>
-          <a:blip r:embed="rId2"/>
-          <a:stretch>
-            <a:fillRect/>
-          </a:stretch>
-        </p:blipFill>
-        <p:spPr>
-          <a:xfrm>
-            <a:off x="3062666" y="1302399"/>
-            <a:ext cx="6066667" cy="5190476"/>
-          </a:xfrm>
-          <a:prstGeom prst="rect">
-            <a:avLst/>
-          </a:prstGeom>
-        </p:spPr>
-      </p:pic>
+              <a:t>ETCD</a:t>
+            </a:r>
+            <a:endParaRPr lang="zh-CN" altLang="en-US" dirty="0"/>
+          </a:p>
+        </p:txBody>
+      </p:sp>
+      <p:sp>
+        <p:nvSpPr>
+          <p:cNvPr id="3" name="内容占位符 2">
+            <a:extLst>
+              <a:ext uri="{FF2B5EF4-FFF2-40B4-BE49-F238E27FC236}">
+                <a16:creationId xmlns:a16="http://schemas.microsoft.com/office/drawing/2014/main" id="{11B6BC2C-9C40-4461-BFA5-38A145D3D4FF}"/>
+              </a:ext>
+            </a:extLst>
+          </p:cNvPr>
+          <p:cNvSpPr>
+            <a:spLocks noGrp="1"/>
+          </p:cNvSpPr>
+          <p:nvPr>
+            <p:ph idx="1"/>
+          </p:nvPr>
+        </p:nvSpPr>
+        <p:spPr/>
+        <p:txBody>
+          <a:bodyPr/>
+          <a:lstStyle/>
+          <a:p>
+            <a:r>
+              <a:rPr lang="en-US" altLang="zh-CN" dirty="0"/>
+              <a:t>get		</a:t>
+            </a:r>
+            <a:r>
+              <a:rPr lang="zh-CN" altLang="en-US" dirty="0"/>
+              <a:t>获取</a:t>
+            </a:r>
+            <a:endParaRPr lang="en-US" altLang="zh-CN" dirty="0"/>
+          </a:p>
+          <a:p>
+            <a:r>
+              <a:rPr lang="en-US" altLang="zh-CN" dirty="0"/>
+              <a:t>put		</a:t>
+            </a:r>
+            <a:r>
+              <a:rPr lang="zh-CN" altLang="en-US" dirty="0"/>
+              <a:t>写</a:t>
+            </a:r>
+            <a:endParaRPr lang="en-US" altLang="zh-CN" dirty="0"/>
+          </a:p>
+          <a:p>
+            <a:r>
+              <a:rPr lang="en-US" altLang="zh-CN" dirty="0"/>
+              <a:t>del		</a:t>
+            </a:r>
+            <a:r>
+              <a:rPr lang="zh-CN" altLang="en-US" dirty="0"/>
+              <a:t>删除</a:t>
+            </a:r>
+            <a:endParaRPr lang="en-US" altLang="zh-CN" dirty="0"/>
+          </a:p>
+          <a:p>
+            <a:r>
+              <a:rPr lang="en-US" altLang="zh-CN" dirty="0"/>
+              <a:t>watch	</a:t>
+            </a:r>
+            <a:r>
+              <a:rPr lang="zh-CN" altLang="en-US" dirty="0"/>
+              <a:t>监听</a:t>
+            </a:r>
+            <a:endParaRPr lang="en-US" altLang="zh-CN" dirty="0"/>
+          </a:p>
+          <a:p>
+            <a:r>
+              <a:rPr lang="en-US" altLang="zh-CN" dirty="0"/>
+              <a:t>lock		</a:t>
+            </a:r>
+            <a:r>
+              <a:rPr lang="zh-CN" altLang="en-US" dirty="0"/>
+              <a:t>锁</a:t>
+            </a:r>
+            <a:endParaRPr lang="en-US" altLang="zh-CN" dirty="0"/>
+          </a:p>
+          <a:p>
+            <a:r>
+              <a:rPr lang="en-US" altLang="zh-CN" dirty="0" err="1"/>
+              <a:t>txn</a:t>
+            </a:r>
+            <a:r>
+              <a:rPr lang="en-US" altLang="zh-CN" dirty="0"/>
+              <a:t>		</a:t>
+            </a:r>
+            <a:r>
+              <a:rPr lang="zh-CN" altLang="en-US" dirty="0"/>
+              <a:t>原子，事物</a:t>
+            </a:r>
+            <a:endParaRPr lang="en-US" altLang="zh-CN" dirty="0"/>
+          </a:p>
+          <a:p>
+            <a:r>
+              <a:rPr lang="en-US" altLang="zh-CN" dirty="0"/>
+              <a:t>lease 	</a:t>
+            </a:r>
+            <a:r>
+              <a:rPr lang="zh-CN" altLang="en-US" dirty="0"/>
+              <a:t>租约</a:t>
+            </a:r>
+            <a:endParaRPr lang="en-US" altLang="zh-CN" dirty="0"/>
+          </a:p>
+        </p:txBody>
+      </p:sp>
     </p:spTree>
     <p:extLst>
       <p:ext uri="{BB962C8B-B14F-4D97-AF65-F5344CB8AC3E}">
-        <p14:creationId xmlns:p14="http://schemas.microsoft.com/office/powerpoint/2010/main" val="2743054234"/>
+        <p14:creationId xmlns:p14="http://schemas.microsoft.com/office/powerpoint/2010/main" val="1854242347"/>
       </p:ext>
     </p:extLst>
   </p:cSld>
@@ -4458,7 +4640,7 @@
           <p:cNvPr id="2" name="标题 1">
             <a:extLst>
               <a:ext uri="{FF2B5EF4-FFF2-40B4-BE49-F238E27FC236}">
-                <a16:creationId xmlns:a16="http://schemas.microsoft.com/office/drawing/2014/main" id="{15111E4B-EAAA-4290-ADB0-29261BC4DD35}"/>
+                <a16:creationId xmlns:a16="http://schemas.microsoft.com/office/drawing/2014/main" id="{C6B6AC32-041C-4496-A899-13A8F4C1FE29}"/>
               </a:ext>
             </a:extLst>
           </p:cNvPr>
@@ -4475,63 +4657,47 @@
           <a:lstStyle/>
           <a:p>
             <a:r>
-              <a:rPr lang="zh-CN" altLang="en-US" b="1" dirty="0"/>
-              <a:t>负载均衡</a:t>
-            </a:r>
+              <a:rPr lang="en-US" altLang="zh-CN" b="1" dirty="0"/>
+              <a:t>CAP</a:t>
+            </a:r>
+            <a:endParaRPr lang="zh-CN" altLang="en-US" b="1" dirty="0"/>
           </a:p>
         </p:txBody>
       </p:sp>
       <p:pic>
         <p:nvPicPr>
-          <p:cNvPr id="1026" name="Picture 2">
-            <a:extLst>
-              <a:ext uri="{FF2B5EF4-FFF2-40B4-BE49-F238E27FC236}">
-                <a16:creationId xmlns:a16="http://schemas.microsoft.com/office/drawing/2014/main" id="{6AFEB8C2-6AB5-4129-BE7F-3EE37DDE6759}"/>
+          <p:cNvPr id="5" name="图片 4">
+            <a:extLst>
+              <a:ext uri="{FF2B5EF4-FFF2-40B4-BE49-F238E27FC236}">
+                <a16:creationId xmlns:a16="http://schemas.microsoft.com/office/drawing/2014/main" id="{DD586917-FE68-44D3-B5EF-95D957E097D4}"/>
               </a:ext>
             </a:extLst>
           </p:cNvPr>
           <p:cNvPicPr>
-            <a:picLocks noChangeAspect="1" noChangeArrowheads="1"/>
+            <a:picLocks noChangeAspect="1"/>
           </p:cNvPicPr>
           <p:nvPr/>
         </p:nvPicPr>
         <p:blipFill>
-          <a:blip r:embed="rId3">
-            <a:extLst>
-              <a:ext uri="{28A0092B-C50C-407E-A947-70E740481C1C}">
-                <a14:useLocalDpi xmlns:a14="http://schemas.microsoft.com/office/drawing/2010/main" val="0"/>
-              </a:ext>
-            </a:extLst>
-          </a:blip>
-          <a:srcRect/>
+          <a:blip r:embed="rId3"/>
           <a:stretch>
             <a:fillRect/>
           </a:stretch>
         </p:blipFill>
-        <p:spPr bwMode="auto">
+        <p:spPr>
           <a:xfrm>
-            <a:off x="3238500" y="2000250"/>
-            <a:ext cx="5715000" cy="2857500"/>
+            <a:off x="838200" y="1441579"/>
+            <a:ext cx="9619934" cy="5416421"/>
           </a:xfrm>
           <a:prstGeom prst="rect">
             <a:avLst/>
           </a:prstGeom>
-          <a:noFill/>
-          <a:extLst>
-            <a:ext uri="{909E8E84-426E-40DD-AFC4-6F175D3DCCD1}">
-              <a14:hiddenFill xmlns:a14="http://schemas.microsoft.com/office/drawing/2010/main">
-                <a:solidFill>
-                  <a:srgbClr val="FFFFFF"/>
-                </a:solidFill>
-              </a14:hiddenFill>
-            </a:ext>
-          </a:extLst>
         </p:spPr>
       </p:pic>
     </p:spTree>
     <p:extLst>
       <p:ext uri="{BB962C8B-B14F-4D97-AF65-F5344CB8AC3E}">
-        <p14:creationId xmlns:p14="http://schemas.microsoft.com/office/powerpoint/2010/main" val="3293985701"/>
+        <p14:creationId xmlns:p14="http://schemas.microsoft.com/office/powerpoint/2010/main" val="924802517"/>
       </p:ext>
     </p:extLst>
   </p:cSld>
@@ -4660,20 +4826,6 @@
 <file path=ppt/slides/slide20.xml><?xml version="1.0" encoding="utf-8"?>
 <p:sld xmlns:a="http://schemas.openxmlformats.org/drawingml/2006/main" xmlns:r="http://schemas.openxmlformats.org/officeDocument/2006/relationships" xmlns:p="http://schemas.openxmlformats.org/presentationml/2006/main">
   <p:cSld>
-    <p:bg>
-      <p:bgPr>
-        <a:blipFill dpi="0" rotWithShape="1">
-          <a:blip r:embed="rId2">
-            <a:lum/>
-          </a:blip>
-          <a:srcRect/>
-          <a:stretch>
-            <a:fillRect/>
-          </a:stretch>
-        </a:blipFill>
-        <a:effectLst/>
-      </p:bgPr>
-    </p:bg>
     <p:spTree>
       <p:nvGrpSpPr>
         <p:cNvPr id="1" name=""/>
@@ -4693,7 +4845,7 @@
           <p:cNvPr id="2" name="标题 1">
             <a:extLst>
               <a:ext uri="{FF2B5EF4-FFF2-40B4-BE49-F238E27FC236}">
-                <a16:creationId xmlns:a16="http://schemas.microsoft.com/office/drawing/2014/main" id="{EA2CD536-8C91-4570-AA50-101EBEA3B190}"/>
+                <a16:creationId xmlns:a16="http://schemas.microsoft.com/office/drawing/2014/main" id="{79D2F5E4-FE19-4044-9F18-02AA0E4EC1F9}"/>
               </a:ext>
             </a:extLst>
           </p:cNvPr>
@@ -4710,96 +4862,47 @@
           <a:lstStyle/>
           <a:p>
             <a:r>
-              <a:rPr lang="zh-CN" altLang="en-US" b="1" dirty="0"/>
-              <a:t>负载均衡</a:t>
-            </a:r>
-            <a:endParaRPr lang="zh-CN" altLang="en-US" dirty="0"/>
-          </a:p>
-        </p:txBody>
-      </p:sp>
-      <p:sp>
-        <p:nvSpPr>
-          <p:cNvPr id="3" name="内容占位符 2">
-            <a:extLst>
-              <a:ext uri="{FF2B5EF4-FFF2-40B4-BE49-F238E27FC236}">
-                <a16:creationId xmlns:a16="http://schemas.microsoft.com/office/drawing/2014/main" id="{8458A620-45BA-467B-BB8A-0AE925A59EFC}"/>
-              </a:ext>
-            </a:extLst>
-          </p:cNvPr>
-          <p:cNvSpPr>
-            <a:spLocks noGrp="1"/>
-          </p:cNvSpPr>
-          <p:nvPr>
-            <p:ph idx="1"/>
-          </p:nvPr>
-        </p:nvSpPr>
-        <p:spPr/>
-        <p:txBody>
-          <a:bodyPr/>
-          <a:lstStyle/>
-          <a:p>
-            <a:r>
-              <a:rPr lang="zh-CN" altLang="en-US" dirty="0"/>
-              <a:t>轮询</a:t>
-            </a:r>
-            <a:endParaRPr lang="en-US" altLang="zh-CN" dirty="0"/>
-          </a:p>
-          <a:p>
-            <a:r>
-              <a:rPr lang="zh-CN" altLang="en-US" dirty="0"/>
-              <a:t>加权轮询</a:t>
-            </a:r>
-            <a:endParaRPr lang="en-US" altLang="zh-CN" dirty="0"/>
-          </a:p>
-          <a:p>
-            <a:r>
-              <a:rPr lang="zh-CN" altLang="en-US" dirty="0"/>
-              <a:t>随机</a:t>
-            </a:r>
-            <a:endParaRPr lang="en-US" altLang="zh-CN" dirty="0"/>
-          </a:p>
-          <a:p>
-            <a:r>
-              <a:rPr lang="zh-CN" altLang="en-US" dirty="0"/>
-              <a:t>加权随机</a:t>
-            </a:r>
-            <a:endParaRPr lang="en-US" altLang="zh-CN" dirty="0"/>
-          </a:p>
-          <a:p>
-            <a:r>
-              <a:rPr lang="en-US" altLang="zh-CN" dirty="0" err="1"/>
-              <a:t>ip_hash</a:t>
-            </a:r>
-            <a:endParaRPr lang="en-US" altLang="zh-CN" dirty="0"/>
-          </a:p>
-          <a:p>
-            <a:r>
-              <a:rPr lang="en-US" altLang="zh-CN" dirty="0" err="1"/>
-              <a:t>Least_conn</a:t>
-            </a:r>
-            <a:endParaRPr lang="en-US" altLang="zh-CN" dirty="0"/>
-          </a:p>
-          <a:p>
-            <a:endParaRPr lang="en-US" altLang="zh-CN" dirty="0"/>
-          </a:p>
-          <a:p>
-            <a:endParaRPr lang="en-US" altLang="zh-CN" dirty="0"/>
-          </a:p>
-          <a:p>
-            <a:endParaRPr lang="en-US" altLang="zh-CN" dirty="0"/>
-          </a:p>
-          <a:p>
-            <a:endParaRPr lang="en-US" altLang="zh-CN" dirty="0"/>
-          </a:p>
-          <a:p>
-            <a:endParaRPr lang="zh-CN" altLang="en-US" dirty="0"/>
-          </a:p>
-        </p:txBody>
-      </p:sp>
+              <a:rPr lang="en-US" altLang="zh-CN" b="1" dirty="0"/>
+              <a:t>CAP</a:t>
+            </a:r>
+            <a:endParaRPr lang="zh-CN" altLang="en-US" b="1" dirty="0"/>
+          </a:p>
+        </p:txBody>
+      </p:sp>
+      <p:pic>
+        <p:nvPicPr>
+          <p:cNvPr id="5" name="图片 4">
+            <a:extLst>
+              <a:ext uri="{FF2B5EF4-FFF2-40B4-BE49-F238E27FC236}">
+                <a16:creationId xmlns:a16="http://schemas.microsoft.com/office/drawing/2014/main" id="{DF3BA343-8860-4A1C-995E-520F187291E2}"/>
+              </a:ext>
+            </a:extLst>
+          </p:cNvPr>
+          <p:cNvPicPr>
+            <a:picLocks noChangeAspect="1"/>
+          </p:cNvPicPr>
+          <p:nvPr/>
+        </p:nvPicPr>
+        <p:blipFill>
+          <a:blip r:embed="rId2"/>
+          <a:stretch>
+            <a:fillRect/>
+          </a:stretch>
+        </p:blipFill>
+        <p:spPr>
+          <a:xfrm>
+            <a:off x="3062666" y="1302399"/>
+            <a:ext cx="6066667" cy="5190476"/>
+          </a:xfrm>
+          <a:prstGeom prst="rect">
+            <a:avLst/>
+          </a:prstGeom>
+        </p:spPr>
+      </p:pic>
     </p:spTree>
     <p:extLst>
       <p:ext uri="{BB962C8B-B14F-4D97-AF65-F5344CB8AC3E}">
-        <p14:creationId xmlns:p14="http://schemas.microsoft.com/office/powerpoint/2010/main" val="2931287414"/>
+        <p14:creationId xmlns:p14="http://schemas.microsoft.com/office/powerpoint/2010/main" val="2743054234"/>
       </p:ext>
     </p:extLst>
   </p:cSld>
@@ -4845,6 +4948,277 @@
           <p:cNvPr id="2" name="标题 1">
             <a:extLst>
               <a:ext uri="{FF2B5EF4-FFF2-40B4-BE49-F238E27FC236}">
+                <a16:creationId xmlns:a16="http://schemas.microsoft.com/office/drawing/2014/main" id="{15111E4B-EAAA-4290-ADB0-29261BC4DD35}"/>
+              </a:ext>
+            </a:extLst>
+          </p:cNvPr>
+          <p:cNvSpPr>
+            <a:spLocks noGrp="1"/>
+          </p:cNvSpPr>
+          <p:nvPr>
+            <p:ph type="title"/>
+          </p:nvPr>
+        </p:nvSpPr>
+        <p:spPr/>
+        <p:txBody>
+          <a:bodyPr/>
+          <a:lstStyle/>
+          <a:p>
+            <a:r>
+              <a:rPr lang="zh-CN" altLang="en-US" b="1" dirty="0"/>
+              <a:t>负载均衡</a:t>
+            </a:r>
+          </a:p>
+        </p:txBody>
+      </p:sp>
+      <p:pic>
+        <p:nvPicPr>
+          <p:cNvPr id="1026" name="Picture 2">
+            <a:extLst>
+              <a:ext uri="{FF2B5EF4-FFF2-40B4-BE49-F238E27FC236}">
+                <a16:creationId xmlns:a16="http://schemas.microsoft.com/office/drawing/2014/main" id="{6AFEB8C2-6AB5-4129-BE7F-3EE37DDE6759}"/>
+              </a:ext>
+            </a:extLst>
+          </p:cNvPr>
+          <p:cNvPicPr>
+            <a:picLocks noChangeAspect="1" noChangeArrowheads="1"/>
+          </p:cNvPicPr>
+          <p:nvPr/>
+        </p:nvPicPr>
+        <p:blipFill>
+          <a:blip r:embed="rId3">
+            <a:extLst>
+              <a:ext uri="{28A0092B-C50C-407E-A947-70E740481C1C}">
+                <a14:useLocalDpi xmlns:a14="http://schemas.microsoft.com/office/drawing/2010/main" val="0"/>
+              </a:ext>
+            </a:extLst>
+          </a:blip>
+          <a:srcRect/>
+          <a:stretch>
+            <a:fillRect/>
+          </a:stretch>
+        </p:blipFill>
+        <p:spPr bwMode="auto">
+          <a:xfrm>
+            <a:off x="3238500" y="2000250"/>
+            <a:ext cx="5715000" cy="2857500"/>
+          </a:xfrm>
+          <a:prstGeom prst="rect">
+            <a:avLst/>
+          </a:prstGeom>
+          <a:noFill/>
+          <a:extLst>
+            <a:ext uri="{909E8E84-426E-40DD-AFC4-6F175D3DCCD1}">
+              <a14:hiddenFill xmlns:a14="http://schemas.microsoft.com/office/drawing/2010/main">
+                <a:solidFill>
+                  <a:srgbClr val="FFFFFF"/>
+                </a:solidFill>
+              </a14:hiddenFill>
+            </a:ext>
+          </a:extLst>
+        </p:spPr>
+      </p:pic>
+    </p:spTree>
+    <p:extLst>
+      <p:ext uri="{BB962C8B-B14F-4D97-AF65-F5344CB8AC3E}">
+        <p14:creationId xmlns:p14="http://schemas.microsoft.com/office/powerpoint/2010/main" val="3293985701"/>
+      </p:ext>
+    </p:extLst>
+  </p:cSld>
+  <p:clrMapOvr>
+    <a:masterClrMapping/>
+  </p:clrMapOvr>
+</p:sld>
+</file>
+
+<file path=ppt/slides/slide22.xml><?xml version="1.0" encoding="utf-8"?>
+<p:sld xmlns:a="http://schemas.openxmlformats.org/drawingml/2006/main" xmlns:r="http://schemas.openxmlformats.org/officeDocument/2006/relationships" xmlns:p="http://schemas.openxmlformats.org/presentationml/2006/main">
+  <p:cSld>
+    <p:bg>
+      <p:bgPr>
+        <a:blipFill dpi="0" rotWithShape="1">
+          <a:blip r:embed="rId2">
+            <a:lum/>
+          </a:blip>
+          <a:srcRect/>
+          <a:stretch>
+            <a:fillRect/>
+          </a:stretch>
+        </a:blipFill>
+        <a:effectLst/>
+      </p:bgPr>
+    </p:bg>
+    <p:spTree>
+      <p:nvGrpSpPr>
+        <p:cNvPr id="1" name=""/>
+        <p:cNvGrpSpPr/>
+        <p:nvPr/>
+      </p:nvGrpSpPr>
+      <p:grpSpPr>
+        <a:xfrm>
+          <a:off x="0" y="0"/>
+          <a:ext cx="0" cy="0"/>
+          <a:chOff x="0" y="0"/>
+          <a:chExt cx="0" cy="0"/>
+        </a:xfrm>
+      </p:grpSpPr>
+      <p:sp>
+        <p:nvSpPr>
+          <p:cNvPr id="2" name="标题 1">
+            <a:extLst>
+              <a:ext uri="{FF2B5EF4-FFF2-40B4-BE49-F238E27FC236}">
+                <a16:creationId xmlns:a16="http://schemas.microsoft.com/office/drawing/2014/main" id="{EA2CD536-8C91-4570-AA50-101EBEA3B190}"/>
+              </a:ext>
+            </a:extLst>
+          </p:cNvPr>
+          <p:cNvSpPr>
+            <a:spLocks noGrp="1"/>
+          </p:cNvSpPr>
+          <p:nvPr>
+            <p:ph type="title"/>
+          </p:nvPr>
+        </p:nvSpPr>
+        <p:spPr/>
+        <p:txBody>
+          <a:bodyPr/>
+          <a:lstStyle/>
+          <a:p>
+            <a:r>
+              <a:rPr lang="zh-CN" altLang="en-US" b="1" dirty="0"/>
+              <a:t>负载均衡</a:t>
+            </a:r>
+            <a:endParaRPr lang="zh-CN" altLang="en-US" dirty="0"/>
+          </a:p>
+        </p:txBody>
+      </p:sp>
+      <p:sp>
+        <p:nvSpPr>
+          <p:cNvPr id="3" name="内容占位符 2">
+            <a:extLst>
+              <a:ext uri="{FF2B5EF4-FFF2-40B4-BE49-F238E27FC236}">
+                <a16:creationId xmlns:a16="http://schemas.microsoft.com/office/drawing/2014/main" id="{8458A620-45BA-467B-BB8A-0AE925A59EFC}"/>
+              </a:ext>
+            </a:extLst>
+          </p:cNvPr>
+          <p:cNvSpPr>
+            <a:spLocks noGrp="1"/>
+          </p:cNvSpPr>
+          <p:nvPr>
+            <p:ph idx="1"/>
+          </p:nvPr>
+        </p:nvSpPr>
+        <p:spPr/>
+        <p:txBody>
+          <a:bodyPr/>
+          <a:lstStyle/>
+          <a:p>
+            <a:r>
+              <a:rPr lang="zh-CN" altLang="en-US" dirty="0"/>
+              <a:t>轮询</a:t>
+            </a:r>
+            <a:endParaRPr lang="en-US" altLang="zh-CN" dirty="0"/>
+          </a:p>
+          <a:p>
+            <a:r>
+              <a:rPr lang="zh-CN" altLang="en-US" dirty="0"/>
+              <a:t>加权轮询</a:t>
+            </a:r>
+            <a:endParaRPr lang="en-US" altLang="zh-CN" dirty="0"/>
+          </a:p>
+          <a:p>
+            <a:r>
+              <a:rPr lang="zh-CN" altLang="en-US" dirty="0"/>
+              <a:t>随机</a:t>
+            </a:r>
+            <a:endParaRPr lang="en-US" altLang="zh-CN" dirty="0"/>
+          </a:p>
+          <a:p>
+            <a:r>
+              <a:rPr lang="zh-CN" altLang="en-US" dirty="0"/>
+              <a:t>加权随机</a:t>
+            </a:r>
+            <a:endParaRPr lang="en-US" altLang="zh-CN" dirty="0"/>
+          </a:p>
+          <a:p>
+            <a:r>
+              <a:rPr lang="en-US" altLang="zh-CN" dirty="0" err="1"/>
+              <a:t>ip_hash</a:t>
+            </a:r>
+            <a:endParaRPr lang="en-US" altLang="zh-CN" dirty="0"/>
+          </a:p>
+          <a:p>
+            <a:r>
+              <a:rPr lang="en-US" altLang="zh-CN" dirty="0" err="1"/>
+              <a:t>Least_conn</a:t>
+            </a:r>
+            <a:endParaRPr lang="en-US" altLang="zh-CN" dirty="0"/>
+          </a:p>
+          <a:p>
+            <a:endParaRPr lang="en-US" altLang="zh-CN" dirty="0"/>
+          </a:p>
+          <a:p>
+            <a:endParaRPr lang="en-US" altLang="zh-CN" dirty="0"/>
+          </a:p>
+          <a:p>
+            <a:endParaRPr lang="en-US" altLang="zh-CN" dirty="0"/>
+          </a:p>
+          <a:p>
+            <a:endParaRPr lang="en-US" altLang="zh-CN" dirty="0"/>
+          </a:p>
+          <a:p>
+            <a:endParaRPr lang="zh-CN" altLang="en-US" dirty="0"/>
+          </a:p>
+        </p:txBody>
+      </p:sp>
+    </p:spTree>
+    <p:extLst>
+      <p:ext uri="{BB962C8B-B14F-4D97-AF65-F5344CB8AC3E}">
+        <p14:creationId xmlns:p14="http://schemas.microsoft.com/office/powerpoint/2010/main" val="2931287414"/>
+      </p:ext>
+    </p:extLst>
+  </p:cSld>
+  <p:clrMapOvr>
+    <a:masterClrMapping/>
+  </p:clrMapOvr>
+</p:sld>
+</file>
+
+<file path=ppt/slides/slide23.xml><?xml version="1.0" encoding="utf-8"?>
+<p:sld xmlns:a="http://schemas.openxmlformats.org/drawingml/2006/main" xmlns:r="http://schemas.openxmlformats.org/officeDocument/2006/relationships" xmlns:p="http://schemas.openxmlformats.org/presentationml/2006/main">
+  <p:cSld>
+    <p:bg>
+      <p:bgPr>
+        <a:blipFill dpi="0" rotWithShape="1">
+          <a:blip r:embed="rId2">
+            <a:lum/>
+          </a:blip>
+          <a:srcRect/>
+          <a:stretch>
+            <a:fillRect/>
+          </a:stretch>
+        </a:blipFill>
+        <a:effectLst/>
+      </p:bgPr>
+    </p:bg>
+    <p:spTree>
+      <p:nvGrpSpPr>
+        <p:cNvPr id="1" name=""/>
+        <p:cNvGrpSpPr/>
+        <p:nvPr/>
+      </p:nvGrpSpPr>
+      <p:grpSpPr>
+        <a:xfrm>
+          <a:off x="0" y="0"/>
+          <a:ext cx="0" cy="0"/>
+          <a:chOff x="0" y="0"/>
+          <a:chExt cx="0" cy="0"/>
+        </a:xfrm>
+      </p:grpSpPr>
+      <p:sp>
+        <p:nvSpPr>
+          <p:cNvPr id="2" name="标题 1">
+            <a:extLst>
+              <a:ext uri="{FF2B5EF4-FFF2-40B4-BE49-F238E27FC236}">
                 <a16:creationId xmlns:a16="http://schemas.microsoft.com/office/drawing/2014/main" id="{D4CF906C-CB32-4D36-B4F4-11D3934E6898}"/>
               </a:ext>
             </a:extLst>
@@ -4911,7 +5285,7 @@
 </p:sld>
 </file>
 
-<file path=ppt/slides/slide22.xml><?xml version="1.0" encoding="utf-8"?>
+<file path=ppt/slides/slide24.xml><?xml version="1.0" encoding="utf-8"?>
 <p:sld xmlns:a="http://schemas.openxmlformats.org/drawingml/2006/main" xmlns:r="http://schemas.openxmlformats.org/officeDocument/2006/relationships" xmlns:p="http://schemas.openxmlformats.org/presentationml/2006/main">
   <p:cSld>
     <p:spTree>
@@ -4933,6 +5307,800 @@
           <p:cNvPr id="2" name="标题 1">
             <a:extLst>
               <a:ext uri="{FF2B5EF4-FFF2-40B4-BE49-F238E27FC236}">
+                <a16:creationId xmlns:a16="http://schemas.microsoft.com/office/drawing/2014/main" id="{269B8995-3B44-42F9-94E5-A58345C8BE98}"/>
+              </a:ext>
+            </a:extLst>
+          </p:cNvPr>
+          <p:cNvSpPr>
+            <a:spLocks noGrp="1"/>
+          </p:cNvSpPr>
+          <p:nvPr>
+            <p:ph type="title"/>
+          </p:nvPr>
+        </p:nvSpPr>
+        <p:spPr/>
+        <p:txBody>
+          <a:bodyPr/>
+          <a:lstStyle/>
+          <a:p>
+            <a:r>
+              <a:rPr lang="zh-CN" altLang="en-US" b="1" dirty="0"/>
+              <a:t>微服务框架 </a:t>
+            </a:r>
+            <a:r>
+              <a:rPr lang="en-US" altLang="zh-CN" b="1" dirty="0"/>
+              <a:t>- </a:t>
+            </a:r>
+            <a:r>
+              <a:rPr lang="en-US" altLang="zh-CN" b="1" dirty="0" err="1"/>
+              <a:t>kratos</a:t>
+            </a:r>
+            <a:endParaRPr lang="zh-CN" altLang="en-US" b="1" dirty="0"/>
+          </a:p>
+        </p:txBody>
+      </p:sp>
+      <p:sp>
+        <p:nvSpPr>
+          <p:cNvPr id="3" name="内容占位符 2">
+            <a:extLst>
+              <a:ext uri="{FF2B5EF4-FFF2-40B4-BE49-F238E27FC236}">
+                <a16:creationId xmlns:a16="http://schemas.microsoft.com/office/drawing/2014/main" id="{EC0109F8-4914-4144-A6C3-DF67AD9B7891}"/>
+              </a:ext>
+            </a:extLst>
+          </p:cNvPr>
+          <p:cNvSpPr>
+            <a:spLocks noGrp="1"/>
+          </p:cNvSpPr>
+          <p:nvPr>
+            <p:ph idx="1"/>
+          </p:nvPr>
+        </p:nvSpPr>
+        <p:spPr/>
+        <p:txBody>
+          <a:bodyPr>
+            <a:normAutofit fontScale="85000" lnSpcReduction="20000"/>
+          </a:bodyPr>
+          <a:lstStyle/>
+          <a:p>
+            <a:pPr algn="l"/>
+            <a:r>
+              <a:rPr lang="en-US" altLang="zh-CN" b="1" i="0" dirty="0">
+                <a:solidFill>
+                  <a:srgbClr val="1C1E21"/>
+                </a:solidFill>
+                <a:effectLst/>
+                <a:latin typeface="system-ui"/>
+              </a:rPr>
+              <a:t>Features</a:t>
+            </a:r>
+          </a:p>
+          <a:p>
+            <a:pPr lvl="1"/>
+            <a:r>
+              <a:rPr lang="en-US" altLang="zh-CN" b="0" i="0" dirty="0">
+                <a:solidFill>
+                  <a:srgbClr val="1C1E21"/>
+                </a:solidFill>
+                <a:effectLst/>
+                <a:latin typeface="system-ui"/>
+              </a:rPr>
+              <a:t>APIs</a:t>
+            </a:r>
+            <a:r>
+              <a:rPr lang="zh-CN" altLang="en-US" b="0" i="0" dirty="0">
+                <a:solidFill>
+                  <a:srgbClr val="1C1E21"/>
+                </a:solidFill>
+                <a:effectLst/>
+                <a:latin typeface="system-ui"/>
+              </a:rPr>
+              <a:t>：协议通信以 </a:t>
+            </a:r>
+            <a:r>
+              <a:rPr lang="en-US" altLang="zh-CN" b="0" i="0" dirty="0">
+                <a:solidFill>
+                  <a:srgbClr val="1C1E21"/>
+                </a:solidFill>
+                <a:effectLst/>
+                <a:latin typeface="system-ui"/>
+              </a:rPr>
+              <a:t>HTTP/</a:t>
+            </a:r>
+            <a:r>
+              <a:rPr lang="en-US" altLang="zh-CN" b="0" i="0" dirty="0" err="1">
+                <a:solidFill>
+                  <a:srgbClr val="1C1E21"/>
+                </a:solidFill>
+                <a:effectLst/>
+                <a:latin typeface="system-ui"/>
+              </a:rPr>
+              <a:t>gRPC</a:t>
+            </a:r>
+            <a:r>
+              <a:rPr lang="en-US" altLang="zh-CN" b="0" i="0" dirty="0">
+                <a:solidFill>
+                  <a:srgbClr val="1C1E21"/>
+                </a:solidFill>
+                <a:effectLst/>
+                <a:latin typeface="system-ui"/>
+              </a:rPr>
+              <a:t> </a:t>
+            </a:r>
+            <a:r>
+              <a:rPr lang="zh-CN" altLang="en-US" b="0" i="0" dirty="0">
+                <a:solidFill>
+                  <a:srgbClr val="1C1E21"/>
+                </a:solidFill>
+                <a:effectLst/>
+                <a:latin typeface="system-ui"/>
+              </a:rPr>
+              <a:t>为基础，通过 </a:t>
+            </a:r>
+            <a:r>
+              <a:rPr lang="en-US" altLang="zh-CN" b="0" i="0" dirty="0" err="1">
+                <a:solidFill>
+                  <a:srgbClr val="1C1E21"/>
+                </a:solidFill>
+                <a:effectLst/>
+                <a:latin typeface="system-ui"/>
+              </a:rPr>
+              <a:t>Protobuf</a:t>
+            </a:r>
+            <a:r>
+              <a:rPr lang="en-US" altLang="zh-CN" b="0" i="0" dirty="0">
+                <a:solidFill>
+                  <a:srgbClr val="1C1E21"/>
+                </a:solidFill>
+                <a:effectLst/>
+                <a:latin typeface="system-ui"/>
+              </a:rPr>
+              <a:t> </a:t>
+            </a:r>
+            <a:r>
+              <a:rPr lang="zh-CN" altLang="en-US" b="0" i="0" dirty="0">
+                <a:solidFill>
+                  <a:srgbClr val="1C1E21"/>
+                </a:solidFill>
+                <a:effectLst/>
+                <a:latin typeface="system-ui"/>
+              </a:rPr>
+              <a:t>进行定义；</a:t>
+            </a:r>
+          </a:p>
+          <a:p>
+            <a:pPr lvl="1"/>
+            <a:r>
+              <a:rPr lang="en-US" altLang="zh-CN" b="0" i="0" dirty="0">
+                <a:solidFill>
+                  <a:srgbClr val="1C1E21"/>
+                </a:solidFill>
+                <a:effectLst/>
+                <a:latin typeface="system-ui"/>
+              </a:rPr>
+              <a:t>Errors</a:t>
+            </a:r>
+            <a:r>
+              <a:rPr lang="zh-CN" altLang="en-US" b="0" i="0" dirty="0">
+                <a:solidFill>
+                  <a:srgbClr val="1C1E21"/>
+                </a:solidFill>
+                <a:effectLst/>
+                <a:latin typeface="system-ui"/>
+              </a:rPr>
+              <a:t>：通过 </a:t>
+            </a:r>
+            <a:r>
+              <a:rPr lang="en-US" altLang="zh-CN" b="0" i="0" dirty="0" err="1">
+                <a:solidFill>
+                  <a:srgbClr val="1C1E21"/>
+                </a:solidFill>
+                <a:effectLst/>
+                <a:latin typeface="system-ui"/>
+              </a:rPr>
+              <a:t>Protobuf</a:t>
+            </a:r>
+            <a:r>
+              <a:rPr lang="en-US" altLang="zh-CN" b="0" i="0" dirty="0">
+                <a:solidFill>
+                  <a:srgbClr val="1C1E21"/>
+                </a:solidFill>
+                <a:effectLst/>
+                <a:latin typeface="system-ui"/>
+              </a:rPr>
+              <a:t> </a:t>
+            </a:r>
+            <a:r>
+              <a:rPr lang="zh-CN" altLang="en-US" b="0" i="0" dirty="0">
+                <a:solidFill>
+                  <a:srgbClr val="1C1E21"/>
+                </a:solidFill>
+                <a:effectLst/>
+                <a:latin typeface="system-ui"/>
+              </a:rPr>
+              <a:t>的 </a:t>
+            </a:r>
+            <a:r>
+              <a:rPr lang="en-US" altLang="zh-CN" b="0" i="0" dirty="0">
+                <a:solidFill>
+                  <a:srgbClr val="1C1E21"/>
+                </a:solidFill>
+                <a:effectLst/>
+                <a:latin typeface="system-ui"/>
+              </a:rPr>
+              <a:t>Enum </a:t>
+            </a:r>
+            <a:r>
+              <a:rPr lang="zh-CN" altLang="en-US" b="0" i="0" dirty="0">
+                <a:solidFill>
+                  <a:srgbClr val="1C1E21"/>
+                </a:solidFill>
+                <a:effectLst/>
+                <a:latin typeface="system-ui"/>
+              </a:rPr>
+              <a:t>作为错误码定义，以及工具生成判定接口；</a:t>
+            </a:r>
+          </a:p>
+          <a:p>
+            <a:pPr lvl="1"/>
+            <a:r>
+              <a:rPr lang="en-US" altLang="zh-CN" b="0" i="0" dirty="0">
+                <a:solidFill>
+                  <a:srgbClr val="1C1E21"/>
+                </a:solidFill>
+                <a:effectLst/>
+                <a:latin typeface="system-ui"/>
+              </a:rPr>
+              <a:t>Metadata</a:t>
+            </a:r>
+            <a:r>
+              <a:rPr lang="zh-CN" altLang="en-US" b="0" i="0" dirty="0">
+                <a:solidFill>
+                  <a:srgbClr val="1C1E21"/>
+                </a:solidFill>
+                <a:effectLst/>
+                <a:latin typeface="system-ui"/>
+              </a:rPr>
+              <a:t>：在协议通信 </a:t>
+            </a:r>
+            <a:r>
+              <a:rPr lang="en-US" altLang="zh-CN" b="0" i="0" dirty="0">
+                <a:solidFill>
+                  <a:srgbClr val="1C1E21"/>
+                </a:solidFill>
+                <a:effectLst/>
+                <a:latin typeface="system-ui"/>
+              </a:rPr>
+              <a:t>HTTP/</a:t>
+            </a:r>
+            <a:r>
+              <a:rPr lang="en-US" altLang="zh-CN" b="0" i="0" dirty="0" err="1">
+                <a:solidFill>
+                  <a:srgbClr val="1C1E21"/>
+                </a:solidFill>
+                <a:effectLst/>
+                <a:latin typeface="system-ui"/>
+              </a:rPr>
+              <a:t>gRPC</a:t>
+            </a:r>
+            <a:r>
+              <a:rPr lang="en-US" altLang="zh-CN" b="0" i="0" dirty="0">
+                <a:solidFill>
+                  <a:srgbClr val="1C1E21"/>
+                </a:solidFill>
+                <a:effectLst/>
+                <a:latin typeface="system-ui"/>
+              </a:rPr>
+              <a:t> </a:t>
+            </a:r>
+            <a:r>
+              <a:rPr lang="zh-CN" altLang="en-US" b="0" i="0" dirty="0">
+                <a:solidFill>
+                  <a:srgbClr val="1C1E21"/>
+                </a:solidFill>
+                <a:effectLst/>
+                <a:latin typeface="system-ui"/>
+              </a:rPr>
+              <a:t>中，通过 </a:t>
+            </a:r>
+            <a:r>
+              <a:rPr lang="en-US" altLang="zh-CN" b="0" i="0" dirty="0">
+                <a:solidFill>
+                  <a:srgbClr val="1C1E21"/>
+                </a:solidFill>
+                <a:effectLst/>
+                <a:latin typeface="system-ui"/>
+              </a:rPr>
+              <a:t>Middleware </a:t>
+            </a:r>
+            <a:r>
+              <a:rPr lang="zh-CN" altLang="en-US" b="0" i="0" dirty="0">
+                <a:solidFill>
+                  <a:srgbClr val="1C1E21"/>
+                </a:solidFill>
+                <a:effectLst/>
+                <a:latin typeface="system-ui"/>
+              </a:rPr>
+              <a:t>规范化服务元信息传递；</a:t>
+            </a:r>
+          </a:p>
+          <a:p>
+            <a:pPr lvl="1"/>
+            <a:r>
+              <a:rPr lang="en-US" altLang="zh-CN" b="0" i="0" dirty="0">
+                <a:solidFill>
+                  <a:srgbClr val="1C1E21"/>
+                </a:solidFill>
+                <a:effectLst/>
+                <a:latin typeface="system-ui"/>
+              </a:rPr>
+              <a:t>Config</a:t>
+            </a:r>
+            <a:r>
+              <a:rPr lang="zh-CN" altLang="en-US" b="0" i="0" dirty="0">
+                <a:solidFill>
+                  <a:srgbClr val="1C1E21"/>
+                </a:solidFill>
+                <a:effectLst/>
+                <a:latin typeface="system-ui"/>
+              </a:rPr>
+              <a:t>：支持多数据源方式，进行配置合并铺平，通过 </a:t>
+            </a:r>
+            <a:r>
+              <a:rPr lang="en-US" altLang="zh-CN" b="0" i="0" dirty="0">
+                <a:solidFill>
+                  <a:srgbClr val="1C1E21"/>
+                </a:solidFill>
+                <a:effectLst/>
+                <a:latin typeface="system-ui"/>
+              </a:rPr>
+              <a:t>Atomic </a:t>
+            </a:r>
+            <a:r>
+              <a:rPr lang="zh-CN" altLang="en-US" b="0" i="0" dirty="0">
+                <a:solidFill>
+                  <a:srgbClr val="1C1E21"/>
+                </a:solidFill>
+                <a:effectLst/>
+                <a:latin typeface="system-ui"/>
+              </a:rPr>
+              <a:t>方式支持动态配置；</a:t>
+            </a:r>
+          </a:p>
+          <a:p>
+            <a:pPr lvl="1"/>
+            <a:r>
+              <a:rPr lang="en-US" altLang="zh-CN" b="0" i="0" dirty="0">
+                <a:solidFill>
+                  <a:srgbClr val="1C1E21"/>
+                </a:solidFill>
+                <a:effectLst/>
+                <a:latin typeface="system-ui"/>
+              </a:rPr>
+              <a:t>Logger</a:t>
+            </a:r>
+            <a:r>
+              <a:rPr lang="zh-CN" altLang="en-US" b="0" i="0" dirty="0">
+                <a:solidFill>
+                  <a:srgbClr val="1C1E21"/>
+                </a:solidFill>
+                <a:effectLst/>
+                <a:latin typeface="system-ui"/>
+              </a:rPr>
+              <a:t>：标准日志接口，可方便集成三方 </a:t>
+            </a:r>
+            <a:r>
+              <a:rPr lang="en-US" altLang="zh-CN" b="0" i="0" dirty="0">
+                <a:solidFill>
+                  <a:srgbClr val="1C1E21"/>
+                </a:solidFill>
+                <a:effectLst/>
+                <a:latin typeface="system-ui"/>
+              </a:rPr>
+              <a:t>log </a:t>
+            </a:r>
+            <a:r>
+              <a:rPr lang="zh-CN" altLang="en-US" b="0" i="0" dirty="0">
+                <a:solidFill>
+                  <a:srgbClr val="1C1E21"/>
+                </a:solidFill>
+                <a:effectLst/>
+                <a:latin typeface="system-ui"/>
+              </a:rPr>
+              <a:t>库，并可通过 </a:t>
+            </a:r>
+            <a:r>
+              <a:rPr lang="en-US" altLang="zh-CN" b="0" i="0" dirty="0" err="1">
+                <a:solidFill>
+                  <a:srgbClr val="1C1E21"/>
+                </a:solidFill>
+                <a:effectLst/>
+                <a:latin typeface="system-ui"/>
+              </a:rPr>
+              <a:t>fluentd</a:t>
+            </a:r>
+            <a:r>
+              <a:rPr lang="en-US" altLang="zh-CN" b="0" i="0" dirty="0">
+                <a:solidFill>
+                  <a:srgbClr val="1C1E21"/>
+                </a:solidFill>
+                <a:effectLst/>
+                <a:latin typeface="system-ui"/>
+              </a:rPr>
+              <a:t> </a:t>
+            </a:r>
+            <a:r>
+              <a:rPr lang="zh-CN" altLang="en-US" b="0" i="0" dirty="0">
+                <a:solidFill>
+                  <a:srgbClr val="1C1E21"/>
+                </a:solidFill>
+                <a:effectLst/>
+                <a:latin typeface="system-ui"/>
+              </a:rPr>
+              <a:t>收集日志；</a:t>
+            </a:r>
+          </a:p>
+          <a:p>
+            <a:pPr lvl="1"/>
+            <a:r>
+              <a:rPr lang="en-US" altLang="zh-CN" b="0" i="0" dirty="0">
+                <a:solidFill>
+                  <a:srgbClr val="1C1E21"/>
+                </a:solidFill>
+                <a:effectLst/>
+                <a:latin typeface="system-ui"/>
+              </a:rPr>
+              <a:t>Metrics</a:t>
+            </a:r>
+            <a:r>
+              <a:rPr lang="zh-CN" altLang="en-US" b="0" i="0" dirty="0">
+                <a:solidFill>
+                  <a:srgbClr val="1C1E21"/>
+                </a:solidFill>
+                <a:effectLst/>
+                <a:latin typeface="system-ui"/>
+              </a:rPr>
+              <a:t>：统一指标接口，可以实现各种指标系统，默认集成 </a:t>
+            </a:r>
+            <a:r>
+              <a:rPr lang="en-US" altLang="zh-CN" b="0" i="0" dirty="0">
+                <a:solidFill>
+                  <a:srgbClr val="1C1E21"/>
+                </a:solidFill>
+                <a:effectLst/>
+                <a:latin typeface="system-ui"/>
+              </a:rPr>
+              <a:t>Prometheus</a:t>
+            </a:r>
+            <a:r>
+              <a:rPr lang="zh-CN" altLang="en-US" b="0" i="0" dirty="0">
+                <a:solidFill>
+                  <a:srgbClr val="1C1E21"/>
+                </a:solidFill>
+                <a:effectLst/>
+                <a:latin typeface="system-ui"/>
+              </a:rPr>
+              <a:t>；</a:t>
+            </a:r>
+          </a:p>
+          <a:p>
+            <a:pPr lvl="1"/>
+            <a:r>
+              <a:rPr lang="en-US" altLang="zh-CN" b="0" i="0" dirty="0">
+                <a:solidFill>
+                  <a:srgbClr val="1C1E21"/>
+                </a:solidFill>
+                <a:effectLst/>
+                <a:latin typeface="system-ui"/>
+              </a:rPr>
+              <a:t>Tracing</a:t>
+            </a:r>
+            <a:r>
+              <a:rPr lang="zh-CN" altLang="en-US" b="0" i="0" dirty="0">
+                <a:solidFill>
+                  <a:srgbClr val="1C1E21"/>
+                </a:solidFill>
+                <a:effectLst/>
+                <a:latin typeface="system-ui"/>
+              </a:rPr>
+              <a:t>：遵循 </a:t>
+            </a:r>
+            <a:r>
+              <a:rPr lang="en-US" altLang="zh-CN" b="0" i="0" dirty="0" err="1">
+                <a:solidFill>
+                  <a:srgbClr val="1C1E21"/>
+                </a:solidFill>
+                <a:effectLst/>
+                <a:latin typeface="system-ui"/>
+              </a:rPr>
+              <a:t>OpenTracing</a:t>
+            </a:r>
+            <a:r>
+              <a:rPr lang="en-US" altLang="zh-CN" b="0" i="0" dirty="0">
+                <a:solidFill>
+                  <a:srgbClr val="1C1E21"/>
+                </a:solidFill>
+                <a:effectLst/>
+                <a:latin typeface="system-ui"/>
+              </a:rPr>
+              <a:t> </a:t>
+            </a:r>
+            <a:r>
+              <a:rPr lang="zh-CN" altLang="en-US" b="0" i="0" dirty="0">
+                <a:solidFill>
+                  <a:srgbClr val="1C1E21"/>
+                </a:solidFill>
+                <a:effectLst/>
+                <a:latin typeface="system-ui"/>
+              </a:rPr>
+              <a:t>规范定义，以实现微服务链路追踪；</a:t>
+            </a:r>
+          </a:p>
+          <a:p>
+            <a:pPr lvl="1"/>
+            <a:r>
+              <a:rPr lang="en-US" altLang="zh-CN" b="0" i="0" dirty="0">
+                <a:solidFill>
+                  <a:srgbClr val="1C1E21"/>
+                </a:solidFill>
+                <a:effectLst/>
+                <a:latin typeface="system-ui"/>
+              </a:rPr>
+              <a:t>Encoding</a:t>
+            </a:r>
+            <a:r>
+              <a:rPr lang="zh-CN" altLang="en-US" b="0" i="0" dirty="0">
+                <a:solidFill>
+                  <a:srgbClr val="1C1E21"/>
+                </a:solidFill>
+                <a:effectLst/>
+                <a:latin typeface="system-ui"/>
+              </a:rPr>
+              <a:t>：支持 </a:t>
+            </a:r>
+            <a:r>
+              <a:rPr lang="en-US" altLang="zh-CN" b="0" i="0" dirty="0">
+                <a:solidFill>
+                  <a:srgbClr val="1C1E21"/>
+                </a:solidFill>
+                <a:effectLst/>
+                <a:latin typeface="system-ui"/>
+              </a:rPr>
+              <a:t>Accept </a:t>
+            </a:r>
+            <a:r>
+              <a:rPr lang="zh-CN" altLang="en-US" b="0" i="0" dirty="0">
+                <a:solidFill>
+                  <a:srgbClr val="1C1E21"/>
+                </a:solidFill>
+                <a:effectLst/>
+                <a:latin typeface="system-ui"/>
+              </a:rPr>
+              <a:t>和 </a:t>
+            </a:r>
+            <a:r>
+              <a:rPr lang="en-US" altLang="zh-CN" b="0" i="0" dirty="0">
+                <a:solidFill>
+                  <a:srgbClr val="1C1E21"/>
+                </a:solidFill>
+                <a:effectLst/>
+                <a:latin typeface="system-ui"/>
+              </a:rPr>
+              <a:t>Content-Type </a:t>
+            </a:r>
+            <a:r>
+              <a:rPr lang="zh-CN" altLang="en-US" b="0" i="0" dirty="0">
+                <a:solidFill>
+                  <a:srgbClr val="1C1E21"/>
+                </a:solidFill>
+                <a:effectLst/>
+                <a:latin typeface="system-ui"/>
+              </a:rPr>
+              <a:t>进行自动选择内容编码；</a:t>
+            </a:r>
+          </a:p>
+          <a:p>
+            <a:pPr lvl="1"/>
+            <a:r>
+              <a:rPr lang="en-US" altLang="zh-CN" b="0" i="0" dirty="0">
+                <a:solidFill>
+                  <a:srgbClr val="1C1E21"/>
+                </a:solidFill>
+                <a:effectLst/>
+                <a:latin typeface="system-ui"/>
+              </a:rPr>
+              <a:t>Transport</a:t>
+            </a:r>
+            <a:r>
+              <a:rPr lang="zh-CN" altLang="en-US" b="0" i="0" dirty="0">
+                <a:solidFill>
+                  <a:srgbClr val="1C1E21"/>
+                </a:solidFill>
+                <a:effectLst/>
+                <a:latin typeface="system-ui"/>
+              </a:rPr>
+              <a:t>：通用的 </a:t>
+            </a:r>
+            <a:r>
+              <a:rPr lang="en-US" altLang="zh-CN" b="0" i="0" dirty="0">
+                <a:solidFill>
+                  <a:srgbClr val="1C1E21"/>
+                </a:solidFill>
+                <a:effectLst/>
+                <a:latin typeface="system-ui"/>
+              </a:rPr>
+              <a:t>HTTP/</a:t>
+            </a:r>
+            <a:r>
+              <a:rPr lang="en-US" altLang="zh-CN" b="0" i="0" dirty="0" err="1">
+                <a:solidFill>
+                  <a:srgbClr val="1C1E21"/>
+                </a:solidFill>
+                <a:effectLst/>
+                <a:latin typeface="system-ui"/>
+              </a:rPr>
+              <a:t>gRPC</a:t>
+            </a:r>
+            <a:r>
+              <a:rPr lang="en-US" altLang="zh-CN" b="0" i="0" dirty="0">
+                <a:solidFill>
+                  <a:srgbClr val="1C1E21"/>
+                </a:solidFill>
+                <a:effectLst/>
+                <a:latin typeface="system-ui"/>
+              </a:rPr>
+              <a:t> </a:t>
+            </a:r>
+            <a:r>
+              <a:rPr lang="zh-CN" altLang="en-US" b="0" i="0" dirty="0">
+                <a:solidFill>
+                  <a:srgbClr val="1C1E21"/>
+                </a:solidFill>
+                <a:effectLst/>
+                <a:latin typeface="system-ui"/>
+              </a:rPr>
+              <a:t>传输层，实现统一的 </a:t>
+            </a:r>
+            <a:r>
+              <a:rPr lang="en-US" altLang="zh-CN" b="0" i="0" dirty="0">
+                <a:solidFill>
+                  <a:srgbClr val="1C1E21"/>
+                </a:solidFill>
+                <a:effectLst/>
+                <a:latin typeface="system-ui"/>
+              </a:rPr>
+              <a:t>Middleware </a:t>
+            </a:r>
+            <a:r>
+              <a:rPr lang="zh-CN" altLang="en-US" b="0" i="0" dirty="0">
+                <a:solidFill>
+                  <a:srgbClr val="1C1E21"/>
+                </a:solidFill>
+                <a:effectLst/>
+                <a:latin typeface="system-ui"/>
+              </a:rPr>
+              <a:t>插件支持；</a:t>
+            </a:r>
+          </a:p>
+          <a:p>
+            <a:pPr lvl="1"/>
+            <a:r>
+              <a:rPr lang="en-US" altLang="zh-CN" b="0" i="0" dirty="0">
+                <a:solidFill>
+                  <a:srgbClr val="1C1E21"/>
+                </a:solidFill>
+                <a:effectLst/>
+                <a:latin typeface="system-ui"/>
+              </a:rPr>
+              <a:t>Registry</a:t>
+            </a:r>
+            <a:r>
+              <a:rPr lang="zh-CN" altLang="en-US" b="0" i="0" dirty="0">
+                <a:solidFill>
+                  <a:srgbClr val="1C1E21"/>
+                </a:solidFill>
+                <a:effectLst/>
+                <a:latin typeface="system-ui"/>
+              </a:rPr>
+              <a:t>：实现统一注册中心接口，可插件化对接各种注册中心；</a:t>
+            </a:r>
+          </a:p>
+          <a:p>
+            <a:pPr marL="0" indent="0">
+              <a:buNone/>
+            </a:pPr>
+            <a:endParaRPr lang="en-US" altLang="zh-CN" dirty="0"/>
+          </a:p>
+          <a:p>
+            <a:pPr marL="0" indent="0">
+              <a:buNone/>
+            </a:pPr>
+            <a:endParaRPr lang="en-US" altLang="zh-CN" sz="1200" dirty="0"/>
+          </a:p>
+          <a:p>
+            <a:pPr marL="0" indent="0">
+              <a:buNone/>
+            </a:pPr>
+            <a:r>
+              <a:rPr lang="en-US" altLang="zh-CN" sz="1200" dirty="0"/>
+              <a:t>·</a:t>
+            </a:r>
+            <a:r>
+              <a:rPr lang="en-US" altLang="zh-CN" sz="1200" dirty="0" err="1"/>
+              <a:t>Github</a:t>
+            </a:r>
+            <a:r>
+              <a:rPr lang="zh-CN" altLang="en-US" sz="1200" dirty="0"/>
+              <a:t>：</a:t>
+            </a:r>
+            <a:r>
+              <a:rPr lang="en-US" altLang="zh-CN" sz="1200" dirty="0">
+                <a:hlinkClick r:id="rId2"/>
+              </a:rPr>
+              <a:t>go-</a:t>
+            </a:r>
+            <a:r>
+              <a:rPr lang="en-US" altLang="zh-CN" sz="1200" dirty="0" err="1">
+                <a:hlinkClick r:id="rId2"/>
+              </a:rPr>
+              <a:t>kratos</a:t>
+            </a:r>
+            <a:r>
+              <a:rPr lang="en-US" altLang="zh-CN" sz="1200" dirty="0">
+                <a:hlinkClick r:id="rId2"/>
+              </a:rPr>
+              <a:t>/</a:t>
+            </a:r>
+            <a:r>
+              <a:rPr lang="en-US" altLang="zh-CN" sz="1200" dirty="0" err="1">
+                <a:hlinkClick r:id="rId2"/>
+              </a:rPr>
+              <a:t>kratos</a:t>
+            </a:r>
+            <a:r>
+              <a:rPr lang="en-US" altLang="zh-CN" sz="1200" dirty="0">
+                <a:hlinkClick r:id="rId2"/>
+              </a:rPr>
+              <a:t>: A Go framework for microservices. (github.com)</a:t>
+            </a:r>
+            <a:endParaRPr lang="en-US" altLang="zh-CN" sz="1200" dirty="0"/>
+          </a:p>
+        </p:txBody>
+      </p:sp>
+    </p:spTree>
+    <p:extLst>
+      <p:ext uri="{BB962C8B-B14F-4D97-AF65-F5344CB8AC3E}">
+        <p14:creationId xmlns:p14="http://schemas.microsoft.com/office/powerpoint/2010/main" val="1840454046"/>
+      </p:ext>
+    </p:extLst>
+  </p:cSld>
+  <p:clrMapOvr>
+    <a:masterClrMapping/>
+  </p:clrMapOvr>
+</p:sld>
+</file>
+
+<file path=ppt/slides/slide25.xml><?xml version="1.0" encoding="utf-8"?>
+<p:sld xmlns:a="http://schemas.openxmlformats.org/drawingml/2006/main" xmlns:r="http://schemas.openxmlformats.org/officeDocument/2006/relationships" xmlns:p="http://schemas.openxmlformats.org/presentationml/2006/main">
+  <p:cSld>
+    <p:spTree>
+      <p:nvGrpSpPr>
+        <p:cNvPr id="1" name=""/>
+        <p:cNvGrpSpPr/>
+        <p:nvPr/>
+      </p:nvGrpSpPr>
+      <p:grpSpPr>
+        <a:xfrm>
+          <a:off x="0" y="0"/>
+          <a:ext cx="0" cy="0"/>
+          <a:chOff x="0" y="0"/>
+          <a:chExt cx="0" cy="0"/>
+        </a:xfrm>
+      </p:grpSpPr>
+      <p:sp>
+        <p:nvSpPr>
+          <p:cNvPr id="2" name="标题 1">
+            <a:extLst>
+              <a:ext uri="{FF2B5EF4-FFF2-40B4-BE49-F238E27FC236}">
                 <a16:creationId xmlns:a16="http://schemas.microsoft.com/office/drawing/2014/main" id="{0A7FDCD3-48F4-4032-9D4B-A01491C63D13}"/>
               </a:ext>
             </a:extLst>
@@ -5015,7 +6183,7 @@
 </p:sld>
 </file>
 
-<file path=ppt/slides/slide23.xml><?xml version="1.0" encoding="utf-8"?>
+<file path=ppt/slides/slide26.xml><?xml version="1.0" encoding="utf-8"?>
 <p:sld xmlns:a="http://schemas.openxmlformats.org/drawingml/2006/main" xmlns:r="http://schemas.openxmlformats.org/officeDocument/2006/relationships" xmlns:p="http://schemas.openxmlformats.org/presentationml/2006/main">
   <p:cSld>
     <p:bg>
@@ -5341,7 +6509,9 @@
         </p:nvSpPr>
         <p:spPr/>
         <p:txBody>
-          <a:bodyPr/>
+          <a:bodyPr>
+            <a:normAutofit/>
+          </a:bodyPr>
           <a:lstStyle/>
           <a:p>
             <a:r>
@@ -5351,6 +6521,14 @@
             <a:endParaRPr lang="en-US" altLang="zh-CN" dirty="0"/>
           </a:p>
           <a:p>
+            <a:pPr lvl="1"/>
+            <a:r>
+              <a:rPr lang="zh-CN" altLang="en-US" dirty="0"/>
+              <a:t>只能支持整个项目的扩展，无法支持针对单个业务增长</a:t>
+            </a:r>
+            <a:endParaRPr lang="en-US" altLang="zh-CN" dirty="0"/>
+          </a:p>
+          <a:p>
             <a:r>
               <a:rPr lang="zh-CN" altLang="en-US" dirty="0"/>
               <a:t>复杂性高</a:t>
@@ -5358,6 +6536,14 @@
             <a:endParaRPr lang="en-US" altLang="zh-CN" dirty="0"/>
           </a:p>
           <a:p>
+            <a:pPr lvl="1"/>
+            <a:r>
+              <a:rPr lang="zh-CN" altLang="en-US" dirty="0"/>
+              <a:t>代码业务耦合，新人上手时间较长</a:t>
+            </a:r>
+            <a:endParaRPr lang="en-US" altLang="zh-CN" dirty="0"/>
+          </a:p>
+          <a:p>
             <a:r>
               <a:rPr lang="zh-CN" altLang="en-US" dirty="0"/>
               <a:t>代码修改、维护、重构难</a:t>
@@ -5365,20 +6551,25 @@
             <a:endParaRPr lang="en-US" altLang="zh-CN" dirty="0"/>
           </a:p>
           <a:p>
+            <a:pPr lvl="1"/>
             <a:r>
               <a:rPr lang="zh-CN" altLang="en-US" dirty="0"/>
-              <a:t>伸缩性差</a:t>
+              <a:t>代码业务耦合，改动影响面积大，改动难度较大</a:t>
             </a:r>
             <a:endParaRPr lang="en-US" altLang="zh-CN" dirty="0"/>
           </a:p>
           <a:p>
             <a:r>
               <a:rPr lang="zh-CN" altLang="en-US" dirty="0"/>
-              <a:t>可靠性差</a:t>
+              <a:t>部署速度越来越慢</a:t>
             </a:r>
             <a:endParaRPr lang="en-US" altLang="zh-CN" dirty="0"/>
           </a:p>
           <a:p>
+            <a:r>
+              <a:rPr lang="zh-CN" altLang="en-US" dirty="0"/>
+              <a:t>更换引入新技术难度大</a:t>
+            </a:r>
             <a:endParaRPr lang="en-US" altLang="zh-CN" dirty="0"/>
           </a:p>
           <a:p>
@@ -5899,7 +7090,12 @@
             <p:ph type="title"/>
           </p:nvPr>
         </p:nvSpPr>
-        <p:spPr/>
+        <p:spPr>
+          <a:xfrm>
+            <a:off x="838200" y="272360"/>
+            <a:ext cx="10515600" cy="1325563"/>
+          </a:xfrm>
+        </p:spPr>
         <p:txBody>
           <a:bodyPr/>
           <a:lstStyle/>
@@ -5977,16 +7173,10 @@
               </a:spcBef>
             </a:pPr>
             <a:r>
-              <a:rPr lang="en-US" altLang="zh-CN" sz="2400" dirty="0" err="1">
-                <a:latin typeface="Bahnschrift SemiBold" panose="020B0502040204020203" pitchFamily="34" charset="0"/>
-              </a:rPr>
-              <a:t>rpc</a:t>
-            </a:r>
-            <a:r>
               <a:rPr lang="en-US" altLang="zh-CN" sz="2400" dirty="0">
                 <a:latin typeface="Bahnschrift SemiBold" panose="020B0502040204020203" pitchFamily="34" charset="0"/>
               </a:rPr>
-              <a:t> google protocol</a:t>
+              <a:t>google protocol buffer</a:t>
             </a:r>
           </a:p>
           <a:p>
@@ -5999,7 +7189,7 @@
               <a:rPr lang="en-US" altLang="zh-CN" sz="2400" dirty="0">
                 <a:latin typeface="Bahnschrift SemiBold" panose="020B0502040204020203" pitchFamily="34" charset="0"/>
               </a:rPr>
-              <a:t>buffer apache thrift</a:t>
+              <a:t>apache thrift</a:t>
             </a:r>
           </a:p>
           <a:p>
@@ -6139,6 +7329,436 @@
           </a:p>
         </p:txBody>
       </p:sp>
+      <p:graphicFrame>
+        <p:nvGraphicFramePr>
+          <p:cNvPr id="4" name="表格 4">
+            <a:extLst>
+              <a:ext uri="{FF2B5EF4-FFF2-40B4-BE49-F238E27FC236}">
+                <a16:creationId xmlns:a16="http://schemas.microsoft.com/office/drawing/2014/main" id="{BCE98B44-FCB5-4594-99EF-1E3DD6246E6A}"/>
+              </a:ext>
+            </a:extLst>
+          </p:cNvPr>
+          <p:cNvGraphicFramePr>
+            <a:graphicFrameLocks noGrp="1"/>
+          </p:cNvGraphicFramePr>
+          <p:nvPr>
+            <p:extLst>
+              <p:ext uri="{D42A27DB-BD31-4B8C-83A1-F6EECF244321}">
+                <p14:modId xmlns:p14="http://schemas.microsoft.com/office/powerpoint/2010/main" val="596757153"/>
+              </p:ext>
+            </p:extLst>
+          </p:nvPr>
+        </p:nvGraphicFramePr>
+        <p:xfrm>
+          <a:off x="5883965" y="3692223"/>
+          <a:ext cx="5976732" cy="2377440"/>
+        </p:xfrm>
+        <a:graphic>
+          <a:graphicData uri="http://schemas.openxmlformats.org/drawingml/2006/table">
+            <a:tbl>
+              <a:tblPr firstRow="1" bandRow="1">
+                <a:tableStyleId>{5C22544A-7EE6-4342-B048-85BDC9FD1C3A}</a:tableStyleId>
+              </a:tblPr>
+              <a:tblGrid>
+                <a:gridCol w="1494183">
+                  <a:extLst>
+                    <a:ext uri="{9D8B030D-6E8A-4147-A177-3AD203B41FA5}">
+                      <a16:colId xmlns:a16="http://schemas.microsoft.com/office/drawing/2014/main" val="3253390512"/>
+                    </a:ext>
+                  </a:extLst>
+                </a:gridCol>
+                <a:gridCol w="1494183">
+                  <a:extLst>
+                    <a:ext uri="{9D8B030D-6E8A-4147-A177-3AD203B41FA5}">
+                      <a16:colId xmlns:a16="http://schemas.microsoft.com/office/drawing/2014/main" val="2387662656"/>
+                    </a:ext>
+                  </a:extLst>
+                </a:gridCol>
+                <a:gridCol w="1494183">
+                  <a:extLst>
+                    <a:ext uri="{9D8B030D-6E8A-4147-A177-3AD203B41FA5}">
+                      <a16:colId xmlns:a16="http://schemas.microsoft.com/office/drawing/2014/main" val="3247183767"/>
+                    </a:ext>
+                  </a:extLst>
+                </a:gridCol>
+                <a:gridCol w="1494183">
+                  <a:extLst>
+                    <a:ext uri="{9D8B030D-6E8A-4147-A177-3AD203B41FA5}">
+                      <a16:colId xmlns:a16="http://schemas.microsoft.com/office/drawing/2014/main" val="3701874458"/>
+                    </a:ext>
+                  </a:extLst>
+                </a:gridCol>
+              </a:tblGrid>
+              <a:tr h="362520">
+                <a:tc>
+                  <a:txBody>
+                    <a:bodyPr/>
+                    <a:lstStyle/>
+                    <a:p>
+                      <a:r>
+                        <a:rPr lang="zh-CN" altLang="en-US" dirty="0"/>
+                        <a:t>协议</a:t>
+                      </a:r>
+                    </a:p>
+                  </a:txBody>
+                  <a:tcPr/>
+                </a:tc>
+                <a:tc>
+                  <a:txBody>
+                    <a:bodyPr/>
+                    <a:lstStyle/>
+                    <a:p>
+                      <a:r>
+                        <a:rPr lang="en-US" altLang="zh-CN" dirty="0"/>
+                        <a:t>Protocol buffer</a:t>
+                      </a:r>
+                      <a:endParaRPr lang="zh-CN" altLang="en-US" dirty="0"/>
+                    </a:p>
+                  </a:txBody>
+                  <a:tcPr/>
+                </a:tc>
+                <a:tc>
+                  <a:txBody>
+                    <a:bodyPr/>
+                    <a:lstStyle/>
+                    <a:p>
+                      <a:r>
+                        <a:rPr lang="en-US" altLang="zh-CN" dirty="0"/>
+                        <a:t>json</a:t>
+                      </a:r>
+                      <a:endParaRPr lang="zh-CN" altLang="en-US" dirty="0"/>
+                    </a:p>
+                  </a:txBody>
+                  <a:tcPr/>
+                </a:tc>
+                <a:tc>
+                  <a:txBody>
+                    <a:bodyPr/>
+                    <a:lstStyle/>
+                    <a:p>
+                      <a:r>
+                        <a:rPr lang="en-US" altLang="zh-CN" dirty="0"/>
+                        <a:t>xml</a:t>
+                      </a:r>
+                      <a:endParaRPr lang="zh-CN" altLang="en-US" dirty="0"/>
+                    </a:p>
+                  </a:txBody>
+                  <a:tcPr/>
+                </a:tc>
+                <a:extLst>
+                  <a:ext uri="{0D108BD9-81ED-4DB2-BD59-A6C34878D82A}">
+                    <a16:rowId xmlns:a16="http://schemas.microsoft.com/office/drawing/2014/main" val="562980275"/>
+                  </a:ext>
+                </a:extLst>
+              </a:tr>
+              <a:tr h="634410">
+                <a:tc>
+                  <a:txBody>
+                    <a:bodyPr/>
+                    <a:lstStyle/>
+                    <a:p>
+                      <a:r>
+                        <a:rPr lang="zh-CN" altLang="en-US" dirty="0"/>
+                        <a:t>序列化</a:t>
+                      </a:r>
+                      <a:r>
+                        <a:rPr lang="en-US" altLang="zh-CN" dirty="0"/>
+                        <a:t>/</a:t>
+                      </a:r>
+                      <a:r>
+                        <a:rPr lang="zh-CN" altLang="en-US" dirty="0"/>
+                        <a:t>反序列化开销</a:t>
+                      </a:r>
+                    </a:p>
+                  </a:txBody>
+                  <a:tcPr/>
+                </a:tc>
+                <a:tc>
+                  <a:txBody>
+                    <a:bodyPr/>
+                    <a:lstStyle/>
+                    <a:p>
+                      <a:r>
+                        <a:rPr lang="zh-CN" altLang="en-US" dirty="0"/>
+                        <a:t>低</a:t>
+                      </a:r>
+                    </a:p>
+                  </a:txBody>
+                  <a:tcPr/>
+                </a:tc>
+                <a:tc>
+                  <a:txBody>
+                    <a:bodyPr/>
+                    <a:lstStyle/>
+                    <a:p>
+                      <a:r>
+                        <a:rPr lang="zh-CN" altLang="en-US" dirty="0"/>
+                        <a:t>高</a:t>
+                      </a:r>
+                    </a:p>
+                  </a:txBody>
+                  <a:tcPr/>
+                </a:tc>
+                <a:tc>
+                  <a:txBody>
+                    <a:bodyPr/>
+                    <a:lstStyle/>
+                    <a:p>
+                      <a:r>
+                        <a:rPr lang="zh-CN" altLang="en-US" dirty="0"/>
+                        <a:t>高</a:t>
+                      </a:r>
+                    </a:p>
+                  </a:txBody>
+                  <a:tcPr/>
+                </a:tc>
+                <a:extLst>
+                  <a:ext uri="{0D108BD9-81ED-4DB2-BD59-A6C34878D82A}">
+                    <a16:rowId xmlns:a16="http://schemas.microsoft.com/office/drawing/2014/main" val="2262983487"/>
+                  </a:ext>
+                </a:extLst>
+              </a:tr>
+              <a:tr h="362520">
+                <a:tc>
+                  <a:txBody>
+                    <a:bodyPr/>
+                    <a:lstStyle/>
+                    <a:p>
+                      <a:r>
+                        <a:rPr lang="zh-CN" altLang="en-US" dirty="0"/>
+                        <a:t>自描述性</a:t>
+                      </a:r>
+                    </a:p>
+                  </a:txBody>
+                  <a:tcPr/>
+                </a:tc>
+                <a:tc>
+                  <a:txBody>
+                    <a:bodyPr/>
+                    <a:lstStyle/>
+                    <a:p>
+                      <a:r>
+                        <a:rPr lang="zh-CN" altLang="en-US" dirty="0"/>
+                        <a:t>无</a:t>
+                      </a:r>
+                    </a:p>
+                  </a:txBody>
+                  <a:tcPr/>
+                </a:tc>
+                <a:tc>
+                  <a:txBody>
+                    <a:bodyPr/>
+                    <a:lstStyle/>
+                    <a:p>
+                      <a:r>
+                        <a:rPr lang="zh-CN" altLang="en-US" dirty="0"/>
+                        <a:t>可</a:t>
+                      </a:r>
+                    </a:p>
+                  </a:txBody>
+                  <a:tcPr/>
+                </a:tc>
+                <a:tc>
+                  <a:txBody>
+                    <a:bodyPr/>
+                    <a:lstStyle/>
+                    <a:p>
+                      <a:r>
+                        <a:rPr lang="zh-CN" altLang="en-US" dirty="0"/>
+                        <a:t>可</a:t>
+                      </a:r>
+                    </a:p>
+                  </a:txBody>
+                  <a:tcPr/>
+                </a:tc>
+                <a:extLst>
+                  <a:ext uri="{0D108BD9-81ED-4DB2-BD59-A6C34878D82A}">
+                    <a16:rowId xmlns:a16="http://schemas.microsoft.com/office/drawing/2014/main" val="149951632"/>
+                  </a:ext>
+                </a:extLst>
+              </a:tr>
+              <a:tr h="362520">
+                <a:tc>
+                  <a:txBody>
+                    <a:bodyPr/>
+                    <a:lstStyle/>
+                    <a:p>
+                      <a:r>
+                        <a:rPr lang="zh-CN" altLang="en-US" dirty="0"/>
+                        <a:t>通用性</a:t>
+                      </a:r>
+                    </a:p>
+                  </a:txBody>
+                  <a:tcPr/>
+                </a:tc>
+                <a:tc>
+                  <a:txBody>
+                    <a:bodyPr/>
+                    <a:lstStyle/>
+                    <a:p>
+                      <a:r>
+                        <a:rPr lang="zh-CN" altLang="en-US" dirty="0"/>
+                        <a:t>差</a:t>
+                      </a:r>
+                    </a:p>
+                  </a:txBody>
+                  <a:tcPr/>
+                </a:tc>
+                <a:tc>
+                  <a:txBody>
+                    <a:bodyPr/>
+                    <a:lstStyle/>
+                    <a:p>
+                      <a:r>
+                        <a:rPr lang="zh-CN" altLang="en-US" dirty="0"/>
+                        <a:t>好</a:t>
+                      </a:r>
+                    </a:p>
+                  </a:txBody>
+                  <a:tcPr/>
+                </a:tc>
+                <a:tc>
+                  <a:txBody>
+                    <a:bodyPr/>
+                    <a:lstStyle/>
+                    <a:p>
+                      <a:r>
+                        <a:rPr lang="zh-CN" altLang="en-US" dirty="0"/>
+                        <a:t>一般</a:t>
+                      </a:r>
+                    </a:p>
+                  </a:txBody>
+                  <a:tcPr/>
+                </a:tc>
+                <a:extLst>
+                  <a:ext uri="{0D108BD9-81ED-4DB2-BD59-A6C34878D82A}">
+                    <a16:rowId xmlns:a16="http://schemas.microsoft.com/office/drawing/2014/main" val="3500149766"/>
+                  </a:ext>
+                </a:extLst>
+              </a:tr>
+              <a:tr h="362520">
+                <a:tc>
+                  <a:txBody>
+                    <a:bodyPr/>
+                    <a:lstStyle/>
+                    <a:p>
+                      <a:r>
+                        <a:rPr lang="zh-CN" altLang="en-US" dirty="0"/>
+                        <a:t>可读性</a:t>
+                      </a:r>
+                    </a:p>
+                  </a:txBody>
+                  <a:tcPr/>
+                </a:tc>
+                <a:tc>
+                  <a:txBody>
+                    <a:bodyPr/>
+                    <a:lstStyle/>
+                    <a:p>
+                      <a:r>
+                        <a:rPr lang="zh-CN" altLang="en-US" dirty="0"/>
+                        <a:t>无</a:t>
+                      </a:r>
+                    </a:p>
+                  </a:txBody>
+                  <a:tcPr/>
+                </a:tc>
+                <a:tc>
+                  <a:txBody>
+                    <a:bodyPr/>
+                    <a:lstStyle/>
+                    <a:p>
+                      <a:r>
+                        <a:rPr lang="zh-CN" altLang="en-US" dirty="0"/>
+                        <a:t>好</a:t>
+                      </a:r>
+                    </a:p>
+                  </a:txBody>
+                  <a:tcPr/>
+                </a:tc>
+                <a:tc>
+                  <a:txBody>
+                    <a:bodyPr/>
+                    <a:lstStyle/>
+                    <a:p>
+                      <a:r>
+                        <a:rPr lang="zh-CN" altLang="en-US" dirty="0"/>
+                        <a:t>一般</a:t>
+                      </a:r>
+                    </a:p>
+                  </a:txBody>
+                  <a:tcPr/>
+                </a:tc>
+                <a:extLst>
+                  <a:ext uri="{0D108BD9-81ED-4DB2-BD59-A6C34878D82A}">
+                    <a16:rowId xmlns:a16="http://schemas.microsoft.com/office/drawing/2014/main" val="3009969018"/>
+                  </a:ext>
+                </a:extLst>
+              </a:tr>
+            </a:tbl>
+          </a:graphicData>
+        </a:graphic>
+      </p:graphicFrame>
+      <p:pic>
+        <p:nvPicPr>
+          <p:cNvPr id="6" name="图片 5">
+            <a:extLst>
+              <a:ext uri="{FF2B5EF4-FFF2-40B4-BE49-F238E27FC236}">
+                <a16:creationId xmlns:a16="http://schemas.microsoft.com/office/drawing/2014/main" id="{1D91C069-0A56-4420-A97B-405B4A094704}"/>
+              </a:ext>
+            </a:extLst>
+          </p:cNvPr>
+          <p:cNvPicPr>
+            <a:picLocks noChangeAspect="1"/>
+          </p:cNvPicPr>
+          <p:nvPr/>
+        </p:nvPicPr>
+        <p:blipFill>
+          <a:blip r:embed="rId3"/>
+          <a:stretch>
+            <a:fillRect/>
+          </a:stretch>
+        </p:blipFill>
+        <p:spPr>
+          <a:xfrm>
+            <a:off x="5989981" y="168801"/>
+            <a:ext cx="5266895" cy="3523422"/>
+          </a:xfrm>
+          <a:prstGeom prst="rect">
+            <a:avLst/>
+          </a:prstGeom>
+        </p:spPr>
+      </p:pic>
+      <p:pic>
+        <p:nvPicPr>
+          <p:cNvPr id="8" name="图片 7">
+            <a:extLst>
+              <a:ext uri="{FF2B5EF4-FFF2-40B4-BE49-F238E27FC236}">
+                <a16:creationId xmlns:a16="http://schemas.microsoft.com/office/drawing/2014/main" id="{06421588-7C74-45E9-A5CB-06B0657DA45B}"/>
+              </a:ext>
+            </a:extLst>
+          </p:cNvPr>
+          <p:cNvPicPr>
+            <a:picLocks noChangeAspect="1"/>
+          </p:cNvPicPr>
+          <p:nvPr/>
+        </p:nvPicPr>
+        <p:blipFill>
+          <a:blip r:embed="rId4"/>
+          <a:stretch>
+            <a:fillRect/>
+          </a:stretch>
+        </p:blipFill>
+        <p:spPr>
+          <a:xfrm>
+            <a:off x="2586476" y="1338524"/>
+            <a:ext cx="7019048" cy="4180952"/>
+          </a:xfrm>
+          <a:prstGeom prst="rect">
+            <a:avLst/>
+          </a:prstGeom>
+        </p:spPr>
+      </p:pic>
     </p:spTree>
     <p:extLst>
       <p:ext uri="{BB962C8B-B14F-4D97-AF65-F5344CB8AC3E}">

--- a/微服务.pptx
+++ b/微服务.pptx
@@ -9,28 +9,31 @@
     <p:sldId id="259" r:id="rId3"/>
     <p:sldId id="281" r:id="rId4"/>
     <p:sldId id="260" r:id="rId5"/>
-    <p:sldId id="280" r:id="rId6"/>
-    <p:sldId id="278" r:id="rId7"/>
-    <p:sldId id="279" r:id="rId8"/>
-    <p:sldId id="261" r:id="rId9"/>
-    <p:sldId id="262" r:id="rId10"/>
-    <p:sldId id="274" r:id="rId11"/>
-    <p:sldId id="284" r:id="rId12"/>
-    <p:sldId id="282" r:id="rId13"/>
-    <p:sldId id="275" r:id="rId14"/>
-    <p:sldId id="263" r:id="rId15"/>
-    <p:sldId id="264" r:id="rId16"/>
-    <p:sldId id="265" r:id="rId17"/>
-    <p:sldId id="266" r:id="rId18"/>
-    <p:sldId id="272" r:id="rId19"/>
-    <p:sldId id="267" r:id="rId20"/>
-    <p:sldId id="277" r:id="rId21"/>
-    <p:sldId id="269" r:id="rId22"/>
-    <p:sldId id="270" r:id="rId23"/>
-    <p:sldId id="271" r:id="rId24"/>
-    <p:sldId id="283" r:id="rId25"/>
-    <p:sldId id="276" r:id="rId26"/>
-    <p:sldId id="273" r:id="rId27"/>
+    <p:sldId id="286" r:id="rId6"/>
+    <p:sldId id="280" r:id="rId7"/>
+    <p:sldId id="261" r:id="rId8"/>
+    <p:sldId id="278" r:id="rId9"/>
+    <p:sldId id="279" r:id="rId10"/>
+    <p:sldId id="262" r:id="rId11"/>
+    <p:sldId id="285" r:id="rId12"/>
+    <p:sldId id="274" r:id="rId13"/>
+    <p:sldId id="284" r:id="rId14"/>
+    <p:sldId id="282" r:id="rId15"/>
+    <p:sldId id="275" r:id="rId16"/>
+    <p:sldId id="263" r:id="rId17"/>
+    <p:sldId id="264" r:id="rId18"/>
+    <p:sldId id="265" r:id="rId19"/>
+    <p:sldId id="266" r:id="rId20"/>
+    <p:sldId id="272" r:id="rId21"/>
+    <p:sldId id="267" r:id="rId22"/>
+    <p:sldId id="277" r:id="rId23"/>
+    <p:sldId id="269" r:id="rId24"/>
+    <p:sldId id="270" r:id="rId25"/>
+    <p:sldId id="271" r:id="rId26"/>
+    <p:sldId id="287" r:id="rId27"/>
+    <p:sldId id="283" r:id="rId28"/>
+    <p:sldId id="276" r:id="rId29"/>
+    <p:sldId id="273" r:id="rId30"/>
   </p:sldIdLst>
   <p:sldSz cx="12192000" cy="6858000"/>
   <p:notesSz cx="6858000" cy="9144000"/>
@@ -284,7 +287,7 @@
           <a:p>
             <a:fld id="{79A44D41-C6BF-4F72-BBE9-D4C6EB15C3CD}" type="datetimeFigureOut">
               <a:rPr lang="zh-CN" altLang="en-US" smtClean="0"/>
-              <a:t>2021/3/18</a:t>
+              <a:t>2021/3/19</a:t>
             </a:fld>
             <a:endParaRPr lang="zh-CN" altLang="en-US"/>
           </a:p>
@@ -482,7 +485,7 @@
           <a:p>
             <a:fld id="{79A44D41-C6BF-4F72-BBE9-D4C6EB15C3CD}" type="datetimeFigureOut">
               <a:rPr lang="zh-CN" altLang="en-US" smtClean="0"/>
-              <a:t>2021/3/18</a:t>
+              <a:t>2021/3/19</a:t>
             </a:fld>
             <a:endParaRPr lang="zh-CN" altLang="en-US"/>
           </a:p>
@@ -690,7 +693,7 @@
           <a:p>
             <a:fld id="{79A44D41-C6BF-4F72-BBE9-D4C6EB15C3CD}" type="datetimeFigureOut">
               <a:rPr lang="zh-CN" altLang="en-US" smtClean="0"/>
-              <a:t>2021/3/18</a:t>
+              <a:t>2021/3/19</a:t>
             </a:fld>
             <a:endParaRPr lang="zh-CN" altLang="en-US"/>
           </a:p>
@@ -888,7 +891,7 @@
           <a:p>
             <a:fld id="{79A44D41-C6BF-4F72-BBE9-D4C6EB15C3CD}" type="datetimeFigureOut">
               <a:rPr lang="zh-CN" altLang="en-US" smtClean="0"/>
-              <a:t>2021/3/18</a:t>
+              <a:t>2021/3/19</a:t>
             </a:fld>
             <a:endParaRPr lang="zh-CN" altLang="en-US"/>
           </a:p>
@@ -1163,7 +1166,7 @@
           <a:p>
             <a:fld id="{79A44D41-C6BF-4F72-BBE9-D4C6EB15C3CD}" type="datetimeFigureOut">
               <a:rPr lang="zh-CN" altLang="en-US" smtClean="0"/>
-              <a:t>2021/3/18</a:t>
+              <a:t>2021/3/19</a:t>
             </a:fld>
             <a:endParaRPr lang="zh-CN" altLang="en-US"/>
           </a:p>
@@ -1428,7 +1431,7 @@
           <a:p>
             <a:fld id="{79A44D41-C6BF-4F72-BBE9-D4C6EB15C3CD}" type="datetimeFigureOut">
               <a:rPr lang="zh-CN" altLang="en-US" smtClean="0"/>
-              <a:t>2021/3/18</a:t>
+              <a:t>2021/3/19</a:t>
             </a:fld>
             <a:endParaRPr lang="zh-CN" altLang="en-US"/>
           </a:p>
@@ -1840,7 +1843,7 @@
           <a:p>
             <a:fld id="{79A44D41-C6BF-4F72-BBE9-D4C6EB15C3CD}" type="datetimeFigureOut">
               <a:rPr lang="zh-CN" altLang="en-US" smtClean="0"/>
-              <a:t>2021/3/18</a:t>
+              <a:t>2021/3/19</a:t>
             </a:fld>
             <a:endParaRPr lang="zh-CN" altLang="en-US"/>
           </a:p>
@@ -1981,7 +1984,7 @@
           <a:p>
             <a:fld id="{79A44D41-C6BF-4F72-BBE9-D4C6EB15C3CD}" type="datetimeFigureOut">
               <a:rPr lang="zh-CN" altLang="en-US" smtClean="0"/>
-              <a:t>2021/3/18</a:t>
+              <a:t>2021/3/19</a:t>
             </a:fld>
             <a:endParaRPr lang="zh-CN" altLang="en-US"/>
           </a:p>
@@ -2094,7 +2097,7 @@
           <a:p>
             <a:fld id="{79A44D41-C6BF-4F72-BBE9-D4C6EB15C3CD}" type="datetimeFigureOut">
               <a:rPr lang="zh-CN" altLang="en-US" smtClean="0"/>
-              <a:t>2021/3/18</a:t>
+              <a:t>2021/3/19</a:t>
             </a:fld>
             <a:endParaRPr lang="zh-CN" altLang="en-US"/>
           </a:p>
@@ -2405,7 +2408,7 @@
           <a:p>
             <a:fld id="{79A44D41-C6BF-4F72-BBE9-D4C6EB15C3CD}" type="datetimeFigureOut">
               <a:rPr lang="zh-CN" altLang="en-US" smtClean="0"/>
-              <a:t>2021/3/18</a:t>
+              <a:t>2021/3/19</a:t>
             </a:fld>
             <a:endParaRPr lang="zh-CN" altLang="en-US"/>
           </a:p>
@@ -2693,7 +2696,7 @@
           <a:p>
             <a:fld id="{79A44D41-C6BF-4F72-BBE9-D4C6EB15C3CD}" type="datetimeFigureOut">
               <a:rPr lang="zh-CN" altLang="en-US" smtClean="0"/>
-              <a:t>2021/3/18</a:t>
+              <a:t>2021/3/19</a:t>
             </a:fld>
             <a:endParaRPr lang="zh-CN" altLang="en-US"/>
           </a:p>
@@ -2934,7 +2937,7 @@
           <a:p>
             <a:fld id="{79A44D41-C6BF-4F72-BBE9-D4C6EB15C3CD}" type="datetimeFigureOut">
               <a:rPr lang="zh-CN" altLang="en-US" smtClean="0"/>
-              <a:t>2021/3/18</a:t>
+              <a:t>2021/3/19</a:t>
             </a:fld>
             <a:endParaRPr lang="zh-CN" altLang="en-US"/>
           </a:p>
@@ -3443,40 +3446,556 @@
           <a:chExt cx="0" cy="0"/>
         </a:xfrm>
       </p:grpSpPr>
-      <p:pic>
-        <p:nvPicPr>
-          <p:cNvPr id="5" name="图片 4">
-            <a:extLst>
-              <a:ext uri="{FF2B5EF4-FFF2-40B4-BE49-F238E27FC236}">
-                <a16:creationId xmlns:a16="http://schemas.microsoft.com/office/drawing/2014/main" id="{85238627-60E1-4B0C-92E9-7269BE55D993}"/>
-              </a:ext>
-            </a:extLst>
-          </p:cNvPr>
-          <p:cNvPicPr>
-            <a:picLocks noChangeAspect="1"/>
-          </p:cNvPicPr>
-          <p:nvPr/>
-        </p:nvPicPr>
-        <p:blipFill>
-          <a:blip r:embed="rId3"/>
-          <a:stretch>
-            <a:fillRect/>
-          </a:stretch>
-        </p:blipFill>
+      <p:sp>
+        <p:nvSpPr>
+          <p:cNvPr id="2" name="标题 1">
+            <a:extLst>
+              <a:ext uri="{FF2B5EF4-FFF2-40B4-BE49-F238E27FC236}">
+                <a16:creationId xmlns:a16="http://schemas.microsoft.com/office/drawing/2014/main" id="{6EBEA4FE-6F6E-47A8-9FAD-5E95D634576F}"/>
+              </a:ext>
+            </a:extLst>
+          </p:cNvPr>
+          <p:cNvSpPr>
+            <a:spLocks noGrp="1"/>
+          </p:cNvSpPr>
+          <p:nvPr>
+            <p:ph type="title"/>
+          </p:nvPr>
+        </p:nvSpPr>
         <p:spPr>
           <a:xfrm>
-            <a:off x="2262666" y="343285"/>
-            <a:ext cx="7666667" cy="6171429"/>
+            <a:off x="838200" y="272360"/>
+            <a:ext cx="10515600" cy="1325563"/>
           </a:xfrm>
-          <a:prstGeom prst="rect">
-            <a:avLst/>
-          </a:prstGeom>
         </p:spPr>
-      </p:pic>
+        <p:txBody>
+          <a:bodyPr/>
+          <a:lstStyle/>
+          <a:p>
+            <a:r>
+              <a:rPr lang="en-US" altLang="zh-CN" b="1" dirty="0"/>
+              <a:t>RPC </a:t>
+            </a:r>
+            <a:r>
+              <a:rPr lang="zh-CN" altLang="en-US" b="1" dirty="0"/>
+              <a:t>协议</a:t>
+            </a:r>
+            <a:r>
+              <a:rPr lang="en-US" altLang="zh-CN" b="1" dirty="0"/>
+              <a:t>-</a:t>
+            </a:r>
+            <a:r>
+              <a:rPr lang="zh-CN" altLang="en-US" b="1" dirty="0"/>
+              <a:t>数据格式</a:t>
+            </a:r>
+          </a:p>
+        </p:txBody>
+      </p:sp>
+      <p:sp>
+        <p:nvSpPr>
+          <p:cNvPr id="3" name="内容占位符 2">
+            <a:extLst>
+              <a:ext uri="{FF2B5EF4-FFF2-40B4-BE49-F238E27FC236}">
+                <a16:creationId xmlns:a16="http://schemas.microsoft.com/office/drawing/2014/main" id="{1C937B21-9DE3-4725-A34D-BB405052C50C}"/>
+              </a:ext>
+            </a:extLst>
+          </p:cNvPr>
+          <p:cNvSpPr>
+            <a:spLocks noGrp="1"/>
+          </p:cNvSpPr>
+          <p:nvPr>
+            <p:ph idx="1"/>
+          </p:nvPr>
+        </p:nvSpPr>
+        <p:spPr/>
+        <p:txBody>
+          <a:bodyPr/>
+          <a:lstStyle/>
+          <a:p>
+            <a:pPr marL="685800" lvl="2">
+              <a:spcBef>
+                <a:spcPts val="1000"/>
+              </a:spcBef>
+            </a:pPr>
+            <a:r>
+              <a:rPr lang="en-US" altLang="zh-CN" sz="2400" dirty="0">
+                <a:latin typeface="Bahnschrift SemiBold" panose="020B0502040204020203" pitchFamily="34" charset="0"/>
+              </a:rPr>
+              <a:t>apache thrift</a:t>
+            </a:r>
+          </a:p>
+          <a:p>
+            <a:pPr marL="685800" lvl="2">
+              <a:spcBef>
+                <a:spcPts val="1000"/>
+              </a:spcBef>
+            </a:pPr>
+            <a:r>
+              <a:rPr lang="en-US" altLang="zh-CN" sz="2400" dirty="0">
+                <a:latin typeface="Bahnschrift SemiBold" panose="020B0502040204020203" pitchFamily="34" charset="0"/>
+              </a:rPr>
+              <a:t>google protocol buffer </a:t>
+            </a:r>
+          </a:p>
+          <a:p>
+            <a:pPr marL="685800" lvl="2">
+              <a:spcBef>
+                <a:spcPts val="1000"/>
+              </a:spcBef>
+            </a:pPr>
+            <a:r>
+              <a:rPr lang="en-US" altLang="zh-CN" sz="2400" dirty="0">
+                <a:latin typeface="Bahnschrift SemiBold" panose="020B0502040204020203" pitchFamily="34" charset="0"/>
+              </a:rPr>
+              <a:t>http </a:t>
+            </a:r>
+            <a:r>
+              <a:rPr lang="en-US" altLang="zh-CN" sz="2400" dirty="0" err="1">
+                <a:latin typeface="Bahnschrift SemiBold" panose="020B0502040204020203" pitchFamily="34" charset="0"/>
+              </a:rPr>
+              <a:t>msgpack</a:t>
+            </a:r>
+            <a:endParaRPr lang="en-US" altLang="zh-CN" dirty="0"/>
+          </a:p>
+          <a:p>
+            <a:pPr lvl="1"/>
+            <a:endParaRPr lang="en-US" altLang="zh-CN" dirty="0"/>
+          </a:p>
+        </p:txBody>
+      </p:sp>
+      <p:graphicFrame>
+        <p:nvGraphicFramePr>
+          <p:cNvPr id="4" name="表格 4">
+            <a:extLst>
+              <a:ext uri="{FF2B5EF4-FFF2-40B4-BE49-F238E27FC236}">
+                <a16:creationId xmlns:a16="http://schemas.microsoft.com/office/drawing/2014/main" id="{BCE98B44-FCB5-4594-99EF-1E3DD6246E6A}"/>
+              </a:ext>
+            </a:extLst>
+          </p:cNvPr>
+          <p:cNvGraphicFramePr>
+            <a:graphicFrameLocks noGrp="1"/>
+          </p:cNvGraphicFramePr>
+          <p:nvPr>
+            <p:extLst>
+              <p:ext uri="{D42A27DB-BD31-4B8C-83A1-F6EECF244321}">
+                <p14:modId xmlns:p14="http://schemas.microsoft.com/office/powerpoint/2010/main" val="4283688407"/>
+              </p:ext>
+            </p:extLst>
+          </p:nvPr>
+        </p:nvGraphicFramePr>
+        <p:xfrm>
+          <a:off x="3268318" y="3661465"/>
+          <a:ext cx="5655364" cy="2743200"/>
+        </p:xfrm>
+        <a:graphic>
+          <a:graphicData uri="http://schemas.openxmlformats.org/drawingml/2006/table">
+            <a:tbl>
+              <a:tblPr firstRow="1" bandRow="1">
+                <a:tableStyleId>{5C22544A-7EE6-4342-B048-85BDC9FD1C3A}</a:tableStyleId>
+              </a:tblPr>
+              <a:tblGrid>
+                <a:gridCol w="1413841">
+                  <a:extLst>
+                    <a:ext uri="{9D8B030D-6E8A-4147-A177-3AD203B41FA5}">
+                      <a16:colId xmlns:a16="http://schemas.microsoft.com/office/drawing/2014/main" val="3253390512"/>
+                    </a:ext>
+                  </a:extLst>
+                </a:gridCol>
+                <a:gridCol w="1448629">
+                  <a:extLst>
+                    <a:ext uri="{9D8B030D-6E8A-4147-A177-3AD203B41FA5}">
+                      <a16:colId xmlns:a16="http://schemas.microsoft.com/office/drawing/2014/main" val="2387662656"/>
+                    </a:ext>
+                  </a:extLst>
+                </a:gridCol>
+                <a:gridCol w="1379053">
+                  <a:extLst>
+                    <a:ext uri="{9D8B030D-6E8A-4147-A177-3AD203B41FA5}">
+                      <a16:colId xmlns:a16="http://schemas.microsoft.com/office/drawing/2014/main" val="3247183767"/>
+                    </a:ext>
+                  </a:extLst>
+                </a:gridCol>
+                <a:gridCol w="1413841">
+                  <a:extLst>
+                    <a:ext uri="{9D8B030D-6E8A-4147-A177-3AD203B41FA5}">
+                      <a16:colId xmlns:a16="http://schemas.microsoft.com/office/drawing/2014/main" val="3701874458"/>
+                    </a:ext>
+                  </a:extLst>
+                </a:gridCol>
+              </a:tblGrid>
+              <a:tr h="589707">
+                <a:tc>
+                  <a:txBody>
+                    <a:bodyPr/>
+                    <a:lstStyle/>
+                    <a:p>
+                      <a:r>
+                        <a:rPr lang="zh-CN" altLang="en-US" dirty="0"/>
+                        <a:t>协议</a:t>
+                      </a:r>
+                    </a:p>
+                  </a:txBody>
+                  <a:tcPr/>
+                </a:tc>
+                <a:tc>
+                  <a:txBody>
+                    <a:bodyPr/>
+                    <a:lstStyle/>
+                    <a:p>
+                      <a:r>
+                        <a:rPr lang="en-US" altLang="zh-CN" dirty="0"/>
+                        <a:t>Protocol buffer</a:t>
+                      </a:r>
+                      <a:endParaRPr lang="zh-CN" altLang="en-US" dirty="0"/>
+                    </a:p>
+                  </a:txBody>
+                  <a:tcPr/>
+                </a:tc>
+                <a:tc>
+                  <a:txBody>
+                    <a:bodyPr/>
+                    <a:lstStyle/>
+                    <a:p>
+                      <a:r>
+                        <a:rPr lang="en-US" altLang="zh-CN" dirty="0"/>
+                        <a:t>json</a:t>
+                      </a:r>
+                      <a:endParaRPr lang="zh-CN" altLang="en-US" dirty="0"/>
+                    </a:p>
+                  </a:txBody>
+                  <a:tcPr/>
+                </a:tc>
+                <a:tc>
+                  <a:txBody>
+                    <a:bodyPr/>
+                    <a:lstStyle/>
+                    <a:p>
+                      <a:r>
+                        <a:rPr lang="en-US" altLang="zh-CN" dirty="0"/>
+                        <a:t>xml</a:t>
+                      </a:r>
+                      <a:endParaRPr lang="zh-CN" altLang="en-US" dirty="0"/>
+                    </a:p>
+                  </a:txBody>
+                  <a:tcPr/>
+                </a:tc>
+                <a:extLst>
+                  <a:ext uri="{0D108BD9-81ED-4DB2-BD59-A6C34878D82A}">
+                    <a16:rowId xmlns:a16="http://schemas.microsoft.com/office/drawing/2014/main" val="562980275"/>
+                  </a:ext>
+                </a:extLst>
+              </a:tr>
+              <a:tr h="589707">
+                <a:tc>
+                  <a:txBody>
+                    <a:bodyPr/>
+                    <a:lstStyle/>
+                    <a:p>
+                      <a:r>
+                        <a:rPr lang="zh-CN" altLang="en-US" dirty="0"/>
+                        <a:t>序列化</a:t>
+                      </a:r>
+                      <a:r>
+                        <a:rPr lang="en-US" altLang="zh-CN" dirty="0"/>
+                        <a:t>/</a:t>
+                      </a:r>
+                      <a:r>
+                        <a:rPr lang="zh-CN" altLang="en-US" dirty="0"/>
+                        <a:t>反序列化开销</a:t>
+                      </a:r>
+                    </a:p>
+                  </a:txBody>
+                  <a:tcPr/>
+                </a:tc>
+                <a:tc>
+                  <a:txBody>
+                    <a:bodyPr/>
+                    <a:lstStyle/>
+                    <a:p>
+                      <a:r>
+                        <a:rPr lang="zh-CN" altLang="en-US" dirty="0"/>
+                        <a:t>低</a:t>
+                      </a:r>
+                    </a:p>
+                  </a:txBody>
+                  <a:tcPr/>
+                </a:tc>
+                <a:tc>
+                  <a:txBody>
+                    <a:bodyPr/>
+                    <a:lstStyle/>
+                    <a:p>
+                      <a:r>
+                        <a:rPr lang="zh-CN" altLang="en-US" dirty="0"/>
+                        <a:t>高</a:t>
+                      </a:r>
+                    </a:p>
+                  </a:txBody>
+                  <a:tcPr/>
+                </a:tc>
+                <a:tc>
+                  <a:txBody>
+                    <a:bodyPr/>
+                    <a:lstStyle/>
+                    <a:p>
+                      <a:r>
+                        <a:rPr lang="zh-CN" altLang="en-US" dirty="0"/>
+                        <a:t>高</a:t>
+                      </a:r>
+                    </a:p>
+                  </a:txBody>
+                  <a:tcPr/>
+                </a:tc>
+                <a:extLst>
+                  <a:ext uri="{0D108BD9-81ED-4DB2-BD59-A6C34878D82A}">
+                    <a16:rowId xmlns:a16="http://schemas.microsoft.com/office/drawing/2014/main" val="2262983487"/>
+                  </a:ext>
+                </a:extLst>
+              </a:tr>
+              <a:tr h="336975">
+                <a:tc>
+                  <a:txBody>
+                    <a:bodyPr/>
+                    <a:lstStyle/>
+                    <a:p>
+                      <a:r>
+                        <a:rPr lang="zh-CN" altLang="en-US" dirty="0"/>
+                        <a:t>自描述性</a:t>
+                      </a:r>
+                    </a:p>
+                  </a:txBody>
+                  <a:tcPr/>
+                </a:tc>
+                <a:tc>
+                  <a:txBody>
+                    <a:bodyPr/>
+                    <a:lstStyle/>
+                    <a:p>
+                      <a:r>
+                        <a:rPr lang="zh-CN" altLang="en-US" dirty="0"/>
+                        <a:t>无</a:t>
+                      </a:r>
+                    </a:p>
+                  </a:txBody>
+                  <a:tcPr/>
+                </a:tc>
+                <a:tc>
+                  <a:txBody>
+                    <a:bodyPr/>
+                    <a:lstStyle/>
+                    <a:p>
+                      <a:r>
+                        <a:rPr lang="zh-CN" altLang="en-US" dirty="0"/>
+                        <a:t>可</a:t>
+                      </a:r>
+                    </a:p>
+                  </a:txBody>
+                  <a:tcPr/>
+                </a:tc>
+                <a:tc>
+                  <a:txBody>
+                    <a:bodyPr/>
+                    <a:lstStyle/>
+                    <a:p>
+                      <a:r>
+                        <a:rPr lang="zh-CN" altLang="en-US" dirty="0"/>
+                        <a:t>可</a:t>
+                      </a:r>
+                    </a:p>
+                  </a:txBody>
+                  <a:tcPr/>
+                </a:tc>
+                <a:extLst>
+                  <a:ext uri="{0D108BD9-81ED-4DB2-BD59-A6C34878D82A}">
+                    <a16:rowId xmlns:a16="http://schemas.microsoft.com/office/drawing/2014/main" val="149951632"/>
+                  </a:ext>
+                </a:extLst>
+              </a:tr>
+              <a:tr h="336975">
+                <a:tc>
+                  <a:txBody>
+                    <a:bodyPr/>
+                    <a:lstStyle/>
+                    <a:p>
+                      <a:r>
+                        <a:rPr lang="zh-CN" altLang="en-US" dirty="0"/>
+                        <a:t>通用性</a:t>
+                      </a:r>
+                    </a:p>
+                  </a:txBody>
+                  <a:tcPr/>
+                </a:tc>
+                <a:tc>
+                  <a:txBody>
+                    <a:bodyPr/>
+                    <a:lstStyle/>
+                    <a:p>
+                      <a:r>
+                        <a:rPr lang="zh-CN" altLang="en-US" dirty="0"/>
+                        <a:t>差</a:t>
+                      </a:r>
+                    </a:p>
+                  </a:txBody>
+                  <a:tcPr/>
+                </a:tc>
+                <a:tc>
+                  <a:txBody>
+                    <a:bodyPr/>
+                    <a:lstStyle/>
+                    <a:p>
+                      <a:r>
+                        <a:rPr lang="zh-CN" altLang="en-US" dirty="0"/>
+                        <a:t>好</a:t>
+                      </a:r>
+                    </a:p>
+                  </a:txBody>
+                  <a:tcPr/>
+                </a:tc>
+                <a:tc>
+                  <a:txBody>
+                    <a:bodyPr/>
+                    <a:lstStyle/>
+                    <a:p>
+                      <a:r>
+                        <a:rPr lang="zh-CN" altLang="en-US" dirty="0"/>
+                        <a:t>一般</a:t>
+                      </a:r>
+                    </a:p>
+                  </a:txBody>
+                  <a:tcPr/>
+                </a:tc>
+                <a:extLst>
+                  <a:ext uri="{0D108BD9-81ED-4DB2-BD59-A6C34878D82A}">
+                    <a16:rowId xmlns:a16="http://schemas.microsoft.com/office/drawing/2014/main" val="3500149766"/>
+                  </a:ext>
+                </a:extLst>
+              </a:tr>
+              <a:tr h="336975">
+                <a:tc>
+                  <a:txBody>
+                    <a:bodyPr/>
+                    <a:lstStyle/>
+                    <a:p>
+                      <a:r>
+                        <a:rPr lang="zh-CN" altLang="en-US" dirty="0"/>
+                        <a:t>可读性</a:t>
+                      </a:r>
+                    </a:p>
+                  </a:txBody>
+                  <a:tcPr/>
+                </a:tc>
+                <a:tc>
+                  <a:txBody>
+                    <a:bodyPr/>
+                    <a:lstStyle/>
+                    <a:p>
+                      <a:r>
+                        <a:rPr lang="zh-CN" altLang="en-US" dirty="0"/>
+                        <a:t>差</a:t>
+                      </a:r>
+                    </a:p>
+                  </a:txBody>
+                  <a:tcPr/>
+                </a:tc>
+                <a:tc>
+                  <a:txBody>
+                    <a:bodyPr/>
+                    <a:lstStyle/>
+                    <a:p>
+                      <a:r>
+                        <a:rPr lang="zh-CN" altLang="en-US" dirty="0"/>
+                        <a:t>好</a:t>
+                      </a:r>
+                    </a:p>
+                  </a:txBody>
+                  <a:tcPr/>
+                </a:tc>
+                <a:tc>
+                  <a:txBody>
+                    <a:bodyPr/>
+                    <a:lstStyle/>
+                    <a:p>
+                      <a:r>
+                        <a:rPr lang="zh-CN" altLang="en-US" dirty="0"/>
+                        <a:t>一般</a:t>
+                      </a:r>
+                    </a:p>
+                  </a:txBody>
+                  <a:tcPr/>
+                </a:tc>
+                <a:extLst>
+                  <a:ext uri="{0D108BD9-81ED-4DB2-BD59-A6C34878D82A}">
+                    <a16:rowId xmlns:a16="http://schemas.microsoft.com/office/drawing/2014/main" val="3009969018"/>
+                  </a:ext>
+                </a:extLst>
+              </a:tr>
+              <a:tr h="336975">
+                <a:tc>
+                  <a:txBody>
+                    <a:bodyPr/>
+                    <a:lstStyle/>
+                    <a:p>
+                      <a:r>
+                        <a:rPr lang="zh-CN" altLang="en-US" dirty="0"/>
+                        <a:t>约束性</a:t>
+                      </a:r>
+                    </a:p>
+                  </a:txBody>
+                  <a:tcPr/>
+                </a:tc>
+                <a:tc>
+                  <a:txBody>
+                    <a:bodyPr/>
+                    <a:lstStyle/>
+                    <a:p>
+                      <a:r>
+                        <a:rPr lang="zh-CN" altLang="en-US" dirty="0"/>
+                        <a:t>强约束</a:t>
+                      </a:r>
+                    </a:p>
+                  </a:txBody>
+                  <a:tcPr/>
+                </a:tc>
+                <a:tc>
+                  <a:txBody>
+                    <a:bodyPr/>
+                    <a:lstStyle/>
+                    <a:p>
+                      <a:r>
+                        <a:rPr lang="zh-CN" altLang="en-US" dirty="0"/>
+                        <a:t>不约束</a:t>
+                      </a:r>
+                    </a:p>
+                  </a:txBody>
+                  <a:tcPr/>
+                </a:tc>
+                <a:tc>
+                  <a:txBody>
+                    <a:bodyPr/>
+                    <a:lstStyle/>
+                    <a:p>
+                      <a:r>
+                        <a:rPr lang="zh-CN" altLang="en-US" dirty="0"/>
+                        <a:t>不约束</a:t>
+                      </a:r>
+                    </a:p>
+                  </a:txBody>
+                  <a:tcPr/>
+                </a:tc>
+                <a:extLst>
+                  <a:ext uri="{0D108BD9-81ED-4DB2-BD59-A6C34878D82A}">
+                    <a16:rowId xmlns:a16="http://schemas.microsoft.com/office/drawing/2014/main" val="688407971"/>
+                  </a:ext>
+                </a:extLst>
+              </a:tr>
+            </a:tbl>
+          </a:graphicData>
+        </a:graphic>
+      </p:graphicFrame>
     </p:spTree>
     <p:extLst>
       <p:ext uri="{BB962C8B-B14F-4D97-AF65-F5344CB8AC3E}">
-        <p14:creationId xmlns:p14="http://schemas.microsoft.com/office/powerpoint/2010/main" val="456763605"/>
+        <p14:creationId xmlns:p14="http://schemas.microsoft.com/office/powerpoint/2010/main" val="3022536939"/>
       </p:ext>
     </p:extLst>
   </p:cSld>
@@ -3522,7 +4041,7 @@
           <p:cNvPr id="2" name="标题 1">
             <a:extLst>
               <a:ext uri="{FF2B5EF4-FFF2-40B4-BE49-F238E27FC236}">
-                <a16:creationId xmlns:a16="http://schemas.microsoft.com/office/drawing/2014/main" id="{0109FD87-5459-49B8-A41C-AE62D1BE5D1D}"/>
+                <a16:creationId xmlns:a16="http://schemas.microsoft.com/office/drawing/2014/main" id="{DBE3470F-9233-4EB9-974F-DF191B3DA214}"/>
               </a:ext>
             </a:extLst>
           </p:cNvPr>
@@ -3539,17 +4058,22 @@
           <a:lstStyle/>
           <a:p>
             <a:r>
-              <a:rPr lang="en-US" altLang="zh-CN" b="1" dirty="0" err="1"/>
-              <a:t>Protobuf</a:t>
-            </a:r>
-            <a:r>
               <a:rPr lang="en-US" altLang="zh-CN" b="1" dirty="0"/>
-              <a:t> - </a:t>
+              <a:t>RPC </a:t>
             </a:r>
             <a:r>
               <a:rPr lang="zh-CN" altLang="en-US" b="1" dirty="0"/>
-              <a:t>序列化</a:t>
-            </a:r>
+              <a:t>协议</a:t>
+            </a:r>
+            <a:r>
+              <a:rPr lang="en-US" altLang="zh-CN" b="1" dirty="0"/>
+              <a:t>-</a:t>
+            </a:r>
+            <a:r>
+              <a:rPr lang="zh-CN" altLang="en-US" b="1" dirty="0"/>
+              <a:t>性能差异</a:t>
+            </a:r>
+            <a:endParaRPr lang="zh-CN" altLang="en-US" dirty="0"/>
           </a:p>
         </p:txBody>
       </p:sp>
@@ -3558,7 +4082,7 @@
           <p:cNvPr id="5" name="图片 4">
             <a:extLst>
               <a:ext uri="{FF2B5EF4-FFF2-40B4-BE49-F238E27FC236}">
-                <a16:creationId xmlns:a16="http://schemas.microsoft.com/office/drawing/2014/main" id="{FACBDFF1-9C30-4164-9098-E9CCE6CA66F9}"/>
+                <a16:creationId xmlns:a16="http://schemas.microsoft.com/office/drawing/2014/main" id="{D220B96B-3AAC-4E77-A2BD-DA2070AFDDDB}"/>
               </a:ext>
             </a:extLst>
           </p:cNvPr>
@@ -3575,18 +4099,80 @@
         </p:blipFill>
         <p:spPr>
           <a:xfrm>
-            <a:off x="3119809" y="1553238"/>
-            <a:ext cx="5952381" cy="5304762"/>
+            <a:off x="3462552" y="2196385"/>
+            <a:ext cx="5266895" cy="3523422"/>
           </a:xfrm>
           <a:prstGeom prst="rect">
             <a:avLst/>
           </a:prstGeom>
         </p:spPr>
       </p:pic>
+      <p:sp>
+        <p:nvSpPr>
+          <p:cNvPr id="7" name="文本框 6">
+            <a:extLst>
+              <a:ext uri="{FF2B5EF4-FFF2-40B4-BE49-F238E27FC236}">
+                <a16:creationId xmlns:a16="http://schemas.microsoft.com/office/drawing/2014/main" id="{AFABC0AE-F2D1-4D95-B343-74B4FCAF7EDE}"/>
+              </a:ext>
+            </a:extLst>
+          </p:cNvPr>
+          <p:cNvSpPr txBox="1"/>
+          <p:nvPr/>
+        </p:nvSpPr>
+        <p:spPr>
+          <a:xfrm>
+            <a:off x="838200" y="6123543"/>
+            <a:ext cx="6096000" cy="261610"/>
+          </a:xfrm>
+          <a:prstGeom prst="rect">
+            <a:avLst/>
+          </a:prstGeom>
+          <a:noFill/>
+        </p:spPr>
+        <p:txBody>
+          <a:bodyPr wrap="square">
+            <a:spAutoFit/>
+          </a:bodyPr>
+          <a:lstStyle/>
+          <a:p>
+            <a:r>
+              <a:rPr lang="en-US" altLang="zh-CN" sz="1100" dirty="0">
+                <a:hlinkClick r:id="rId4"/>
+              </a:rPr>
+              <a:t>Home · </a:t>
+            </a:r>
+            <a:r>
+              <a:rPr lang="en-US" altLang="zh-CN" sz="1100" dirty="0" err="1">
+                <a:hlinkClick r:id="rId4"/>
+              </a:rPr>
+              <a:t>eishay</a:t>
+            </a:r>
+            <a:r>
+              <a:rPr lang="en-US" altLang="zh-CN" sz="1100" dirty="0">
+                <a:hlinkClick r:id="rId4"/>
+              </a:rPr>
+              <a:t>/</a:t>
+            </a:r>
+            <a:r>
+              <a:rPr lang="en-US" altLang="zh-CN" sz="1100" dirty="0" err="1">
+                <a:hlinkClick r:id="rId4"/>
+              </a:rPr>
+              <a:t>jvm</a:t>
+            </a:r>
+            <a:r>
+              <a:rPr lang="en-US" altLang="zh-CN" sz="1100" dirty="0">
+                <a:hlinkClick r:id="rId4"/>
+              </a:rPr>
+              <a:t>-serializers Wiki (github.com)</a:t>
+            </a:r>
+            <a:endParaRPr lang="zh-CN" altLang="en-US" sz="1100" dirty="0"/>
+          </a:p>
+        </p:txBody>
+      </p:sp>
     </p:spTree>
     <p:extLst>
       <p:ext uri="{BB962C8B-B14F-4D97-AF65-F5344CB8AC3E}">
-        <p14:creationId xmlns:p14="http://schemas.microsoft.com/office/powerpoint/2010/main" val="2867738936"/>
+        <p14:creationId xmlns:p14="http://schemas.microsoft.com/office/powerpoint/2010/main" val="948161140"/>
       </p:ext>
     </p:extLst>
   </p:cSld>
@@ -3627,227 +4213,40 @@
           <a:chExt cx="0" cy="0"/>
         </a:xfrm>
       </p:grpSpPr>
-      <p:sp>
-        <p:nvSpPr>
-          <p:cNvPr id="2" name="标题 1">
-            <a:extLst>
-              <a:ext uri="{FF2B5EF4-FFF2-40B4-BE49-F238E27FC236}">
-                <a16:creationId xmlns:a16="http://schemas.microsoft.com/office/drawing/2014/main" id="{E935BD5B-3191-405E-AA71-7062CD7BBAD8}"/>
-              </a:ext>
-            </a:extLst>
-          </p:cNvPr>
-          <p:cNvSpPr>
-            <a:spLocks noGrp="1"/>
-          </p:cNvSpPr>
-          <p:nvPr>
-            <p:ph type="title"/>
-          </p:nvPr>
-        </p:nvSpPr>
-        <p:spPr/>
-        <p:txBody>
-          <a:bodyPr/>
-          <a:lstStyle/>
-          <a:p>
-            <a:r>
-              <a:rPr lang="en-US" altLang="zh-CN" b="1" dirty="0" err="1"/>
-              <a:t>Protobuf</a:t>
-            </a:r>
-            <a:r>
-              <a:rPr lang="en-US" altLang="zh-CN" b="1" dirty="0"/>
-              <a:t> 2-&gt;3 </a:t>
-            </a:r>
-            <a:r>
-              <a:rPr lang="zh-CN" altLang="en-US" b="1" dirty="0"/>
-              <a:t>取消了</a:t>
-            </a:r>
-            <a:r>
-              <a:rPr lang="en-US" altLang="zh-CN" b="1" dirty="0"/>
-              <a:t>(required</a:t>
-            </a:r>
-            <a:r>
-              <a:rPr lang="zh-CN" altLang="en-US" b="1" dirty="0"/>
-              <a:t>、</a:t>
-            </a:r>
-            <a:r>
-              <a:rPr lang="en-US" altLang="zh-CN" b="1" dirty="0"/>
-              <a:t>optional)</a:t>
-            </a:r>
-            <a:endParaRPr lang="zh-CN" altLang="en-US" dirty="0"/>
-          </a:p>
-        </p:txBody>
-      </p:sp>
-      <p:sp>
-        <p:nvSpPr>
-          <p:cNvPr id="3" name="内容占位符 2">
-            <a:extLst>
-              <a:ext uri="{FF2B5EF4-FFF2-40B4-BE49-F238E27FC236}">
-                <a16:creationId xmlns:a16="http://schemas.microsoft.com/office/drawing/2014/main" id="{B0D7D9B2-8E92-4181-A98F-9C1C621298A4}"/>
-              </a:ext>
-            </a:extLst>
-          </p:cNvPr>
-          <p:cNvSpPr>
-            <a:spLocks noGrp="1"/>
-          </p:cNvSpPr>
-          <p:nvPr>
-            <p:ph idx="1"/>
-          </p:nvPr>
-        </p:nvSpPr>
-        <p:spPr/>
-        <p:txBody>
-          <a:bodyPr>
-            <a:normAutofit/>
-          </a:bodyPr>
-          <a:lstStyle/>
-          <a:p>
-            <a:r>
-              <a:rPr lang="zh-CN" altLang="en-US" dirty="0"/>
-              <a:t>大部分情况，初始值（</a:t>
-            </a:r>
-            <a:r>
-              <a:rPr lang="en-US" altLang="zh-CN" dirty="0"/>
-              <a:t>””,false,0,0.0</a:t>
-            </a:r>
-            <a:r>
-              <a:rPr lang="zh-CN" altLang="en-US" dirty="0"/>
-              <a:t>等</a:t>
-            </a:r>
-            <a:r>
-              <a:rPr lang="en-US" altLang="zh-CN" dirty="0"/>
-              <a:t>) </a:t>
-            </a:r>
-            <a:r>
-              <a:rPr lang="zh-CN" altLang="en-US" dirty="0"/>
-              <a:t>与非必填等价</a:t>
-            </a:r>
-            <a:endParaRPr lang="en-US" altLang="zh-CN" dirty="0"/>
-          </a:p>
-          <a:p>
-            <a:r>
-              <a:rPr lang="zh-CN" altLang="en-US" dirty="0"/>
-              <a:t>极少部分情况，使用设置特殊默认值，来区分零值与空值的区别</a:t>
-            </a:r>
-            <a:endParaRPr lang="en-US" altLang="zh-CN" dirty="0"/>
-          </a:p>
-          <a:p>
-            <a:endParaRPr lang="en-US" altLang="zh-CN" dirty="0"/>
-          </a:p>
-          <a:p>
-            <a:pPr marL="0" indent="0">
-              <a:buNone/>
-            </a:pPr>
-            <a:r>
-              <a:rPr lang="zh-CN" altLang="en-US" dirty="0"/>
-              <a:t>优势：不用大量代码判断数据是否存在，数据库没有</a:t>
-            </a:r>
-            <a:r>
-              <a:rPr lang="en-US" altLang="zh-CN" dirty="0"/>
-              <a:t>null</a:t>
-            </a:r>
-            <a:r>
-              <a:rPr lang="zh-CN" altLang="en-US" dirty="0"/>
-              <a:t>值，</a:t>
-            </a:r>
-            <a:r>
-              <a:rPr lang="en-US" altLang="zh-CN" dirty="0" err="1"/>
-              <a:t>sql</a:t>
-            </a:r>
-            <a:r>
-              <a:rPr lang="zh-CN" altLang="en-US" dirty="0"/>
-              <a:t>更简单，效率更高</a:t>
-            </a:r>
-            <a:endParaRPr lang="en-US" altLang="zh-CN" dirty="0"/>
-          </a:p>
-          <a:p>
-            <a:pPr marL="0" indent="0">
-              <a:buNone/>
-            </a:pPr>
-            <a:endParaRPr lang="en-US" altLang="zh-CN" dirty="0"/>
-          </a:p>
-          <a:p>
-            <a:pPr marL="0" indent="0">
-              <a:buNone/>
-            </a:pPr>
-            <a:endParaRPr lang="en-US" altLang="zh-CN" dirty="0"/>
-          </a:p>
-          <a:p>
-            <a:pPr marL="0" indent="0">
-              <a:buNone/>
-            </a:pPr>
-            <a:r>
-              <a:rPr lang="zh-CN" altLang="en-US" sz="1100" dirty="0"/>
-              <a:t>参考：</a:t>
-            </a:r>
-            <a:r>
-              <a:rPr lang="en-US" altLang="zh-CN" sz="900" dirty="0" err="1">
-                <a:hlinkClick r:id="rId3"/>
-              </a:rPr>
-              <a:t>grpc</a:t>
-            </a:r>
-            <a:r>
-              <a:rPr lang="en-US" altLang="zh-CN" sz="900" dirty="0">
-                <a:hlinkClick r:id="rId3"/>
-              </a:rPr>
-              <a:t> - Why required and optional is removed in Protocol Buffers 3 - Stack Overflow</a:t>
-            </a:r>
-            <a:r>
-              <a:rPr lang="en-US" altLang="zh-CN" sz="1100" dirty="0"/>
-              <a:t>	</a:t>
-            </a:r>
-          </a:p>
-          <a:p>
-            <a:pPr marL="0" indent="0">
-              <a:buNone/>
-            </a:pPr>
-            <a:r>
-              <a:rPr lang="zh-CN" altLang="en-US" sz="900" dirty="0">
-                <a:hlinkClick r:id="rId4"/>
-              </a:rPr>
-              <a:t>区分 </a:t>
-            </a:r>
-            <a:r>
-              <a:rPr lang="en-US" altLang="zh-CN" sz="900" dirty="0" err="1">
-                <a:hlinkClick r:id="rId4"/>
-              </a:rPr>
-              <a:t>Protobuf</a:t>
-            </a:r>
-            <a:r>
-              <a:rPr lang="en-US" altLang="zh-CN" sz="900" dirty="0">
-                <a:hlinkClick r:id="rId4"/>
-              </a:rPr>
-              <a:t> </a:t>
-            </a:r>
-            <a:r>
-              <a:rPr lang="zh-CN" altLang="en-US" sz="900" dirty="0">
-                <a:hlinkClick r:id="rId4"/>
-              </a:rPr>
-              <a:t>中缺失值和默认值 </a:t>
-            </a:r>
-            <a:r>
-              <a:rPr lang="en-US" altLang="zh-CN" sz="900" dirty="0">
-                <a:hlinkClick r:id="rId4"/>
-              </a:rPr>
-              <a:t>- </a:t>
-            </a:r>
-            <a:r>
-              <a:rPr lang="zh-CN" altLang="en-US" sz="900" dirty="0">
-                <a:hlinkClick r:id="rId4"/>
-              </a:rPr>
-              <a:t>知乎 </a:t>
-            </a:r>
-            <a:r>
-              <a:rPr lang="en-US" altLang="zh-CN" sz="900" dirty="0">
-                <a:hlinkClick r:id="rId4"/>
-              </a:rPr>
-              <a:t>(zhihu.com)</a:t>
-            </a:r>
-            <a:endParaRPr lang="zh-CN" altLang="en-US" sz="1100" dirty="0"/>
-          </a:p>
-        </p:txBody>
-      </p:sp>
+      <p:pic>
+        <p:nvPicPr>
+          <p:cNvPr id="5" name="图片 4">
+            <a:extLst>
+              <a:ext uri="{FF2B5EF4-FFF2-40B4-BE49-F238E27FC236}">
+                <a16:creationId xmlns:a16="http://schemas.microsoft.com/office/drawing/2014/main" id="{85238627-60E1-4B0C-92E9-7269BE55D993}"/>
+              </a:ext>
+            </a:extLst>
+          </p:cNvPr>
+          <p:cNvPicPr>
+            <a:picLocks noChangeAspect="1"/>
+          </p:cNvPicPr>
+          <p:nvPr/>
+        </p:nvPicPr>
+        <p:blipFill>
+          <a:blip r:embed="rId3"/>
+          <a:stretch>
+            <a:fillRect/>
+          </a:stretch>
+        </p:blipFill>
+        <p:spPr>
+          <a:xfrm>
+            <a:off x="2262666" y="343285"/>
+            <a:ext cx="7666667" cy="6171429"/>
+          </a:xfrm>
+          <a:prstGeom prst="rect">
+            <a:avLst/>
+          </a:prstGeom>
+        </p:spPr>
+      </p:pic>
     </p:spTree>
     <p:extLst>
       <p:ext uri="{BB962C8B-B14F-4D97-AF65-F5344CB8AC3E}">
-        <p14:creationId xmlns:p14="http://schemas.microsoft.com/office/powerpoint/2010/main" val="1582909116"/>
+        <p14:creationId xmlns:p14="http://schemas.microsoft.com/office/powerpoint/2010/main" val="456763605"/>
       </p:ext>
     </p:extLst>
   </p:cSld>
@@ -3893,7 +4292,7 @@
           <p:cNvPr id="2" name="标题 1">
             <a:extLst>
               <a:ext uri="{FF2B5EF4-FFF2-40B4-BE49-F238E27FC236}">
-                <a16:creationId xmlns:a16="http://schemas.microsoft.com/office/drawing/2014/main" id="{E8E5ECC5-7098-4770-AAFC-E65030DECF84}"/>
+                <a16:creationId xmlns:a16="http://schemas.microsoft.com/office/drawing/2014/main" id="{0109FD87-5459-49B8-A41C-AE62D1BE5D1D}"/>
               </a:ext>
             </a:extLst>
           </p:cNvPr>
@@ -3910,106 +4309,54 @@
           <a:lstStyle/>
           <a:p>
             <a:r>
+              <a:rPr lang="en-US" altLang="zh-CN" b="1" dirty="0" err="1"/>
+              <a:t>Protobuf</a:t>
+            </a:r>
+            <a:r>
               <a:rPr lang="en-US" altLang="zh-CN" b="1" dirty="0"/>
-              <a:t>Protocol buffer</a:t>
-            </a:r>
-            <a:endParaRPr lang="zh-CN" altLang="en-US" b="1" dirty="0"/>
-          </a:p>
-        </p:txBody>
-      </p:sp>
-      <p:sp>
-        <p:nvSpPr>
-          <p:cNvPr id="3" name="内容占位符 2">
-            <a:extLst>
-              <a:ext uri="{FF2B5EF4-FFF2-40B4-BE49-F238E27FC236}">
-                <a16:creationId xmlns:a16="http://schemas.microsoft.com/office/drawing/2014/main" id="{06FD2342-C960-4F8D-81AE-C69AB6BEBA71}"/>
-              </a:ext>
-            </a:extLst>
-          </p:cNvPr>
-          <p:cNvSpPr>
-            <a:spLocks noGrp="1"/>
-          </p:cNvSpPr>
-          <p:nvPr>
-            <p:ph idx="1"/>
-          </p:nvPr>
-        </p:nvSpPr>
-        <p:spPr/>
-        <p:txBody>
-          <a:bodyPr/>
-          <a:lstStyle/>
-          <a:p>
-            <a:r>
-              <a:rPr lang="zh-CN" altLang="en-US" dirty="0"/>
-              <a:t>优点</a:t>
-            </a:r>
-            <a:endParaRPr lang="en-US" altLang="zh-CN" dirty="0"/>
-          </a:p>
-          <a:p>
-            <a:pPr lvl="1"/>
-            <a:r>
-              <a:rPr lang="zh-CN" altLang="en-US" dirty="0"/>
-              <a:t>性能好</a:t>
-            </a:r>
-            <a:endParaRPr lang="en-US" altLang="zh-CN" dirty="0"/>
-          </a:p>
-          <a:p>
-            <a:pPr lvl="1"/>
-            <a:r>
-              <a:rPr lang="zh-CN" altLang="en-US" dirty="0"/>
-              <a:t>效率高</a:t>
-            </a:r>
-            <a:endParaRPr lang="en-US" altLang="zh-CN" dirty="0"/>
-          </a:p>
-          <a:p>
-            <a:pPr lvl="1"/>
-            <a:r>
-              <a:rPr lang="zh-CN" altLang="en-US" dirty="0"/>
-              <a:t>支持向前向后兼容</a:t>
-            </a:r>
-            <a:endParaRPr lang="en-US" altLang="zh-CN" dirty="0"/>
-          </a:p>
-          <a:p>
-            <a:pPr marL="457200" lvl="1" indent="0">
-              <a:buNone/>
-            </a:pPr>
-            <a:endParaRPr lang="en-US" altLang="zh-CN" dirty="0"/>
-          </a:p>
-          <a:p>
-            <a:r>
-              <a:rPr lang="zh-CN" altLang="en-US" dirty="0"/>
-              <a:t>缺点</a:t>
-            </a:r>
-            <a:endParaRPr lang="en-US" altLang="zh-CN" dirty="0"/>
-          </a:p>
-          <a:p>
-            <a:pPr lvl="1"/>
-            <a:r>
-              <a:rPr lang="zh-CN" altLang="en-US" dirty="0"/>
-              <a:t>没有可读性</a:t>
-            </a:r>
-            <a:endParaRPr lang="en-US" altLang="zh-CN" dirty="0"/>
-          </a:p>
-          <a:p>
-            <a:pPr lvl="1"/>
-            <a:r>
-              <a:rPr lang="zh-CN" altLang="en-US" dirty="0"/>
-              <a:t>缺乏自描述</a:t>
-            </a:r>
-            <a:endParaRPr lang="en-US" altLang="zh-CN" dirty="0"/>
-          </a:p>
-          <a:p>
-            <a:pPr lvl="1"/>
-            <a:r>
-              <a:rPr lang="zh-CN" altLang="en-US" dirty="0"/>
-              <a:t>通用性</a:t>
-            </a:r>
-          </a:p>
-        </p:txBody>
-      </p:sp>
+              <a:t> - </a:t>
+            </a:r>
+            <a:r>
+              <a:rPr lang="zh-CN" altLang="en-US" b="1" dirty="0"/>
+              <a:t>序列化</a:t>
+            </a:r>
+          </a:p>
+        </p:txBody>
+      </p:sp>
+      <p:pic>
+        <p:nvPicPr>
+          <p:cNvPr id="5" name="图片 4">
+            <a:extLst>
+              <a:ext uri="{FF2B5EF4-FFF2-40B4-BE49-F238E27FC236}">
+                <a16:creationId xmlns:a16="http://schemas.microsoft.com/office/drawing/2014/main" id="{FACBDFF1-9C30-4164-9098-E9CCE6CA66F9}"/>
+              </a:ext>
+            </a:extLst>
+          </p:cNvPr>
+          <p:cNvPicPr>
+            <a:picLocks noChangeAspect="1"/>
+          </p:cNvPicPr>
+          <p:nvPr/>
+        </p:nvPicPr>
+        <p:blipFill>
+          <a:blip r:embed="rId3"/>
+          <a:stretch>
+            <a:fillRect/>
+          </a:stretch>
+        </p:blipFill>
+        <p:spPr>
+          <a:xfrm>
+            <a:off x="3119809" y="1553238"/>
+            <a:ext cx="5952381" cy="5304762"/>
+          </a:xfrm>
+          <a:prstGeom prst="rect">
+            <a:avLst/>
+          </a:prstGeom>
+        </p:spPr>
+      </p:pic>
     </p:spTree>
     <p:extLst>
       <p:ext uri="{BB962C8B-B14F-4D97-AF65-F5344CB8AC3E}">
-        <p14:creationId xmlns:p14="http://schemas.microsoft.com/office/powerpoint/2010/main" val="315934487"/>
+        <p14:creationId xmlns:p14="http://schemas.microsoft.com/office/powerpoint/2010/main" val="2867738936"/>
       </p:ext>
     </p:extLst>
   </p:cSld>
@@ -4055,7 +4402,7 @@
           <p:cNvPr id="2" name="标题 1">
             <a:extLst>
               <a:ext uri="{FF2B5EF4-FFF2-40B4-BE49-F238E27FC236}">
-                <a16:creationId xmlns:a16="http://schemas.microsoft.com/office/drawing/2014/main" id="{A273169E-E7E4-4296-81F0-EE7B2F12FE34}"/>
+                <a16:creationId xmlns:a16="http://schemas.microsoft.com/office/drawing/2014/main" id="{E935BD5B-3191-405E-AA71-7062CD7BBAD8}"/>
               </a:ext>
             </a:extLst>
           </p:cNvPr>
@@ -4072,46 +4419,337 @@
           <a:lstStyle/>
           <a:p>
             <a:r>
+              <a:rPr lang="en-US" altLang="zh-CN" b="1" dirty="0" err="1"/>
+              <a:t>Protobuf</a:t>
+            </a:r>
+            <a:r>
+              <a:rPr lang="en-US" altLang="zh-CN" b="1" dirty="0"/>
+              <a:t> 2-&gt;3 </a:t>
+            </a:r>
+            <a:r>
               <a:rPr lang="zh-CN" altLang="en-US" b="1" dirty="0"/>
-              <a:t>配置中心</a:t>
-            </a:r>
-          </a:p>
-        </p:txBody>
-      </p:sp>
-      <p:pic>
-        <p:nvPicPr>
-          <p:cNvPr id="5" name="图片 4">
-            <a:extLst>
-              <a:ext uri="{FF2B5EF4-FFF2-40B4-BE49-F238E27FC236}">
-                <a16:creationId xmlns:a16="http://schemas.microsoft.com/office/drawing/2014/main" id="{A9014C5E-C557-47B5-A74B-1675363376C2}"/>
-              </a:ext>
-            </a:extLst>
-          </p:cNvPr>
-          <p:cNvPicPr>
-            <a:picLocks noChangeAspect="1"/>
-          </p:cNvPicPr>
-          <p:nvPr/>
-        </p:nvPicPr>
-        <p:blipFill>
-          <a:blip r:embed="rId3"/>
-          <a:stretch>
-            <a:fillRect/>
-          </a:stretch>
-        </p:blipFill>
-        <p:spPr>
-          <a:xfrm>
-            <a:off x="838200" y="1877422"/>
-            <a:ext cx="10131662" cy="4980578"/>
-          </a:xfrm>
-          <a:prstGeom prst="rect">
-            <a:avLst/>
-          </a:prstGeom>
-        </p:spPr>
-      </p:pic>
+              <a:t>取消了</a:t>
+            </a:r>
+            <a:r>
+              <a:rPr lang="en-US" altLang="zh-CN" b="1" dirty="0"/>
+              <a:t>(required</a:t>
+            </a:r>
+            <a:r>
+              <a:rPr lang="zh-CN" altLang="en-US" b="1" dirty="0"/>
+              <a:t>、</a:t>
+            </a:r>
+            <a:r>
+              <a:rPr lang="en-US" altLang="zh-CN" b="1" dirty="0"/>
+              <a:t>optional)</a:t>
+            </a:r>
+            <a:endParaRPr lang="zh-CN" altLang="en-US" dirty="0"/>
+          </a:p>
+        </p:txBody>
+      </p:sp>
+      <p:sp>
+        <p:nvSpPr>
+          <p:cNvPr id="3" name="内容占位符 2">
+            <a:extLst>
+              <a:ext uri="{FF2B5EF4-FFF2-40B4-BE49-F238E27FC236}">
+                <a16:creationId xmlns:a16="http://schemas.microsoft.com/office/drawing/2014/main" id="{B0D7D9B2-8E92-4181-A98F-9C1C621298A4}"/>
+              </a:ext>
+            </a:extLst>
+          </p:cNvPr>
+          <p:cNvSpPr>
+            <a:spLocks noGrp="1"/>
+          </p:cNvSpPr>
+          <p:nvPr>
+            <p:ph idx="1"/>
+          </p:nvPr>
+        </p:nvSpPr>
+        <p:spPr/>
+        <p:txBody>
+          <a:bodyPr>
+            <a:normAutofit/>
+          </a:bodyPr>
+          <a:lstStyle/>
+          <a:p>
+            <a:r>
+              <a:rPr lang="zh-CN" altLang="en-US" dirty="0"/>
+              <a:t>大部分情况，初始值（</a:t>
+            </a:r>
+            <a:r>
+              <a:rPr lang="en-US" altLang="zh-CN" dirty="0"/>
+              <a:t>””,false,0,0.0</a:t>
+            </a:r>
+            <a:r>
+              <a:rPr lang="zh-CN" altLang="en-US" dirty="0"/>
+              <a:t>等</a:t>
+            </a:r>
+            <a:r>
+              <a:rPr lang="en-US" altLang="zh-CN" dirty="0"/>
+              <a:t>) </a:t>
+            </a:r>
+            <a:r>
+              <a:rPr lang="zh-CN" altLang="en-US" dirty="0"/>
+              <a:t>与非必填等价</a:t>
+            </a:r>
+            <a:endParaRPr lang="en-US" altLang="zh-CN" dirty="0"/>
+          </a:p>
+          <a:p>
+            <a:r>
+              <a:rPr lang="zh-CN" altLang="en-US" dirty="0"/>
+              <a:t>极少部分情况，使用设置特殊默认值，来区分零值与空值的区别</a:t>
+            </a:r>
+            <a:endParaRPr lang="en-US" altLang="zh-CN" dirty="0"/>
+          </a:p>
+          <a:p>
+            <a:endParaRPr lang="en-US" altLang="zh-CN" dirty="0"/>
+          </a:p>
+          <a:p>
+            <a:pPr marL="0" indent="0">
+              <a:buNone/>
+            </a:pPr>
+            <a:r>
+              <a:rPr lang="zh-CN" altLang="en-US" dirty="0"/>
+              <a:t>优势：不用大量代码判断数据是否存在，数据库没有</a:t>
+            </a:r>
+            <a:r>
+              <a:rPr lang="en-US" altLang="zh-CN" dirty="0"/>
+              <a:t>null</a:t>
+            </a:r>
+            <a:r>
+              <a:rPr lang="zh-CN" altLang="en-US" dirty="0"/>
+              <a:t>值，</a:t>
+            </a:r>
+            <a:r>
+              <a:rPr lang="en-US" altLang="zh-CN" dirty="0" err="1"/>
+              <a:t>sql</a:t>
+            </a:r>
+            <a:r>
+              <a:rPr lang="zh-CN" altLang="en-US" dirty="0"/>
+              <a:t>更简单，效率更高</a:t>
+            </a:r>
+            <a:endParaRPr lang="en-US" altLang="zh-CN" dirty="0"/>
+          </a:p>
+          <a:p>
+            <a:pPr marL="0" indent="0">
+              <a:buNone/>
+            </a:pPr>
+            <a:endParaRPr lang="en-US" altLang="zh-CN" dirty="0"/>
+          </a:p>
+          <a:p>
+            <a:pPr marL="0" indent="0">
+              <a:buNone/>
+            </a:pPr>
+            <a:endParaRPr lang="en-US" altLang="zh-CN" dirty="0"/>
+          </a:p>
+          <a:p>
+            <a:pPr marL="0" indent="0">
+              <a:buNone/>
+            </a:pPr>
+            <a:r>
+              <a:rPr lang="zh-CN" altLang="en-US" sz="1100" dirty="0"/>
+              <a:t>参考：</a:t>
+            </a:r>
+            <a:r>
+              <a:rPr lang="en-US" altLang="zh-CN" sz="900" dirty="0">
+                <a:hlinkClick r:id="rId3"/>
+              </a:rPr>
+              <a:t>why </a:t>
+            </a:r>
+            <a:r>
+              <a:rPr lang="en-US" altLang="zh-CN" sz="900" dirty="0" err="1">
+                <a:hlinkClick r:id="rId3"/>
+              </a:rPr>
+              <a:t>messge</a:t>
+            </a:r>
+            <a:r>
+              <a:rPr lang="en-US" altLang="zh-CN" sz="900" dirty="0">
+                <a:hlinkClick r:id="rId3"/>
+              </a:rPr>
+              <a:t> type remove '</a:t>
+            </a:r>
+            <a:r>
+              <a:rPr lang="en-US" altLang="zh-CN" sz="900" dirty="0" err="1">
+                <a:hlinkClick r:id="rId3"/>
+              </a:rPr>
+              <a:t>required,optional</a:t>
+            </a:r>
+            <a:r>
+              <a:rPr lang="en-US" altLang="zh-CN" sz="900" dirty="0">
+                <a:hlinkClick r:id="rId3"/>
+              </a:rPr>
+              <a:t>'? · Issue #2497 · </a:t>
+            </a:r>
+            <a:r>
+              <a:rPr lang="en-US" altLang="zh-CN" sz="900" dirty="0" err="1">
+                <a:hlinkClick r:id="rId3"/>
+              </a:rPr>
+              <a:t>protocolbuffers</a:t>
+            </a:r>
+            <a:r>
+              <a:rPr lang="en-US" altLang="zh-CN" sz="900" dirty="0">
+                <a:hlinkClick r:id="rId3"/>
+              </a:rPr>
+              <a:t>/</a:t>
+            </a:r>
+            <a:r>
+              <a:rPr lang="en-US" altLang="zh-CN" sz="900" dirty="0" err="1">
+                <a:hlinkClick r:id="rId3"/>
+              </a:rPr>
+              <a:t>protobuf</a:t>
+            </a:r>
+            <a:r>
+              <a:rPr lang="en-US" altLang="zh-CN" sz="900" dirty="0">
+                <a:hlinkClick r:id="rId3"/>
+              </a:rPr>
+              <a:t> (github.com)</a:t>
+            </a:r>
+            <a:endParaRPr lang="en-US" altLang="zh-CN" sz="1100" dirty="0"/>
+          </a:p>
+          <a:p>
+            <a:pPr marL="0" indent="0">
+              <a:buNone/>
+            </a:pPr>
+            <a:r>
+              <a:rPr lang="zh-CN" altLang="en-US" sz="800" dirty="0">
+                <a:hlinkClick r:id="rId4"/>
+              </a:rPr>
+              <a:t>为什么 </a:t>
+            </a:r>
+            <a:r>
+              <a:rPr lang="en-US" altLang="zh-CN" sz="800" dirty="0">
+                <a:hlinkClick r:id="rId4"/>
+              </a:rPr>
+              <a:t>proto3 </a:t>
+            </a:r>
+            <a:r>
+              <a:rPr lang="zh-CN" altLang="en-US" sz="800" dirty="0">
+                <a:hlinkClick r:id="rId4"/>
+              </a:rPr>
+              <a:t>移除了 </a:t>
+            </a:r>
+            <a:r>
+              <a:rPr lang="en-US" altLang="zh-CN" sz="800" dirty="0">
+                <a:hlinkClick r:id="rId4"/>
+              </a:rPr>
+              <a:t>required </a:t>
+            </a:r>
+            <a:r>
+              <a:rPr lang="zh-CN" altLang="en-US" sz="800" dirty="0">
+                <a:hlinkClick r:id="rId4"/>
+              </a:rPr>
+              <a:t>和 </a:t>
+            </a:r>
+            <a:r>
+              <a:rPr lang="en-US" altLang="zh-CN" sz="800" dirty="0">
+                <a:hlinkClick r:id="rId4"/>
+              </a:rPr>
+              <a:t>optional</a:t>
+            </a:r>
+            <a:r>
+              <a:rPr lang="zh-CN" altLang="en-US" sz="800" dirty="0">
+                <a:hlinkClick r:id="rId4"/>
+              </a:rPr>
+              <a:t>？ </a:t>
+            </a:r>
+            <a:r>
+              <a:rPr lang="en-US" altLang="zh-CN" sz="800" dirty="0">
+                <a:hlinkClick r:id="rId4"/>
+              </a:rPr>
+              <a:t>- </a:t>
+            </a:r>
+            <a:r>
+              <a:rPr lang="zh-CN" altLang="en-US" sz="800" dirty="0">
+                <a:hlinkClick r:id="rId4"/>
+              </a:rPr>
+              <a:t>茶歇驿站 </a:t>
+            </a:r>
+            <a:r>
+              <a:rPr lang="en-US" altLang="zh-CN" sz="800" dirty="0">
+                <a:hlinkClick r:id="rId4"/>
+              </a:rPr>
+              <a:t>- Gopher, </a:t>
+            </a:r>
+            <a:r>
+              <a:rPr lang="en-US" altLang="zh-CN" sz="800" dirty="0" err="1">
+                <a:hlinkClick r:id="rId4"/>
+              </a:rPr>
+              <a:t>OpenSource</a:t>
+            </a:r>
+            <a:r>
+              <a:rPr lang="en-US" altLang="zh-CN" sz="800" dirty="0">
+                <a:hlinkClick r:id="rId4"/>
+              </a:rPr>
+              <a:t> Fans, </a:t>
+            </a:r>
+            <a:r>
+              <a:rPr lang="zh-CN" altLang="en-US" sz="800" dirty="0">
+                <a:hlinkClick r:id="rId4"/>
+              </a:rPr>
+              <a:t>成长之路有我相伴。 </a:t>
+            </a:r>
+            <a:r>
+              <a:rPr lang="en-US" altLang="zh-CN" sz="800" dirty="0">
+                <a:hlinkClick r:id="rId4"/>
+              </a:rPr>
+              <a:t>(maiyang.me)</a:t>
+            </a:r>
+            <a:r>
+              <a:rPr lang="en-US" altLang="zh-CN" sz="1100" dirty="0"/>
+              <a:t>	</a:t>
+            </a:r>
+          </a:p>
+          <a:p>
+            <a:pPr marL="0" indent="0">
+              <a:buNone/>
+            </a:pPr>
+            <a:r>
+              <a:rPr lang="zh-CN" altLang="en-US" sz="900" dirty="0">
+                <a:hlinkClick r:id="rId5"/>
+              </a:rPr>
+              <a:t>区分 </a:t>
+            </a:r>
+            <a:r>
+              <a:rPr lang="en-US" altLang="zh-CN" sz="900" dirty="0" err="1">
+                <a:hlinkClick r:id="rId5"/>
+              </a:rPr>
+              <a:t>Protobuf</a:t>
+            </a:r>
+            <a:r>
+              <a:rPr lang="en-US" altLang="zh-CN" sz="900" dirty="0">
+                <a:hlinkClick r:id="rId5"/>
+              </a:rPr>
+              <a:t> </a:t>
+            </a:r>
+            <a:r>
+              <a:rPr lang="zh-CN" altLang="en-US" sz="900" dirty="0">
+                <a:hlinkClick r:id="rId5"/>
+              </a:rPr>
+              <a:t>中缺失值和默认值 </a:t>
+            </a:r>
+            <a:r>
+              <a:rPr lang="en-US" altLang="zh-CN" sz="900" dirty="0">
+                <a:hlinkClick r:id="rId5"/>
+              </a:rPr>
+              <a:t>- </a:t>
+            </a:r>
+            <a:r>
+              <a:rPr lang="zh-CN" altLang="en-US" sz="900" dirty="0">
+                <a:hlinkClick r:id="rId5"/>
+              </a:rPr>
+              <a:t>知乎 </a:t>
+            </a:r>
+            <a:r>
+              <a:rPr lang="en-US" altLang="zh-CN" sz="900" dirty="0">
+                <a:hlinkClick r:id="rId5"/>
+              </a:rPr>
+              <a:t>(zhihu.com)</a:t>
+            </a:r>
+            <a:endParaRPr lang="zh-CN" altLang="en-US" sz="1100" dirty="0"/>
+          </a:p>
+        </p:txBody>
+      </p:sp>
     </p:spTree>
     <p:extLst>
       <p:ext uri="{BB962C8B-B14F-4D97-AF65-F5344CB8AC3E}">
-        <p14:creationId xmlns:p14="http://schemas.microsoft.com/office/powerpoint/2010/main" val="2488308321"/>
+        <p14:creationId xmlns:p14="http://schemas.microsoft.com/office/powerpoint/2010/main" val="1582909116"/>
       </p:ext>
     </p:extLst>
   </p:cSld>
@@ -4157,7 +4795,7 @@
           <p:cNvPr id="2" name="标题 1">
             <a:extLst>
               <a:ext uri="{FF2B5EF4-FFF2-40B4-BE49-F238E27FC236}">
-                <a16:creationId xmlns:a16="http://schemas.microsoft.com/office/drawing/2014/main" id="{9E079EAD-10C6-4B44-8683-69CE936F766B}"/>
+                <a16:creationId xmlns:a16="http://schemas.microsoft.com/office/drawing/2014/main" id="{E8E5ECC5-7098-4770-AAFC-E65030DECF84}"/>
               </a:ext>
             </a:extLst>
           </p:cNvPr>
@@ -4174,46 +4812,106 @@
           <a:lstStyle/>
           <a:p>
             <a:r>
-              <a:rPr lang="zh-CN" altLang="en-US" b="1" dirty="0"/>
-              <a:t>服务发现</a:t>
-            </a:r>
-          </a:p>
-        </p:txBody>
-      </p:sp>
-      <p:pic>
-        <p:nvPicPr>
-          <p:cNvPr id="5" name="图片 4">
-            <a:extLst>
-              <a:ext uri="{FF2B5EF4-FFF2-40B4-BE49-F238E27FC236}">
-                <a16:creationId xmlns:a16="http://schemas.microsoft.com/office/drawing/2014/main" id="{C581C653-8B62-47D2-B02F-80FABDFA0599}"/>
-              </a:ext>
-            </a:extLst>
-          </p:cNvPr>
-          <p:cNvPicPr>
-            <a:picLocks noChangeAspect="1"/>
-          </p:cNvPicPr>
-          <p:nvPr/>
-        </p:nvPicPr>
-        <p:blipFill>
-          <a:blip r:embed="rId3"/>
-          <a:stretch>
-            <a:fillRect/>
-          </a:stretch>
-        </p:blipFill>
-        <p:spPr>
-          <a:xfrm>
-            <a:off x="2496168" y="2328326"/>
-            <a:ext cx="6933333" cy="3266667"/>
-          </a:xfrm>
-          <a:prstGeom prst="rect">
-            <a:avLst/>
-          </a:prstGeom>
-        </p:spPr>
-      </p:pic>
+              <a:rPr lang="en-US" altLang="zh-CN" b="1" dirty="0"/>
+              <a:t>Protocol buffer</a:t>
+            </a:r>
+            <a:endParaRPr lang="zh-CN" altLang="en-US" b="1" dirty="0"/>
+          </a:p>
+        </p:txBody>
+      </p:sp>
+      <p:sp>
+        <p:nvSpPr>
+          <p:cNvPr id="3" name="内容占位符 2">
+            <a:extLst>
+              <a:ext uri="{FF2B5EF4-FFF2-40B4-BE49-F238E27FC236}">
+                <a16:creationId xmlns:a16="http://schemas.microsoft.com/office/drawing/2014/main" id="{06FD2342-C960-4F8D-81AE-C69AB6BEBA71}"/>
+              </a:ext>
+            </a:extLst>
+          </p:cNvPr>
+          <p:cNvSpPr>
+            <a:spLocks noGrp="1"/>
+          </p:cNvSpPr>
+          <p:nvPr>
+            <p:ph idx="1"/>
+          </p:nvPr>
+        </p:nvSpPr>
+        <p:spPr/>
+        <p:txBody>
+          <a:bodyPr/>
+          <a:lstStyle/>
+          <a:p>
+            <a:r>
+              <a:rPr lang="zh-CN" altLang="en-US" dirty="0"/>
+              <a:t>优点</a:t>
+            </a:r>
+            <a:endParaRPr lang="en-US" altLang="zh-CN" dirty="0"/>
+          </a:p>
+          <a:p>
+            <a:pPr lvl="1"/>
+            <a:r>
+              <a:rPr lang="zh-CN" altLang="en-US" dirty="0"/>
+              <a:t>性能好</a:t>
+            </a:r>
+            <a:endParaRPr lang="en-US" altLang="zh-CN" dirty="0"/>
+          </a:p>
+          <a:p>
+            <a:pPr lvl="1"/>
+            <a:r>
+              <a:rPr lang="zh-CN" altLang="en-US" dirty="0"/>
+              <a:t>效率高</a:t>
+            </a:r>
+            <a:endParaRPr lang="en-US" altLang="zh-CN" dirty="0"/>
+          </a:p>
+          <a:p>
+            <a:pPr lvl="1"/>
+            <a:r>
+              <a:rPr lang="zh-CN" altLang="en-US" dirty="0"/>
+              <a:t>支持向前向后兼容</a:t>
+            </a:r>
+            <a:endParaRPr lang="en-US" altLang="zh-CN" dirty="0"/>
+          </a:p>
+          <a:p>
+            <a:pPr marL="457200" lvl="1" indent="0">
+              <a:buNone/>
+            </a:pPr>
+            <a:endParaRPr lang="en-US" altLang="zh-CN" dirty="0"/>
+          </a:p>
+          <a:p>
+            <a:r>
+              <a:rPr lang="zh-CN" altLang="en-US" dirty="0"/>
+              <a:t>缺点</a:t>
+            </a:r>
+            <a:endParaRPr lang="en-US" altLang="zh-CN" dirty="0"/>
+          </a:p>
+          <a:p>
+            <a:pPr lvl="1"/>
+            <a:r>
+              <a:rPr lang="zh-CN" altLang="en-US" dirty="0"/>
+              <a:t>没有可读性</a:t>
+            </a:r>
+            <a:endParaRPr lang="en-US" altLang="zh-CN" dirty="0"/>
+          </a:p>
+          <a:p>
+            <a:pPr lvl="1"/>
+            <a:r>
+              <a:rPr lang="zh-CN" altLang="en-US" dirty="0"/>
+              <a:t>缺乏自描述</a:t>
+            </a:r>
+            <a:endParaRPr lang="en-US" altLang="zh-CN" dirty="0"/>
+          </a:p>
+          <a:p>
+            <a:pPr lvl="1"/>
+            <a:r>
+              <a:rPr lang="zh-CN" altLang="en-US" dirty="0"/>
+              <a:t>通用性</a:t>
+            </a:r>
+          </a:p>
+        </p:txBody>
+      </p:sp>
     </p:spTree>
     <p:extLst>
       <p:ext uri="{BB962C8B-B14F-4D97-AF65-F5344CB8AC3E}">
-        <p14:creationId xmlns:p14="http://schemas.microsoft.com/office/powerpoint/2010/main" val="1006773812"/>
+        <p14:creationId xmlns:p14="http://schemas.microsoft.com/office/powerpoint/2010/main" val="315934487"/>
       </p:ext>
     </p:extLst>
   </p:cSld>
@@ -4259,7 +4957,7 @@
           <p:cNvPr id="2" name="标题 1">
             <a:extLst>
               <a:ext uri="{FF2B5EF4-FFF2-40B4-BE49-F238E27FC236}">
-                <a16:creationId xmlns:a16="http://schemas.microsoft.com/office/drawing/2014/main" id="{8C00A2DE-80B2-4D8A-A3E1-98766A947CF7}"/>
+                <a16:creationId xmlns:a16="http://schemas.microsoft.com/office/drawing/2014/main" id="{A273169E-E7E4-4296-81F0-EE7B2F12FE34}"/>
               </a:ext>
             </a:extLst>
           </p:cNvPr>
@@ -4277,7 +4975,7 @@
           <a:p>
             <a:r>
               <a:rPr lang="zh-CN" altLang="en-US" b="1" dirty="0"/>
-              <a:t>服务注册发现框架</a:t>
+              <a:t>配置中心</a:t>
             </a:r>
           </a:p>
         </p:txBody>
@@ -4287,7 +4985,7 @@
           <p:cNvPr id="5" name="图片 4">
             <a:extLst>
               <a:ext uri="{FF2B5EF4-FFF2-40B4-BE49-F238E27FC236}">
-                <a16:creationId xmlns:a16="http://schemas.microsoft.com/office/drawing/2014/main" id="{9C009AAE-BF62-4EA0-86F4-F111F9AEB8A4}"/>
+                <a16:creationId xmlns:a16="http://schemas.microsoft.com/office/drawing/2014/main" id="{A9014C5E-C557-47B5-A74B-1675363376C2}"/>
               </a:ext>
             </a:extLst>
           </p:cNvPr>
@@ -4304,8 +5002,8 @@
         </p:blipFill>
         <p:spPr>
           <a:xfrm>
-            <a:off x="1285605" y="2001062"/>
-            <a:ext cx="9180952" cy="4314286"/>
+            <a:off x="838200" y="1877422"/>
+            <a:ext cx="10131662" cy="4980578"/>
           </a:xfrm>
           <a:prstGeom prst="rect">
             <a:avLst/>
@@ -4315,7 +5013,7 @@
     </p:spTree>
     <p:extLst>
       <p:ext uri="{BB962C8B-B14F-4D97-AF65-F5344CB8AC3E}">
-        <p14:creationId xmlns:p14="http://schemas.microsoft.com/office/powerpoint/2010/main" val="3127544902"/>
+        <p14:creationId xmlns:p14="http://schemas.microsoft.com/office/powerpoint/2010/main" val="2488308321"/>
       </p:ext>
     </p:extLst>
   </p:cSld>
@@ -4361,7 +5059,7 @@
           <p:cNvPr id="2" name="标题 1">
             <a:extLst>
               <a:ext uri="{FF2B5EF4-FFF2-40B4-BE49-F238E27FC236}">
-                <a16:creationId xmlns:a16="http://schemas.microsoft.com/office/drawing/2014/main" id="{656877F7-85E5-44BE-B398-D45C128B2EF5}"/>
+                <a16:creationId xmlns:a16="http://schemas.microsoft.com/office/drawing/2014/main" id="{9E079EAD-10C6-4B44-8683-69CE936F766B}"/>
               </a:ext>
             </a:extLst>
           </p:cNvPr>
@@ -4378,10 +5076,9 @@
           <a:lstStyle/>
           <a:p>
             <a:r>
-              <a:rPr lang="en-US" altLang="zh-CN" b="1" dirty="0"/>
-              <a:t>ETCD</a:t>
-            </a:r>
-            <a:endParaRPr lang="zh-CN" altLang="en-US" b="1" dirty="0"/>
+              <a:rPr lang="zh-CN" altLang="en-US" b="1" dirty="0"/>
+              <a:t>服务发现</a:t>
+            </a:r>
           </a:p>
         </p:txBody>
       </p:sp>
@@ -4390,7 +5087,7 @@
           <p:cNvPr id="5" name="图片 4">
             <a:extLst>
               <a:ext uri="{FF2B5EF4-FFF2-40B4-BE49-F238E27FC236}">
-                <a16:creationId xmlns:a16="http://schemas.microsoft.com/office/drawing/2014/main" id="{9783C9D3-ABF3-46EE-8425-DD8DA9E2623C}"/>
+                <a16:creationId xmlns:a16="http://schemas.microsoft.com/office/drawing/2014/main" id="{C581C653-8B62-47D2-B02F-80FABDFA0599}"/>
               </a:ext>
             </a:extLst>
           </p:cNvPr>
@@ -4407,8 +5104,8 @@
         </p:blipFill>
         <p:spPr>
           <a:xfrm>
-            <a:off x="838200" y="1880553"/>
-            <a:ext cx="10028571" cy="4323809"/>
+            <a:off x="2496168" y="2328326"/>
+            <a:ext cx="6933333" cy="3266667"/>
           </a:xfrm>
           <a:prstGeom prst="rect">
             <a:avLst/>
@@ -4418,7 +5115,7 @@
     </p:spTree>
     <p:extLst>
       <p:ext uri="{BB962C8B-B14F-4D97-AF65-F5344CB8AC3E}">
-        <p14:creationId xmlns:p14="http://schemas.microsoft.com/office/powerpoint/2010/main" val="2064201839"/>
+        <p14:creationId xmlns:p14="http://schemas.microsoft.com/office/powerpoint/2010/main" val="1006773812"/>
       </p:ext>
     </p:extLst>
   </p:cSld>
@@ -4464,7 +5161,7 @@
           <p:cNvPr id="2" name="标题 1">
             <a:extLst>
               <a:ext uri="{FF2B5EF4-FFF2-40B4-BE49-F238E27FC236}">
-                <a16:creationId xmlns:a16="http://schemas.microsoft.com/office/drawing/2014/main" id="{5F5289BA-6D31-4541-9A13-311D35B059A5}"/>
+                <a16:creationId xmlns:a16="http://schemas.microsoft.com/office/drawing/2014/main" id="{8C00A2DE-80B2-4D8A-A3E1-98766A947CF7}"/>
               </a:ext>
             </a:extLst>
           </p:cNvPr>
@@ -4481,120 +5178,46 @@
           <a:lstStyle/>
           <a:p>
             <a:r>
-              <a:rPr lang="en-US" altLang="zh-CN" b="1" dirty="0"/>
-              <a:t>ETCD</a:t>
-            </a:r>
-            <a:endParaRPr lang="zh-CN" altLang="en-US" dirty="0"/>
-          </a:p>
-        </p:txBody>
-      </p:sp>
-      <p:sp>
-        <p:nvSpPr>
-          <p:cNvPr id="3" name="内容占位符 2">
-            <a:extLst>
-              <a:ext uri="{FF2B5EF4-FFF2-40B4-BE49-F238E27FC236}">
-                <a16:creationId xmlns:a16="http://schemas.microsoft.com/office/drawing/2014/main" id="{11B6BC2C-9C40-4461-BFA5-38A145D3D4FF}"/>
-              </a:ext>
-            </a:extLst>
-          </p:cNvPr>
-          <p:cNvSpPr>
-            <a:spLocks noGrp="1"/>
-          </p:cNvSpPr>
-          <p:nvPr>
-            <p:ph idx="1"/>
-          </p:nvPr>
-        </p:nvSpPr>
-        <p:spPr/>
-        <p:txBody>
-          <a:bodyPr/>
-          <a:lstStyle/>
-          <a:p>
-            <a:r>
-              <a:rPr lang="en-US" altLang="zh-CN" dirty="0"/>
-              <a:t>get		</a:t>
-            </a:r>
-            <a:r>
-              <a:rPr lang="zh-CN" altLang="en-US" dirty="0"/>
-              <a:t>获取</a:t>
-            </a:r>
-            <a:endParaRPr lang="en-US" altLang="zh-CN" dirty="0"/>
-          </a:p>
-          <a:p>
-            <a:r>
-              <a:rPr lang="en-US" altLang="zh-CN" dirty="0"/>
-              <a:t>put		</a:t>
-            </a:r>
-            <a:r>
-              <a:rPr lang="zh-CN" altLang="en-US" dirty="0"/>
-              <a:t>写</a:t>
-            </a:r>
-            <a:endParaRPr lang="en-US" altLang="zh-CN" dirty="0"/>
-          </a:p>
-          <a:p>
-            <a:r>
-              <a:rPr lang="en-US" altLang="zh-CN" dirty="0"/>
-              <a:t>del		</a:t>
-            </a:r>
-            <a:r>
-              <a:rPr lang="zh-CN" altLang="en-US" dirty="0"/>
-              <a:t>删除</a:t>
-            </a:r>
-            <a:endParaRPr lang="en-US" altLang="zh-CN" dirty="0"/>
-          </a:p>
-          <a:p>
-            <a:r>
-              <a:rPr lang="en-US" altLang="zh-CN" dirty="0"/>
-              <a:t>watch	</a:t>
-            </a:r>
-            <a:r>
-              <a:rPr lang="zh-CN" altLang="en-US" dirty="0"/>
-              <a:t>监听</a:t>
-            </a:r>
-            <a:endParaRPr lang="en-US" altLang="zh-CN" dirty="0"/>
-          </a:p>
-          <a:p>
-            <a:r>
-              <a:rPr lang="en-US" altLang="zh-CN" dirty="0"/>
-              <a:t>lock		</a:t>
-            </a:r>
-            <a:r>
-              <a:rPr lang="zh-CN" altLang="en-US" dirty="0"/>
-              <a:t>锁</a:t>
-            </a:r>
-            <a:endParaRPr lang="en-US" altLang="zh-CN" dirty="0"/>
-          </a:p>
-          <a:p>
-            <a:r>
-              <a:rPr lang="en-US" altLang="zh-CN" dirty="0" err="1"/>
-              <a:t>txn</a:t>
-            </a:r>
-            <a:r>
-              <a:rPr lang="en-US" altLang="zh-CN" dirty="0"/>
-              <a:t>		</a:t>
-            </a:r>
-            <a:r>
-              <a:rPr lang="zh-CN" altLang="en-US" dirty="0"/>
-              <a:t>原子，事物</a:t>
-            </a:r>
-            <a:endParaRPr lang="en-US" altLang="zh-CN" dirty="0"/>
-          </a:p>
-          <a:p>
-            <a:r>
-              <a:rPr lang="en-US" altLang="zh-CN" dirty="0"/>
-              <a:t>lease 	</a:t>
-            </a:r>
-            <a:r>
-              <a:rPr lang="zh-CN" altLang="en-US" dirty="0"/>
-              <a:t>租约</a:t>
-            </a:r>
-            <a:endParaRPr lang="en-US" altLang="zh-CN" dirty="0"/>
-          </a:p>
-        </p:txBody>
-      </p:sp>
+              <a:rPr lang="zh-CN" altLang="en-US" b="1" dirty="0"/>
+              <a:t>服务注册发现框架</a:t>
+            </a:r>
+          </a:p>
+        </p:txBody>
+      </p:sp>
+      <p:pic>
+        <p:nvPicPr>
+          <p:cNvPr id="5" name="图片 4">
+            <a:extLst>
+              <a:ext uri="{FF2B5EF4-FFF2-40B4-BE49-F238E27FC236}">
+                <a16:creationId xmlns:a16="http://schemas.microsoft.com/office/drawing/2014/main" id="{9C009AAE-BF62-4EA0-86F4-F111F9AEB8A4}"/>
+              </a:ext>
+            </a:extLst>
+          </p:cNvPr>
+          <p:cNvPicPr>
+            <a:picLocks noChangeAspect="1"/>
+          </p:cNvPicPr>
+          <p:nvPr/>
+        </p:nvPicPr>
+        <p:blipFill>
+          <a:blip r:embed="rId3"/>
+          <a:stretch>
+            <a:fillRect/>
+          </a:stretch>
+        </p:blipFill>
+        <p:spPr>
+          <a:xfrm>
+            <a:off x="1285605" y="2001062"/>
+            <a:ext cx="9180952" cy="4314286"/>
+          </a:xfrm>
+          <a:prstGeom prst="rect">
+            <a:avLst/>
+          </a:prstGeom>
+        </p:spPr>
+      </p:pic>
     </p:spTree>
     <p:extLst>
       <p:ext uri="{BB962C8B-B14F-4D97-AF65-F5344CB8AC3E}">
-        <p14:creationId xmlns:p14="http://schemas.microsoft.com/office/powerpoint/2010/main" val="1854242347"/>
+        <p14:creationId xmlns:p14="http://schemas.microsoft.com/office/powerpoint/2010/main" val="3127544902"/>
       </p:ext>
     </p:extLst>
   </p:cSld>
@@ -4640,7 +5263,7 @@
           <p:cNvPr id="2" name="标题 1">
             <a:extLst>
               <a:ext uri="{FF2B5EF4-FFF2-40B4-BE49-F238E27FC236}">
-                <a16:creationId xmlns:a16="http://schemas.microsoft.com/office/drawing/2014/main" id="{C6B6AC32-041C-4496-A899-13A8F4C1FE29}"/>
+                <a16:creationId xmlns:a16="http://schemas.microsoft.com/office/drawing/2014/main" id="{656877F7-85E5-44BE-B398-D45C128B2EF5}"/>
               </a:ext>
             </a:extLst>
           </p:cNvPr>
@@ -4658,7 +5281,7 @@
           <a:p>
             <a:r>
               <a:rPr lang="en-US" altLang="zh-CN" b="1" dirty="0"/>
-              <a:t>CAP</a:t>
+              <a:t>ETCD</a:t>
             </a:r>
             <a:endParaRPr lang="zh-CN" altLang="en-US" b="1" dirty="0"/>
           </a:p>
@@ -4669,7 +5292,7 @@
           <p:cNvPr id="5" name="图片 4">
             <a:extLst>
               <a:ext uri="{FF2B5EF4-FFF2-40B4-BE49-F238E27FC236}">
-                <a16:creationId xmlns:a16="http://schemas.microsoft.com/office/drawing/2014/main" id="{DD586917-FE68-44D3-B5EF-95D957E097D4}"/>
+                <a16:creationId xmlns:a16="http://schemas.microsoft.com/office/drawing/2014/main" id="{9783C9D3-ABF3-46EE-8425-DD8DA9E2623C}"/>
               </a:ext>
             </a:extLst>
           </p:cNvPr>
@@ -4686,8 +5309,8 @@
         </p:blipFill>
         <p:spPr>
           <a:xfrm>
-            <a:off x="838200" y="1441579"/>
-            <a:ext cx="9619934" cy="5416421"/>
+            <a:off x="838200" y="1880553"/>
+            <a:ext cx="10028571" cy="4323809"/>
           </a:xfrm>
           <a:prstGeom prst="rect">
             <a:avLst/>
@@ -4697,7 +5320,7 @@
     </p:spTree>
     <p:extLst>
       <p:ext uri="{BB962C8B-B14F-4D97-AF65-F5344CB8AC3E}">
-        <p14:creationId xmlns:p14="http://schemas.microsoft.com/office/powerpoint/2010/main" val="924802517"/>
+        <p14:creationId xmlns:p14="http://schemas.microsoft.com/office/powerpoint/2010/main" val="2064201839"/>
       </p:ext>
     </p:extLst>
   </p:cSld>
@@ -4826,6 +5449,20 @@
 <file path=ppt/slides/slide20.xml><?xml version="1.0" encoding="utf-8"?>
 <p:sld xmlns:a="http://schemas.openxmlformats.org/drawingml/2006/main" xmlns:r="http://schemas.openxmlformats.org/officeDocument/2006/relationships" xmlns:p="http://schemas.openxmlformats.org/presentationml/2006/main">
   <p:cSld>
+    <p:bg>
+      <p:bgPr>
+        <a:blipFill dpi="0" rotWithShape="1">
+          <a:blip r:embed="rId2">
+            <a:lum/>
+          </a:blip>
+          <a:srcRect/>
+          <a:stretch>
+            <a:fillRect/>
+          </a:stretch>
+        </a:blipFill>
+        <a:effectLst/>
+      </p:bgPr>
+    </p:bg>
     <p:spTree>
       <p:nvGrpSpPr>
         <p:cNvPr id="1" name=""/>
@@ -4845,7 +5482,7 @@
           <p:cNvPr id="2" name="标题 1">
             <a:extLst>
               <a:ext uri="{FF2B5EF4-FFF2-40B4-BE49-F238E27FC236}">
-                <a16:creationId xmlns:a16="http://schemas.microsoft.com/office/drawing/2014/main" id="{79D2F5E4-FE19-4044-9F18-02AA0E4EC1F9}"/>
+                <a16:creationId xmlns:a16="http://schemas.microsoft.com/office/drawing/2014/main" id="{5F5289BA-6D31-4541-9A13-311D35B059A5}"/>
               </a:ext>
             </a:extLst>
           </p:cNvPr>
@@ -4863,46 +5500,119 @@
           <a:p>
             <a:r>
               <a:rPr lang="en-US" altLang="zh-CN" b="1" dirty="0"/>
-              <a:t>CAP</a:t>
-            </a:r>
-            <a:endParaRPr lang="zh-CN" altLang="en-US" b="1" dirty="0"/>
-          </a:p>
-        </p:txBody>
-      </p:sp>
-      <p:pic>
-        <p:nvPicPr>
-          <p:cNvPr id="5" name="图片 4">
-            <a:extLst>
-              <a:ext uri="{FF2B5EF4-FFF2-40B4-BE49-F238E27FC236}">
-                <a16:creationId xmlns:a16="http://schemas.microsoft.com/office/drawing/2014/main" id="{DF3BA343-8860-4A1C-995E-520F187291E2}"/>
-              </a:ext>
-            </a:extLst>
-          </p:cNvPr>
-          <p:cNvPicPr>
-            <a:picLocks noChangeAspect="1"/>
-          </p:cNvPicPr>
-          <p:nvPr/>
-        </p:nvPicPr>
-        <p:blipFill>
-          <a:blip r:embed="rId2"/>
-          <a:stretch>
-            <a:fillRect/>
-          </a:stretch>
-        </p:blipFill>
-        <p:spPr>
-          <a:xfrm>
-            <a:off x="3062666" y="1302399"/>
-            <a:ext cx="6066667" cy="5190476"/>
-          </a:xfrm>
-          <a:prstGeom prst="rect">
-            <a:avLst/>
-          </a:prstGeom>
-        </p:spPr>
-      </p:pic>
+              <a:t>ETCD</a:t>
+            </a:r>
+            <a:endParaRPr lang="zh-CN" altLang="en-US" dirty="0"/>
+          </a:p>
+        </p:txBody>
+      </p:sp>
+      <p:sp>
+        <p:nvSpPr>
+          <p:cNvPr id="3" name="内容占位符 2">
+            <a:extLst>
+              <a:ext uri="{FF2B5EF4-FFF2-40B4-BE49-F238E27FC236}">
+                <a16:creationId xmlns:a16="http://schemas.microsoft.com/office/drawing/2014/main" id="{11B6BC2C-9C40-4461-BFA5-38A145D3D4FF}"/>
+              </a:ext>
+            </a:extLst>
+          </p:cNvPr>
+          <p:cNvSpPr>
+            <a:spLocks noGrp="1"/>
+          </p:cNvSpPr>
+          <p:nvPr>
+            <p:ph idx="1"/>
+          </p:nvPr>
+        </p:nvSpPr>
+        <p:spPr/>
+        <p:txBody>
+          <a:bodyPr/>
+          <a:lstStyle/>
+          <a:p>
+            <a:r>
+              <a:rPr lang="en-US" altLang="zh-CN" dirty="0"/>
+              <a:t>get		</a:t>
+            </a:r>
+            <a:r>
+              <a:rPr lang="zh-CN" altLang="en-US" dirty="0"/>
+              <a:t>获取</a:t>
+            </a:r>
+            <a:endParaRPr lang="en-US" altLang="zh-CN" dirty="0"/>
+          </a:p>
+          <a:p>
+            <a:r>
+              <a:rPr lang="en-US" altLang="zh-CN" dirty="0"/>
+              <a:t>put		</a:t>
+            </a:r>
+            <a:r>
+              <a:rPr lang="zh-CN" altLang="en-US" dirty="0"/>
+              <a:t>写</a:t>
+            </a:r>
+            <a:endParaRPr lang="en-US" altLang="zh-CN" dirty="0"/>
+          </a:p>
+          <a:p>
+            <a:r>
+              <a:rPr lang="en-US" altLang="zh-CN" dirty="0"/>
+              <a:t>del		</a:t>
+            </a:r>
+            <a:r>
+              <a:rPr lang="zh-CN" altLang="en-US" dirty="0"/>
+              <a:t>删除</a:t>
+            </a:r>
+            <a:endParaRPr lang="en-US" altLang="zh-CN" dirty="0"/>
+          </a:p>
+          <a:p>
+            <a:r>
+              <a:rPr lang="en-US" altLang="zh-CN" dirty="0"/>
+              <a:t>watch	</a:t>
+            </a:r>
+            <a:r>
+              <a:rPr lang="zh-CN" altLang="en-US" dirty="0"/>
+              <a:t>监听</a:t>
+            </a:r>
+            <a:endParaRPr lang="en-US" altLang="zh-CN" dirty="0"/>
+          </a:p>
+          <a:p>
+            <a:r>
+              <a:rPr lang="en-US" altLang="zh-CN" dirty="0"/>
+              <a:t>lock		</a:t>
+            </a:r>
+            <a:r>
+              <a:rPr lang="zh-CN" altLang="en-US" dirty="0"/>
+              <a:t>锁</a:t>
+            </a:r>
+            <a:endParaRPr lang="en-US" altLang="zh-CN" dirty="0"/>
+          </a:p>
+          <a:p>
+            <a:r>
+              <a:rPr lang="en-US" altLang="zh-CN" dirty="0" err="1"/>
+              <a:t>txn</a:t>
+            </a:r>
+            <a:r>
+              <a:rPr lang="en-US" altLang="zh-CN" dirty="0"/>
+              <a:t>		</a:t>
+            </a:r>
+            <a:r>
+              <a:rPr lang="zh-CN" altLang="en-US" dirty="0"/>
+              <a:t>原子，事物</a:t>
+            </a:r>
+            <a:endParaRPr lang="en-US" altLang="zh-CN" dirty="0"/>
+          </a:p>
+          <a:p>
+            <a:r>
+              <a:rPr lang="en-US" altLang="zh-CN" dirty="0"/>
+              <a:t>lease 	</a:t>
+            </a:r>
+            <a:r>
+              <a:rPr lang="zh-CN" altLang="en-US" dirty="0"/>
+              <a:t>租约</a:t>
+            </a:r>
+            <a:endParaRPr lang="en-US" altLang="zh-CN" dirty="0"/>
+          </a:p>
+        </p:txBody>
+      </p:sp>
     </p:spTree>
     <p:extLst>
       <p:ext uri="{BB962C8B-B14F-4D97-AF65-F5344CB8AC3E}">
-        <p14:creationId xmlns:p14="http://schemas.microsoft.com/office/powerpoint/2010/main" val="2743054234"/>
+        <p14:creationId xmlns:p14="http://schemas.microsoft.com/office/powerpoint/2010/main" val="1854242347"/>
       </p:ext>
     </p:extLst>
   </p:cSld>
@@ -4948,7 +5658,7 @@
           <p:cNvPr id="2" name="标题 1">
             <a:extLst>
               <a:ext uri="{FF2B5EF4-FFF2-40B4-BE49-F238E27FC236}">
-                <a16:creationId xmlns:a16="http://schemas.microsoft.com/office/drawing/2014/main" id="{15111E4B-EAAA-4290-ADB0-29261BC4DD35}"/>
+                <a16:creationId xmlns:a16="http://schemas.microsoft.com/office/drawing/2014/main" id="{C6B6AC32-041C-4496-A899-13A8F4C1FE29}"/>
               </a:ext>
             </a:extLst>
           </p:cNvPr>
@@ -4965,63 +5675,47 @@
           <a:lstStyle/>
           <a:p>
             <a:r>
-              <a:rPr lang="zh-CN" altLang="en-US" b="1" dirty="0"/>
-              <a:t>负载均衡</a:t>
-            </a:r>
+              <a:rPr lang="en-US" altLang="zh-CN" b="1" dirty="0"/>
+              <a:t>CAP</a:t>
+            </a:r>
+            <a:endParaRPr lang="zh-CN" altLang="en-US" b="1" dirty="0"/>
           </a:p>
         </p:txBody>
       </p:sp>
       <p:pic>
         <p:nvPicPr>
-          <p:cNvPr id="1026" name="Picture 2">
-            <a:extLst>
-              <a:ext uri="{FF2B5EF4-FFF2-40B4-BE49-F238E27FC236}">
-                <a16:creationId xmlns:a16="http://schemas.microsoft.com/office/drawing/2014/main" id="{6AFEB8C2-6AB5-4129-BE7F-3EE37DDE6759}"/>
+          <p:cNvPr id="5" name="图片 4">
+            <a:extLst>
+              <a:ext uri="{FF2B5EF4-FFF2-40B4-BE49-F238E27FC236}">
+                <a16:creationId xmlns:a16="http://schemas.microsoft.com/office/drawing/2014/main" id="{DD586917-FE68-44D3-B5EF-95D957E097D4}"/>
               </a:ext>
             </a:extLst>
           </p:cNvPr>
           <p:cNvPicPr>
-            <a:picLocks noChangeAspect="1" noChangeArrowheads="1"/>
+            <a:picLocks noChangeAspect="1"/>
           </p:cNvPicPr>
           <p:nvPr/>
         </p:nvPicPr>
         <p:blipFill>
-          <a:blip r:embed="rId3">
-            <a:extLst>
-              <a:ext uri="{28A0092B-C50C-407E-A947-70E740481C1C}">
-                <a14:useLocalDpi xmlns:a14="http://schemas.microsoft.com/office/drawing/2010/main" val="0"/>
-              </a:ext>
-            </a:extLst>
-          </a:blip>
-          <a:srcRect/>
+          <a:blip r:embed="rId3"/>
           <a:stretch>
             <a:fillRect/>
           </a:stretch>
         </p:blipFill>
-        <p:spPr bwMode="auto">
+        <p:spPr>
           <a:xfrm>
-            <a:off x="3238500" y="2000250"/>
-            <a:ext cx="5715000" cy="2857500"/>
+            <a:off x="838200" y="1441579"/>
+            <a:ext cx="9619934" cy="5416421"/>
           </a:xfrm>
           <a:prstGeom prst="rect">
             <a:avLst/>
           </a:prstGeom>
-          <a:noFill/>
-          <a:extLst>
-            <a:ext uri="{909E8E84-426E-40DD-AFC4-6F175D3DCCD1}">
-              <a14:hiddenFill xmlns:a14="http://schemas.microsoft.com/office/drawing/2010/main">
-                <a:solidFill>
-                  <a:srgbClr val="FFFFFF"/>
-                </a:solidFill>
-              </a14:hiddenFill>
-            </a:ext>
-          </a:extLst>
         </p:spPr>
       </p:pic>
     </p:spTree>
     <p:extLst>
       <p:ext uri="{BB962C8B-B14F-4D97-AF65-F5344CB8AC3E}">
-        <p14:creationId xmlns:p14="http://schemas.microsoft.com/office/powerpoint/2010/main" val="3293985701"/>
+        <p14:creationId xmlns:p14="http://schemas.microsoft.com/office/powerpoint/2010/main" val="924802517"/>
       </p:ext>
     </p:extLst>
   </p:cSld>
@@ -5034,20 +5728,6 @@
 <file path=ppt/slides/slide22.xml><?xml version="1.0" encoding="utf-8"?>
 <p:sld xmlns:a="http://schemas.openxmlformats.org/drawingml/2006/main" xmlns:r="http://schemas.openxmlformats.org/officeDocument/2006/relationships" xmlns:p="http://schemas.openxmlformats.org/presentationml/2006/main">
   <p:cSld>
-    <p:bg>
-      <p:bgPr>
-        <a:blipFill dpi="0" rotWithShape="1">
-          <a:blip r:embed="rId2">
-            <a:lum/>
-          </a:blip>
-          <a:srcRect/>
-          <a:stretch>
-            <a:fillRect/>
-          </a:stretch>
-        </a:blipFill>
-        <a:effectLst/>
-      </p:bgPr>
-    </p:bg>
     <p:spTree>
       <p:nvGrpSpPr>
         <p:cNvPr id="1" name=""/>
@@ -5067,7 +5747,7 @@
           <p:cNvPr id="2" name="标题 1">
             <a:extLst>
               <a:ext uri="{FF2B5EF4-FFF2-40B4-BE49-F238E27FC236}">
-                <a16:creationId xmlns:a16="http://schemas.microsoft.com/office/drawing/2014/main" id="{EA2CD536-8C91-4570-AA50-101EBEA3B190}"/>
+                <a16:creationId xmlns:a16="http://schemas.microsoft.com/office/drawing/2014/main" id="{79D2F5E4-FE19-4044-9F18-02AA0E4EC1F9}"/>
               </a:ext>
             </a:extLst>
           </p:cNvPr>
@@ -5084,96 +5764,47 @@
           <a:lstStyle/>
           <a:p>
             <a:r>
-              <a:rPr lang="zh-CN" altLang="en-US" b="1" dirty="0"/>
-              <a:t>负载均衡</a:t>
-            </a:r>
-            <a:endParaRPr lang="zh-CN" altLang="en-US" dirty="0"/>
-          </a:p>
-        </p:txBody>
-      </p:sp>
-      <p:sp>
-        <p:nvSpPr>
-          <p:cNvPr id="3" name="内容占位符 2">
-            <a:extLst>
-              <a:ext uri="{FF2B5EF4-FFF2-40B4-BE49-F238E27FC236}">
-                <a16:creationId xmlns:a16="http://schemas.microsoft.com/office/drawing/2014/main" id="{8458A620-45BA-467B-BB8A-0AE925A59EFC}"/>
-              </a:ext>
-            </a:extLst>
-          </p:cNvPr>
-          <p:cNvSpPr>
-            <a:spLocks noGrp="1"/>
-          </p:cNvSpPr>
-          <p:nvPr>
-            <p:ph idx="1"/>
-          </p:nvPr>
-        </p:nvSpPr>
-        <p:spPr/>
-        <p:txBody>
-          <a:bodyPr/>
-          <a:lstStyle/>
-          <a:p>
-            <a:r>
-              <a:rPr lang="zh-CN" altLang="en-US" dirty="0"/>
-              <a:t>轮询</a:t>
-            </a:r>
-            <a:endParaRPr lang="en-US" altLang="zh-CN" dirty="0"/>
-          </a:p>
-          <a:p>
-            <a:r>
-              <a:rPr lang="zh-CN" altLang="en-US" dirty="0"/>
-              <a:t>加权轮询</a:t>
-            </a:r>
-            <a:endParaRPr lang="en-US" altLang="zh-CN" dirty="0"/>
-          </a:p>
-          <a:p>
-            <a:r>
-              <a:rPr lang="zh-CN" altLang="en-US" dirty="0"/>
-              <a:t>随机</a:t>
-            </a:r>
-            <a:endParaRPr lang="en-US" altLang="zh-CN" dirty="0"/>
-          </a:p>
-          <a:p>
-            <a:r>
-              <a:rPr lang="zh-CN" altLang="en-US" dirty="0"/>
-              <a:t>加权随机</a:t>
-            </a:r>
-            <a:endParaRPr lang="en-US" altLang="zh-CN" dirty="0"/>
-          </a:p>
-          <a:p>
-            <a:r>
-              <a:rPr lang="en-US" altLang="zh-CN" dirty="0" err="1"/>
-              <a:t>ip_hash</a:t>
-            </a:r>
-            <a:endParaRPr lang="en-US" altLang="zh-CN" dirty="0"/>
-          </a:p>
-          <a:p>
-            <a:r>
-              <a:rPr lang="en-US" altLang="zh-CN" dirty="0" err="1"/>
-              <a:t>Least_conn</a:t>
-            </a:r>
-            <a:endParaRPr lang="en-US" altLang="zh-CN" dirty="0"/>
-          </a:p>
-          <a:p>
-            <a:endParaRPr lang="en-US" altLang="zh-CN" dirty="0"/>
-          </a:p>
-          <a:p>
-            <a:endParaRPr lang="en-US" altLang="zh-CN" dirty="0"/>
-          </a:p>
-          <a:p>
-            <a:endParaRPr lang="en-US" altLang="zh-CN" dirty="0"/>
-          </a:p>
-          <a:p>
-            <a:endParaRPr lang="en-US" altLang="zh-CN" dirty="0"/>
-          </a:p>
-          <a:p>
-            <a:endParaRPr lang="zh-CN" altLang="en-US" dirty="0"/>
-          </a:p>
-        </p:txBody>
-      </p:sp>
+              <a:rPr lang="en-US" altLang="zh-CN" b="1" dirty="0"/>
+              <a:t>CAP</a:t>
+            </a:r>
+            <a:endParaRPr lang="zh-CN" altLang="en-US" b="1" dirty="0"/>
+          </a:p>
+        </p:txBody>
+      </p:sp>
+      <p:pic>
+        <p:nvPicPr>
+          <p:cNvPr id="5" name="图片 4">
+            <a:extLst>
+              <a:ext uri="{FF2B5EF4-FFF2-40B4-BE49-F238E27FC236}">
+                <a16:creationId xmlns:a16="http://schemas.microsoft.com/office/drawing/2014/main" id="{DF3BA343-8860-4A1C-995E-520F187291E2}"/>
+              </a:ext>
+            </a:extLst>
+          </p:cNvPr>
+          <p:cNvPicPr>
+            <a:picLocks noChangeAspect="1"/>
+          </p:cNvPicPr>
+          <p:nvPr/>
+        </p:nvPicPr>
+        <p:blipFill>
+          <a:blip r:embed="rId2"/>
+          <a:stretch>
+            <a:fillRect/>
+          </a:stretch>
+        </p:blipFill>
+        <p:spPr>
+          <a:xfrm>
+            <a:off x="3062666" y="1302399"/>
+            <a:ext cx="6066667" cy="5190476"/>
+          </a:xfrm>
+          <a:prstGeom prst="rect">
+            <a:avLst/>
+          </a:prstGeom>
+        </p:spPr>
+      </p:pic>
     </p:spTree>
     <p:extLst>
       <p:ext uri="{BB962C8B-B14F-4D97-AF65-F5344CB8AC3E}">
-        <p14:creationId xmlns:p14="http://schemas.microsoft.com/office/powerpoint/2010/main" val="2931287414"/>
+        <p14:creationId xmlns:p14="http://schemas.microsoft.com/office/powerpoint/2010/main" val="2743054234"/>
       </p:ext>
     </p:extLst>
   </p:cSld>
@@ -5219,6 +5850,285 @@
           <p:cNvPr id="2" name="标题 1">
             <a:extLst>
               <a:ext uri="{FF2B5EF4-FFF2-40B4-BE49-F238E27FC236}">
+                <a16:creationId xmlns:a16="http://schemas.microsoft.com/office/drawing/2014/main" id="{15111E4B-EAAA-4290-ADB0-29261BC4DD35}"/>
+              </a:ext>
+            </a:extLst>
+          </p:cNvPr>
+          <p:cNvSpPr>
+            <a:spLocks noGrp="1"/>
+          </p:cNvSpPr>
+          <p:nvPr>
+            <p:ph type="title"/>
+          </p:nvPr>
+        </p:nvSpPr>
+        <p:spPr/>
+        <p:txBody>
+          <a:bodyPr/>
+          <a:lstStyle/>
+          <a:p>
+            <a:r>
+              <a:rPr lang="zh-CN" altLang="en-US" b="1" dirty="0"/>
+              <a:t>负载均衡</a:t>
+            </a:r>
+          </a:p>
+        </p:txBody>
+      </p:sp>
+      <p:pic>
+        <p:nvPicPr>
+          <p:cNvPr id="1026" name="Picture 2">
+            <a:extLst>
+              <a:ext uri="{FF2B5EF4-FFF2-40B4-BE49-F238E27FC236}">
+                <a16:creationId xmlns:a16="http://schemas.microsoft.com/office/drawing/2014/main" id="{6AFEB8C2-6AB5-4129-BE7F-3EE37DDE6759}"/>
+              </a:ext>
+            </a:extLst>
+          </p:cNvPr>
+          <p:cNvPicPr>
+            <a:picLocks noChangeAspect="1" noChangeArrowheads="1"/>
+          </p:cNvPicPr>
+          <p:nvPr/>
+        </p:nvPicPr>
+        <p:blipFill>
+          <a:blip r:embed="rId3">
+            <a:extLst>
+              <a:ext uri="{28A0092B-C50C-407E-A947-70E740481C1C}">
+                <a14:useLocalDpi xmlns:a14="http://schemas.microsoft.com/office/drawing/2010/main" val="0"/>
+              </a:ext>
+            </a:extLst>
+          </a:blip>
+          <a:srcRect/>
+          <a:stretch>
+            <a:fillRect/>
+          </a:stretch>
+        </p:blipFill>
+        <p:spPr bwMode="auto">
+          <a:xfrm>
+            <a:off x="3238500" y="2000250"/>
+            <a:ext cx="5715000" cy="2857500"/>
+          </a:xfrm>
+          <a:prstGeom prst="rect">
+            <a:avLst/>
+          </a:prstGeom>
+          <a:noFill/>
+          <a:extLst>
+            <a:ext uri="{909E8E84-426E-40DD-AFC4-6F175D3DCCD1}">
+              <a14:hiddenFill xmlns:a14="http://schemas.microsoft.com/office/drawing/2010/main">
+                <a:solidFill>
+                  <a:srgbClr val="FFFFFF"/>
+                </a:solidFill>
+              </a14:hiddenFill>
+            </a:ext>
+          </a:extLst>
+        </p:spPr>
+      </p:pic>
+    </p:spTree>
+    <p:extLst>
+      <p:ext uri="{BB962C8B-B14F-4D97-AF65-F5344CB8AC3E}">
+        <p14:creationId xmlns:p14="http://schemas.microsoft.com/office/powerpoint/2010/main" val="3293985701"/>
+      </p:ext>
+    </p:extLst>
+  </p:cSld>
+  <p:clrMapOvr>
+    <a:masterClrMapping/>
+  </p:clrMapOvr>
+</p:sld>
+</file>
+
+<file path=ppt/slides/slide24.xml><?xml version="1.0" encoding="utf-8"?>
+<p:sld xmlns:a="http://schemas.openxmlformats.org/drawingml/2006/main" xmlns:r="http://schemas.openxmlformats.org/officeDocument/2006/relationships" xmlns:p="http://schemas.openxmlformats.org/presentationml/2006/main">
+  <p:cSld>
+    <p:bg>
+      <p:bgPr>
+        <a:blipFill dpi="0" rotWithShape="1">
+          <a:blip r:embed="rId2">
+            <a:lum/>
+          </a:blip>
+          <a:srcRect/>
+          <a:stretch>
+            <a:fillRect/>
+          </a:stretch>
+        </a:blipFill>
+        <a:effectLst/>
+      </p:bgPr>
+    </p:bg>
+    <p:spTree>
+      <p:nvGrpSpPr>
+        <p:cNvPr id="1" name=""/>
+        <p:cNvGrpSpPr/>
+        <p:nvPr/>
+      </p:nvGrpSpPr>
+      <p:grpSpPr>
+        <a:xfrm>
+          <a:off x="0" y="0"/>
+          <a:ext cx="0" cy="0"/>
+          <a:chOff x="0" y="0"/>
+          <a:chExt cx="0" cy="0"/>
+        </a:xfrm>
+      </p:grpSpPr>
+      <p:sp>
+        <p:nvSpPr>
+          <p:cNvPr id="2" name="标题 1">
+            <a:extLst>
+              <a:ext uri="{FF2B5EF4-FFF2-40B4-BE49-F238E27FC236}">
+                <a16:creationId xmlns:a16="http://schemas.microsoft.com/office/drawing/2014/main" id="{EA2CD536-8C91-4570-AA50-101EBEA3B190}"/>
+              </a:ext>
+            </a:extLst>
+          </p:cNvPr>
+          <p:cNvSpPr>
+            <a:spLocks noGrp="1"/>
+          </p:cNvSpPr>
+          <p:nvPr>
+            <p:ph type="title"/>
+          </p:nvPr>
+        </p:nvSpPr>
+        <p:spPr/>
+        <p:txBody>
+          <a:bodyPr/>
+          <a:lstStyle/>
+          <a:p>
+            <a:r>
+              <a:rPr lang="zh-CN" altLang="en-US" b="1" dirty="0"/>
+              <a:t>负载均衡</a:t>
+            </a:r>
+            <a:r>
+              <a:rPr lang="en-US" altLang="zh-CN" b="1" dirty="0"/>
+              <a:t>-</a:t>
+            </a:r>
+            <a:r>
+              <a:rPr lang="zh-CN" altLang="en-US" b="1"/>
+              <a:t>常见算法</a:t>
+            </a:r>
+            <a:endParaRPr lang="zh-CN" altLang="en-US" dirty="0"/>
+          </a:p>
+        </p:txBody>
+      </p:sp>
+      <p:sp>
+        <p:nvSpPr>
+          <p:cNvPr id="3" name="内容占位符 2">
+            <a:extLst>
+              <a:ext uri="{FF2B5EF4-FFF2-40B4-BE49-F238E27FC236}">
+                <a16:creationId xmlns:a16="http://schemas.microsoft.com/office/drawing/2014/main" id="{8458A620-45BA-467B-BB8A-0AE925A59EFC}"/>
+              </a:ext>
+            </a:extLst>
+          </p:cNvPr>
+          <p:cNvSpPr>
+            <a:spLocks noGrp="1"/>
+          </p:cNvSpPr>
+          <p:nvPr>
+            <p:ph idx="1"/>
+          </p:nvPr>
+        </p:nvSpPr>
+        <p:spPr/>
+        <p:txBody>
+          <a:bodyPr/>
+          <a:lstStyle/>
+          <a:p>
+            <a:r>
+              <a:rPr lang="zh-CN" altLang="en-US" dirty="0"/>
+              <a:t>轮询</a:t>
+            </a:r>
+            <a:endParaRPr lang="en-US" altLang="zh-CN" dirty="0"/>
+          </a:p>
+          <a:p>
+            <a:r>
+              <a:rPr lang="zh-CN" altLang="en-US" dirty="0"/>
+              <a:t>加权轮询</a:t>
+            </a:r>
+            <a:endParaRPr lang="en-US" altLang="zh-CN" dirty="0"/>
+          </a:p>
+          <a:p>
+            <a:r>
+              <a:rPr lang="zh-CN" altLang="en-US" dirty="0"/>
+              <a:t>随机</a:t>
+            </a:r>
+            <a:endParaRPr lang="en-US" altLang="zh-CN" dirty="0"/>
+          </a:p>
+          <a:p>
+            <a:r>
+              <a:rPr lang="zh-CN" altLang="en-US" dirty="0"/>
+              <a:t>加权随机</a:t>
+            </a:r>
+            <a:endParaRPr lang="en-US" altLang="zh-CN" dirty="0"/>
+          </a:p>
+          <a:p>
+            <a:r>
+              <a:rPr lang="en-US" altLang="zh-CN" dirty="0" err="1"/>
+              <a:t>ip_hash</a:t>
+            </a:r>
+            <a:endParaRPr lang="en-US" altLang="zh-CN" dirty="0"/>
+          </a:p>
+          <a:p>
+            <a:r>
+              <a:rPr lang="en-US" altLang="zh-CN" dirty="0" err="1"/>
+              <a:t>Least_conn</a:t>
+            </a:r>
+            <a:endParaRPr lang="en-US" altLang="zh-CN" dirty="0"/>
+          </a:p>
+          <a:p>
+            <a:endParaRPr lang="en-US" altLang="zh-CN" dirty="0"/>
+          </a:p>
+          <a:p>
+            <a:endParaRPr lang="en-US" altLang="zh-CN" dirty="0"/>
+          </a:p>
+          <a:p>
+            <a:endParaRPr lang="en-US" altLang="zh-CN" dirty="0"/>
+          </a:p>
+          <a:p>
+            <a:endParaRPr lang="en-US" altLang="zh-CN" dirty="0"/>
+          </a:p>
+          <a:p>
+            <a:endParaRPr lang="zh-CN" altLang="en-US" dirty="0"/>
+          </a:p>
+        </p:txBody>
+      </p:sp>
+    </p:spTree>
+    <p:extLst>
+      <p:ext uri="{BB962C8B-B14F-4D97-AF65-F5344CB8AC3E}">
+        <p14:creationId xmlns:p14="http://schemas.microsoft.com/office/powerpoint/2010/main" val="2931287414"/>
+      </p:ext>
+    </p:extLst>
+  </p:cSld>
+  <p:clrMapOvr>
+    <a:masterClrMapping/>
+  </p:clrMapOvr>
+</p:sld>
+</file>
+
+<file path=ppt/slides/slide25.xml><?xml version="1.0" encoding="utf-8"?>
+<p:sld xmlns:a="http://schemas.openxmlformats.org/drawingml/2006/main" xmlns:r="http://schemas.openxmlformats.org/officeDocument/2006/relationships" xmlns:p="http://schemas.openxmlformats.org/presentationml/2006/main">
+  <p:cSld>
+    <p:bg>
+      <p:bgPr>
+        <a:blipFill dpi="0" rotWithShape="1">
+          <a:blip r:embed="rId2">
+            <a:lum/>
+          </a:blip>
+          <a:srcRect/>
+          <a:stretch>
+            <a:fillRect/>
+          </a:stretch>
+        </a:blipFill>
+        <a:effectLst/>
+      </p:bgPr>
+    </p:bg>
+    <p:spTree>
+      <p:nvGrpSpPr>
+        <p:cNvPr id="1" name=""/>
+        <p:cNvGrpSpPr/>
+        <p:nvPr/>
+      </p:nvGrpSpPr>
+      <p:grpSpPr>
+        <a:xfrm>
+          <a:off x="0" y="0"/>
+          <a:ext cx="0" cy="0"/>
+          <a:chOff x="0" y="0"/>
+          <a:chExt cx="0" cy="0"/>
+        </a:xfrm>
+      </p:grpSpPr>
+      <p:sp>
+        <p:nvSpPr>
+          <p:cNvPr id="2" name="标题 1">
+            <a:extLst>
+              <a:ext uri="{FF2B5EF4-FFF2-40B4-BE49-F238E27FC236}">
                 <a16:creationId xmlns:a16="http://schemas.microsoft.com/office/drawing/2014/main" id="{D4CF906C-CB32-4D36-B4F4-11D3934E6898}"/>
               </a:ext>
             </a:extLst>
@@ -5285,7 +6195,7 @@
 </p:sld>
 </file>
 
-<file path=ppt/slides/slide24.xml><?xml version="1.0" encoding="utf-8"?>
+<file path=ppt/slides/slide26.xml><?xml version="1.0" encoding="utf-8"?>
 <p:sld xmlns:a="http://schemas.openxmlformats.org/drawingml/2006/main" xmlns:r="http://schemas.openxmlformats.org/officeDocument/2006/relationships" xmlns:p="http://schemas.openxmlformats.org/presentationml/2006/main">
   <p:cSld>
     <p:spTree>
@@ -5302,774 +6212,40 @@
           <a:chExt cx="0" cy="0"/>
         </a:xfrm>
       </p:grpSpPr>
-      <p:sp>
-        <p:nvSpPr>
-          <p:cNvPr id="2" name="标题 1">
-            <a:extLst>
-              <a:ext uri="{FF2B5EF4-FFF2-40B4-BE49-F238E27FC236}">
-                <a16:creationId xmlns:a16="http://schemas.microsoft.com/office/drawing/2014/main" id="{269B8995-3B44-42F9-94E5-A58345C8BE98}"/>
-              </a:ext>
-            </a:extLst>
-          </p:cNvPr>
-          <p:cNvSpPr>
-            <a:spLocks noGrp="1"/>
-          </p:cNvSpPr>
-          <p:nvPr>
-            <p:ph type="title"/>
-          </p:nvPr>
-        </p:nvSpPr>
-        <p:spPr/>
-        <p:txBody>
-          <a:bodyPr/>
-          <a:lstStyle/>
-          <a:p>
-            <a:r>
-              <a:rPr lang="zh-CN" altLang="en-US" b="1" dirty="0"/>
-              <a:t>微服务框架 </a:t>
-            </a:r>
-            <a:r>
-              <a:rPr lang="en-US" altLang="zh-CN" b="1" dirty="0"/>
-              <a:t>- </a:t>
-            </a:r>
-            <a:r>
-              <a:rPr lang="en-US" altLang="zh-CN" b="1" dirty="0" err="1"/>
-              <a:t>kratos</a:t>
-            </a:r>
-            <a:endParaRPr lang="zh-CN" altLang="en-US" b="1" dirty="0"/>
-          </a:p>
-        </p:txBody>
-      </p:sp>
-      <p:sp>
-        <p:nvSpPr>
-          <p:cNvPr id="3" name="内容占位符 2">
-            <a:extLst>
-              <a:ext uri="{FF2B5EF4-FFF2-40B4-BE49-F238E27FC236}">
-                <a16:creationId xmlns:a16="http://schemas.microsoft.com/office/drawing/2014/main" id="{EC0109F8-4914-4144-A6C3-DF67AD9B7891}"/>
-              </a:ext>
-            </a:extLst>
-          </p:cNvPr>
-          <p:cNvSpPr>
-            <a:spLocks noGrp="1"/>
-          </p:cNvSpPr>
-          <p:nvPr>
-            <p:ph idx="1"/>
-          </p:nvPr>
-        </p:nvSpPr>
-        <p:spPr/>
-        <p:txBody>
-          <a:bodyPr>
-            <a:normAutofit fontScale="85000" lnSpcReduction="20000"/>
-          </a:bodyPr>
-          <a:lstStyle/>
-          <a:p>
-            <a:pPr algn="l"/>
-            <a:r>
-              <a:rPr lang="en-US" altLang="zh-CN" b="1" i="0" dirty="0">
-                <a:solidFill>
-                  <a:srgbClr val="1C1E21"/>
-                </a:solidFill>
-                <a:effectLst/>
-                <a:latin typeface="system-ui"/>
-              </a:rPr>
-              <a:t>Features</a:t>
-            </a:r>
-          </a:p>
-          <a:p>
-            <a:pPr lvl="1"/>
-            <a:r>
-              <a:rPr lang="en-US" altLang="zh-CN" b="0" i="0" dirty="0">
-                <a:solidFill>
-                  <a:srgbClr val="1C1E21"/>
-                </a:solidFill>
-                <a:effectLst/>
-                <a:latin typeface="system-ui"/>
-              </a:rPr>
-              <a:t>APIs</a:t>
-            </a:r>
-            <a:r>
-              <a:rPr lang="zh-CN" altLang="en-US" b="0" i="0" dirty="0">
-                <a:solidFill>
-                  <a:srgbClr val="1C1E21"/>
-                </a:solidFill>
-                <a:effectLst/>
-                <a:latin typeface="system-ui"/>
-              </a:rPr>
-              <a:t>：协议通信以 </a:t>
-            </a:r>
-            <a:r>
-              <a:rPr lang="en-US" altLang="zh-CN" b="0" i="0" dirty="0">
-                <a:solidFill>
-                  <a:srgbClr val="1C1E21"/>
-                </a:solidFill>
-                <a:effectLst/>
-                <a:latin typeface="system-ui"/>
-              </a:rPr>
-              <a:t>HTTP/</a:t>
-            </a:r>
-            <a:r>
-              <a:rPr lang="en-US" altLang="zh-CN" b="0" i="0" dirty="0" err="1">
-                <a:solidFill>
-                  <a:srgbClr val="1C1E21"/>
-                </a:solidFill>
-                <a:effectLst/>
-                <a:latin typeface="system-ui"/>
-              </a:rPr>
-              <a:t>gRPC</a:t>
-            </a:r>
-            <a:r>
-              <a:rPr lang="en-US" altLang="zh-CN" b="0" i="0" dirty="0">
-                <a:solidFill>
-                  <a:srgbClr val="1C1E21"/>
-                </a:solidFill>
-                <a:effectLst/>
-                <a:latin typeface="system-ui"/>
-              </a:rPr>
-              <a:t> </a:t>
-            </a:r>
-            <a:r>
-              <a:rPr lang="zh-CN" altLang="en-US" b="0" i="0" dirty="0">
-                <a:solidFill>
-                  <a:srgbClr val="1C1E21"/>
-                </a:solidFill>
-                <a:effectLst/>
-                <a:latin typeface="system-ui"/>
-              </a:rPr>
-              <a:t>为基础，通过 </a:t>
-            </a:r>
-            <a:r>
-              <a:rPr lang="en-US" altLang="zh-CN" b="0" i="0" dirty="0" err="1">
-                <a:solidFill>
-                  <a:srgbClr val="1C1E21"/>
-                </a:solidFill>
-                <a:effectLst/>
-                <a:latin typeface="system-ui"/>
-              </a:rPr>
-              <a:t>Protobuf</a:t>
-            </a:r>
-            <a:r>
-              <a:rPr lang="en-US" altLang="zh-CN" b="0" i="0" dirty="0">
-                <a:solidFill>
-                  <a:srgbClr val="1C1E21"/>
-                </a:solidFill>
-                <a:effectLst/>
-                <a:latin typeface="system-ui"/>
-              </a:rPr>
-              <a:t> </a:t>
-            </a:r>
-            <a:r>
-              <a:rPr lang="zh-CN" altLang="en-US" b="0" i="0" dirty="0">
-                <a:solidFill>
-                  <a:srgbClr val="1C1E21"/>
-                </a:solidFill>
-                <a:effectLst/>
-                <a:latin typeface="system-ui"/>
-              </a:rPr>
-              <a:t>进行定义；</a:t>
-            </a:r>
-          </a:p>
-          <a:p>
-            <a:pPr lvl="1"/>
-            <a:r>
-              <a:rPr lang="en-US" altLang="zh-CN" b="0" i="0" dirty="0">
-                <a:solidFill>
-                  <a:srgbClr val="1C1E21"/>
-                </a:solidFill>
-                <a:effectLst/>
-                <a:latin typeface="system-ui"/>
-              </a:rPr>
-              <a:t>Errors</a:t>
-            </a:r>
-            <a:r>
-              <a:rPr lang="zh-CN" altLang="en-US" b="0" i="0" dirty="0">
-                <a:solidFill>
-                  <a:srgbClr val="1C1E21"/>
-                </a:solidFill>
-                <a:effectLst/>
-                <a:latin typeface="system-ui"/>
-              </a:rPr>
-              <a:t>：通过 </a:t>
-            </a:r>
-            <a:r>
-              <a:rPr lang="en-US" altLang="zh-CN" b="0" i="0" dirty="0" err="1">
-                <a:solidFill>
-                  <a:srgbClr val="1C1E21"/>
-                </a:solidFill>
-                <a:effectLst/>
-                <a:latin typeface="system-ui"/>
-              </a:rPr>
-              <a:t>Protobuf</a:t>
-            </a:r>
-            <a:r>
-              <a:rPr lang="en-US" altLang="zh-CN" b="0" i="0" dirty="0">
-                <a:solidFill>
-                  <a:srgbClr val="1C1E21"/>
-                </a:solidFill>
-                <a:effectLst/>
-                <a:latin typeface="system-ui"/>
-              </a:rPr>
-              <a:t> </a:t>
-            </a:r>
-            <a:r>
-              <a:rPr lang="zh-CN" altLang="en-US" b="0" i="0" dirty="0">
-                <a:solidFill>
-                  <a:srgbClr val="1C1E21"/>
-                </a:solidFill>
-                <a:effectLst/>
-                <a:latin typeface="system-ui"/>
-              </a:rPr>
-              <a:t>的 </a:t>
-            </a:r>
-            <a:r>
-              <a:rPr lang="en-US" altLang="zh-CN" b="0" i="0" dirty="0">
-                <a:solidFill>
-                  <a:srgbClr val="1C1E21"/>
-                </a:solidFill>
-                <a:effectLst/>
-                <a:latin typeface="system-ui"/>
-              </a:rPr>
-              <a:t>Enum </a:t>
-            </a:r>
-            <a:r>
-              <a:rPr lang="zh-CN" altLang="en-US" b="0" i="0" dirty="0">
-                <a:solidFill>
-                  <a:srgbClr val="1C1E21"/>
-                </a:solidFill>
-                <a:effectLst/>
-                <a:latin typeface="system-ui"/>
-              </a:rPr>
-              <a:t>作为错误码定义，以及工具生成判定接口；</a:t>
-            </a:r>
-          </a:p>
-          <a:p>
-            <a:pPr lvl="1"/>
-            <a:r>
-              <a:rPr lang="en-US" altLang="zh-CN" b="0" i="0" dirty="0">
-                <a:solidFill>
-                  <a:srgbClr val="1C1E21"/>
-                </a:solidFill>
-                <a:effectLst/>
-                <a:latin typeface="system-ui"/>
-              </a:rPr>
-              <a:t>Metadata</a:t>
-            </a:r>
-            <a:r>
-              <a:rPr lang="zh-CN" altLang="en-US" b="0" i="0" dirty="0">
-                <a:solidFill>
-                  <a:srgbClr val="1C1E21"/>
-                </a:solidFill>
-                <a:effectLst/>
-                <a:latin typeface="system-ui"/>
-              </a:rPr>
-              <a:t>：在协议通信 </a:t>
-            </a:r>
-            <a:r>
-              <a:rPr lang="en-US" altLang="zh-CN" b="0" i="0" dirty="0">
-                <a:solidFill>
-                  <a:srgbClr val="1C1E21"/>
-                </a:solidFill>
-                <a:effectLst/>
-                <a:latin typeface="system-ui"/>
-              </a:rPr>
-              <a:t>HTTP/</a:t>
-            </a:r>
-            <a:r>
-              <a:rPr lang="en-US" altLang="zh-CN" b="0" i="0" dirty="0" err="1">
-                <a:solidFill>
-                  <a:srgbClr val="1C1E21"/>
-                </a:solidFill>
-                <a:effectLst/>
-                <a:latin typeface="system-ui"/>
-              </a:rPr>
-              <a:t>gRPC</a:t>
-            </a:r>
-            <a:r>
-              <a:rPr lang="en-US" altLang="zh-CN" b="0" i="0" dirty="0">
-                <a:solidFill>
-                  <a:srgbClr val="1C1E21"/>
-                </a:solidFill>
-                <a:effectLst/>
-                <a:latin typeface="system-ui"/>
-              </a:rPr>
-              <a:t> </a:t>
-            </a:r>
-            <a:r>
-              <a:rPr lang="zh-CN" altLang="en-US" b="0" i="0" dirty="0">
-                <a:solidFill>
-                  <a:srgbClr val="1C1E21"/>
-                </a:solidFill>
-                <a:effectLst/>
-                <a:latin typeface="system-ui"/>
-              </a:rPr>
-              <a:t>中，通过 </a:t>
-            </a:r>
-            <a:r>
-              <a:rPr lang="en-US" altLang="zh-CN" b="0" i="0" dirty="0">
-                <a:solidFill>
-                  <a:srgbClr val="1C1E21"/>
-                </a:solidFill>
-                <a:effectLst/>
-                <a:latin typeface="system-ui"/>
-              </a:rPr>
-              <a:t>Middleware </a:t>
-            </a:r>
-            <a:r>
-              <a:rPr lang="zh-CN" altLang="en-US" b="0" i="0" dirty="0">
-                <a:solidFill>
-                  <a:srgbClr val="1C1E21"/>
-                </a:solidFill>
-                <a:effectLst/>
-                <a:latin typeface="system-ui"/>
-              </a:rPr>
-              <a:t>规范化服务元信息传递；</a:t>
-            </a:r>
-          </a:p>
-          <a:p>
-            <a:pPr lvl="1"/>
-            <a:r>
-              <a:rPr lang="en-US" altLang="zh-CN" b="0" i="0" dirty="0">
-                <a:solidFill>
-                  <a:srgbClr val="1C1E21"/>
-                </a:solidFill>
-                <a:effectLst/>
-                <a:latin typeface="system-ui"/>
-              </a:rPr>
-              <a:t>Config</a:t>
-            </a:r>
-            <a:r>
-              <a:rPr lang="zh-CN" altLang="en-US" b="0" i="0" dirty="0">
-                <a:solidFill>
-                  <a:srgbClr val="1C1E21"/>
-                </a:solidFill>
-                <a:effectLst/>
-                <a:latin typeface="system-ui"/>
-              </a:rPr>
-              <a:t>：支持多数据源方式，进行配置合并铺平，通过 </a:t>
-            </a:r>
-            <a:r>
-              <a:rPr lang="en-US" altLang="zh-CN" b="0" i="0" dirty="0">
-                <a:solidFill>
-                  <a:srgbClr val="1C1E21"/>
-                </a:solidFill>
-                <a:effectLst/>
-                <a:latin typeface="system-ui"/>
-              </a:rPr>
-              <a:t>Atomic </a:t>
-            </a:r>
-            <a:r>
-              <a:rPr lang="zh-CN" altLang="en-US" b="0" i="0" dirty="0">
-                <a:solidFill>
-                  <a:srgbClr val="1C1E21"/>
-                </a:solidFill>
-                <a:effectLst/>
-                <a:latin typeface="system-ui"/>
-              </a:rPr>
-              <a:t>方式支持动态配置；</a:t>
-            </a:r>
-          </a:p>
-          <a:p>
-            <a:pPr lvl="1"/>
-            <a:r>
-              <a:rPr lang="en-US" altLang="zh-CN" b="0" i="0" dirty="0">
-                <a:solidFill>
-                  <a:srgbClr val="1C1E21"/>
-                </a:solidFill>
-                <a:effectLst/>
-                <a:latin typeface="system-ui"/>
-              </a:rPr>
-              <a:t>Logger</a:t>
-            </a:r>
-            <a:r>
-              <a:rPr lang="zh-CN" altLang="en-US" b="0" i="0" dirty="0">
-                <a:solidFill>
-                  <a:srgbClr val="1C1E21"/>
-                </a:solidFill>
-                <a:effectLst/>
-                <a:latin typeface="system-ui"/>
-              </a:rPr>
-              <a:t>：标准日志接口，可方便集成三方 </a:t>
-            </a:r>
-            <a:r>
-              <a:rPr lang="en-US" altLang="zh-CN" b="0" i="0" dirty="0">
-                <a:solidFill>
-                  <a:srgbClr val="1C1E21"/>
-                </a:solidFill>
-                <a:effectLst/>
-                <a:latin typeface="system-ui"/>
-              </a:rPr>
-              <a:t>log </a:t>
-            </a:r>
-            <a:r>
-              <a:rPr lang="zh-CN" altLang="en-US" b="0" i="0" dirty="0">
-                <a:solidFill>
-                  <a:srgbClr val="1C1E21"/>
-                </a:solidFill>
-                <a:effectLst/>
-                <a:latin typeface="system-ui"/>
-              </a:rPr>
-              <a:t>库，并可通过 </a:t>
-            </a:r>
-            <a:r>
-              <a:rPr lang="en-US" altLang="zh-CN" b="0" i="0" dirty="0" err="1">
-                <a:solidFill>
-                  <a:srgbClr val="1C1E21"/>
-                </a:solidFill>
-                <a:effectLst/>
-                <a:latin typeface="system-ui"/>
-              </a:rPr>
-              <a:t>fluentd</a:t>
-            </a:r>
-            <a:r>
-              <a:rPr lang="en-US" altLang="zh-CN" b="0" i="0" dirty="0">
-                <a:solidFill>
-                  <a:srgbClr val="1C1E21"/>
-                </a:solidFill>
-                <a:effectLst/>
-                <a:latin typeface="system-ui"/>
-              </a:rPr>
-              <a:t> </a:t>
-            </a:r>
-            <a:r>
-              <a:rPr lang="zh-CN" altLang="en-US" b="0" i="0" dirty="0">
-                <a:solidFill>
-                  <a:srgbClr val="1C1E21"/>
-                </a:solidFill>
-                <a:effectLst/>
-                <a:latin typeface="system-ui"/>
-              </a:rPr>
-              <a:t>收集日志；</a:t>
-            </a:r>
-          </a:p>
-          <a:p>
-            <a:pPr lvl="1"/>
-            <a:r>
-              <a:rPr lang="en-US" altLang="zh-CN" b="0" i="0" dirty="0">
-                <a:solidFill>
-                  <a:srgbClr val="1C1E21"/>
-                </a:solidFill>
-                <a:effectLst/>
-                <a:latin typeface="system-ui"/>
-              </a:rPr>
-              <a:t>Metrics</a:t>
-            </a:r>
-            <a:r>
-              <a:rPr lang="zh-CN" altLang="en-US" b="0" i="0" dirty="0">
-                <a:solidFill>
-                  <a:srgbClr val="1C1E21"/>
-                </a:solidFill>
-                <a:effectLst/>
-                <a:latin typeface="system-ui"/>
-              </a:rPr>
-              <a:t>：统一指标接口，可以实现各种指标系统，默认集成 </a:t>
-            </a:r>
-            <a:r>
-              <a:rPr lang="en-US" altLang="zh-CN" b="0" i="0" dirty="0">
-                <a:solidFill>
-                  <a:srgbClr val="1C1E21"/>
-                </a:solidFill>
-                <a:effectLst/>
-                <a:latin typeface="system-ui"/>
-              </a:rPr>
-              <a:t>Prometheus</a:t>
-            </a:r>
-            <a:r>
-              <a:rPr lang="zh-CN" altLang="en-US" b="0" i="0" dirty="0">
-                <a:solidFill>
-                  <a:srgbClr val="1C1E21"/>
-                </a:solidFill>
-                <a:effectLst/>
-                <a:latin typeface="system-ui"/>
-              </a:rPr>
-              <a:t>；</a:t>
-            </a:r>
-          </a:p>
-          <a:p>
-            <a:pPr lvl="1"/>
-            <a:r>
-              <a:rPr lang="en-US" altLang="zh-CN" b="0" i="0" dirty="0">
-                <a:solidFill>
-                  <a:srgbClr val="1C1E21"/>
-                </a:solidFill>
-                <a:effectLst/>
-                <a:latin typeface="system-ui"/>
-              </a:rPr>
-              <a:t>Tracing</a:t>
-            </a:r>
-            <a:r>
-              <a:rPr lang="zh-CN" altLang="en-US" b="0" i="0" dirty="0">
-                <a:solidFill>
-                  <a:srgbClr val="1C1E21"/>
-                </a:solidFill>
-                <a:effectLst/>
-                <a:latin typeface="system-ui"/>
-              </a:rPr>
-              <a:t>：遵循 </a:t>
-            </a:r>
-            <a:r>
-              <a:rPr lang="en-US" altLang="zh-CN" b="0" i="0" dirty="0" err="1">
-                <a:solidFill>
-                  <a:srgbClr val="1C1E21"/>
-                </a:solidFill>
-                <a:effectLst/>
-                <a:latin typeface="system-ui"/>
-              </a:rPr>
-              <a:t>OpenTracing</a:t>
-            </a:r>
-            <a:r>
-              <a:rPr lang="en-US" altLang="zh-CN" b="0" i="0" dirty="0">
-                <a:solidFill>
-                  <a:srgbClr val="1C1E21"/>
-                </a:solidFill>
-                <a:effectLst/>
-                <a:latin typeface="system-ui"/>
-              </a:rPr>
-              <a:t> </a:t>
-            </a:r>
-            <a:r>
-              <a:rPr lang="zh-CN" altLang="en-US" b="0" i="0" dirty="0">
-                <a:solidFill>
-                  <a:srgbClr val="1C1E21"/>
-                </a:solidFill>
-                <a:effectLst/>
-                <a:latin typeface="system-ui"/>
-              </a:rPr>
-              <a:t>规范定义，以实现微服务链路追踪；</a:t>
-            </a:r>
-          </a:p>
-          <a:p>
-            <a:pPr lvl="1"/>
-            <a:r>
-              <a:rPr lang="en-US" altLang="zh-CN" b="0" i="0" dirty="0">
-                <a:solidFill>
-                  <a:srgbClr val="1C1E21"/>
-                </a:solidFill>
-                <a:effectLst/>
-                <a:latin typeface="system-ui"/>
-              </a:rPr>
-              <a:t>Encoding</a:t>
-            </a:r>
-            <a:r>
-              <a:rPr lang="zh-CN" altLang="en-US" b="0" i="0" dirty="0">
-                <a:solidFill>
-                  <a:srgbClr val="1C1E21"/>
-                </a:solidFill>
-                <a:effectLst/>
-                <a:latin typeface="system-ui"/>
-              </a:rPr>
-              <a:t>：支持 </a:t>
-            </a:r>
-            <a:r>
-              <a:rPr lang="en-US" altLang="zh-CN" b="0" i="0" dirty="0">
-                <a:solidFill>
-                  <a:srgbClr val="1C1E21"/>
-                </a:solidFill>
-                <a:effectLst/>
-                <a:latin typeface="system-ui"/>
-              </a:rPr>
-              <a:t>Accept </a:t>
-            </a:r>
-            <a:r>
-              <a:rPr lang="zh-CN" altLang="en-US" b="0" i="0" dirty="0">
-                <a:solidFill>
-                  <a:srgbClr val="1C1E21"/>
-                </a:solidFill>
-                <a:effectLst/>
-                <a:latin typeface="system-ui"/>
-              </a:rPr>
-              <a:t>和 </a:t>
-            </a:r>
-            <a:r>
-              <a:rPr lang="en-US" altLang="zh-CN" b="0" i="0" dirty="0">
-                <a:solidFill>
-                  <a:srgbClr val="1C1E21"/>
-                </a:solidFill>
-                <a:effectLst/>
-                <a:latin typeface="system-ui"/>
-              </a:rPr>
-              <a:t>Content-Type </a:t>
-            </a:r>
-            <a:r>
-              <a:rPr lang="zh-CN" altLang="en-US" b="0" i="0" dirty="0">
-                <a:solidFill>
-                  <a:srgbClr val="1C1E21"/>
-                </a:solidFill>
-                <a:effectLst/>
-                <a:latin typeface="system-ui"/>
-              </a:rPr>
-              <a:t>进行自动选择内容编码；</a:t>
-            </a:r>
-          </a:p>
-          <a:p>
-            <a:pPr lvl="1"/>
-            <a:r>
-              <a:rPr lang="en-US" altLang="zh-CN" b="0" i="0" dirty="0">
-                <a:solidFill>
-                  <a:srgbClr val="1C1E21"/>
-                </a:solidFill>
-                <a:effectLst/>
-                <a:latin typeface="system-ui"/>
-              </a:rPr>
-              <a:t>Transport</a:t>
-            </a:r>
-            <a:r>
-              <a:rPr lang="zh-CN" altLang="en-US" b="0" i="0" dirty="0">
-                <a:solidFill>
-                  <a:srgbClr val="1C1E21"/>
-                </a:solidFill>
-                <a:effectLst/>
-                <a:latin typeface="system-ui"/>
-              </a:rPr>
-              <a:t>：通用的 </a:t>
-            </a:r>
-            <a:r>
-              <a:rPr lang="en-US" altLang="zh-CN" b="0" i="0" dirty="0">
-                <a:solidFill>
-                  <a:srgbClr val="1C1E21"/>
-                </a:solidFill>
-                <a:effectLst/>
-                <a:latin typeface="system-ui"/>
-              </a:rPr>
-              <a:t>HTTP/</a:t>
-            </a:r>
-            <a:r>
-              <a:rPr lang="en-US" altLang="zh-CN" b="0" i="0" dirty="0" err="1">
-                <a:solidFill>
-                  <a:srgbClr val="1C1E21"/>
-                </a:solidFill>
-                <a:effectLst/>
-                <a:latin typeface="system-ui"/>
-              </a:rPr>
-              <a:t>gRPC</a:t>
-            </a:r>
-            <a:r>
-              <a:rPr lang="en-US" altLang="zh-CN" b="0" i="0" dirty="0">
-                <a:solidFill>
-                  <a:srgbClr val="1C1E21"/>
-                </a:solidFill>
-                <a:effectLst/>
-                <a:latin typeface="system-ui"/>
-              </a:rPr>
-              <a:t> </a:t>
-            </a:r>
-            <a:r>
-              <a:rPr lang="zh-CN" altLang="en-US" b="0" i="0" dirty="0">
-                <a:solidFill>
-                  <a:srgbClr val="1C1E21"/>
-                </a:solidFill>
-                <a:effectLst/>
-                <a:latin typeface="system-ui"/>
-              </a:rPr>
-              <a:t>传输层，实现统一的 </a:t>
-            </a:r>
-            <a:r>
-              <a:rPr lang="en-US" altLang="zh-CN" b="0" i="0" dirty="0">
-                <a:solidFill>
-                  <a:srgbClr val="1C1E21"/>
-                </a:solidFill>
-                <a:effectLst/>
-                <a:latin typeface="system-ui"/>
-              </a:rPr>
-              <a:t>Middleware </a:t>
-            </a:r>
-            <a:r>
-              <a:rPr lang="zh-CN" altLang="en-US" b="0" i="0" dirty="0">
-                <a:solidFill>
-                  <a:srgbClr val="1C1E21"/>
-                </a:solidFill>
-                <a:effectLst/>
-                <a:latin typeface="system-ui"/>
-              </a:rPr>
-              <a:t>插件支持；</a:t>
-            </a:r>
-          </a:p>
-          <a:p>
-            <a:pPr lvl="1"/>
-            <a:r>
-              <a:rPr lang="en-US" altLang="zh-CN" b="0" i="0" dirty="0">
-                <a:solidFill>
-                  <a:srgbClr val="1C1E21"/>
-                </a:solidFill>
-                <a:effectLst/>
-                <a:latin typeface="system-ui"/>
-              </a:rPr>
-              <a:t>Registry</a:t>
-            </a:r>
-            <a:r>
-              <a:rPr lang="zh-CN" altLang="en-US" b="0" i="0" dirty="0">
-                <a:solidFill>
-                  <a:srgbClr val="1C1E21"/>
-                </a:solidFill>
-                <a:effectLst/>
-                <a:latin typeface="system-ui"/>
-              </a:rPr>
-              <a:t>：实现统一注册中心接口，可插件化对接各种注册中心；</a:t>
-            </a:r>
-          </a:p>
-          <a:p>
-            <a:pPr marL="0" indent="0">
-              <a:buNone/>
-            </a:pPr>
-            <a:endParaRPr lang="en-US" altLang="zh-CN" dirty="0"/>
-          </a:p>
-          <a:p>
-            <a:pPr marL="0" indent="0">
-              <a:buNone/>
-            </a:pPr>
-            <a:endParaRPr lang="en-US" altLang="zh-CN" sz="1200" dirty="0"/>
-          </a:p>
-          <a:p>
-            <a:pPr marL="0" indent="0">
-              <a:buNone/>
-            </a:pPr>
-            <a:r>
-              <a:rPr lang="en-US" altLang="zh-CN" sz="1200" dirty="0"/>
-              <a:t>·</a:t>
-            </a:r>
-            <a:r>
-              <a:rPr lang="en-US" altLang="zh-CN" sz="1200" dirty="0" err="1"/>
-              <a:t>Github</a:t>
-            </a:r>
-            <a:r>
-              <a:rPr lang="zh-CN" altLang="en-US" sz="1200" dirty="0"/>
-              <a:t>：</a:t>
-            </a:r>
-            <a:r>
-              <a:rPr lang="en-US" altLang="zh-CN" sz="1200" dirty="0">
-                <a:hlinkClick r:id="rId2"/>
-              </a:rPr>
-              <a:t>go-</a:t>
-            </a:r>
-            <a:r>
-              <a:rPr lang="en-US" altLang="zh-CN" sz="1200" dirty="0" err="1">
-                <a:hlinkClick r:id="rId2"/>
-              </a:rPr>
-              <a:t>kratos</a:t>
-            </a:r>
-            <a:r>
-              <a:rPr lang="en-US" altLang="zh-CN" sz="1200" dirty="0">
-                <a:hlinkClick r:id="rId2"/>
-              </a:rPr>
-              <a:t>/</a:t>
-            </a:r>
-            <a:r>
-              <a:rPr lang="en-US" altLang="zh-CN" sz="1200" dirty="0" err="1">
-                <a:hlinkClick r:id="rId2"/>
-              </a:rPr>
-              <a:t>kratos</a:t>
-            </a:r>
-            <a:r>
-              <a:rPr lang="en-US" altLang="zh-CN" sz="1200" dirty="0">
-                <a:hlinkClick r:id="rId2"/>
-              </a:rPr>
-              <a:t>: A Go framework for microservices. (github.com)</a:t>
-            </a:r>
-            <a:endParaRPr lang="en-US" altLang="zh-CN" sz="1200" dirty="0"/>
-          </a:p>
-        </p:txBody>
-      </p:sp>
+      <p:pic>
+        <p:nvPicPr>
+          <p:cNvPr id="5" name="图片 4">
+            <a:extLst>
+              <a:ext uri="{FF2B5EF4-FFF2-40B4-BE49-F238E27FC236}">
+                <a16:creationId xmlns:a16="http://schemas.microsoft.com/office/drawing/2014/main" id="{D8393A9F-5238-4EFF-A546-9585F8F3FE37}"/>
+              </a:ext>
+            </a:extLst>
+          </p:cNvPr>
+          <p:cNvPicPr>
+            <a:picLocks noChangeAspect="1"/>
+          </p:cNvPicPr>
+          <p:nvPr/>
+        </p:nvPicPr>
+        <p:blipFill>
+          <a:blip r:embed="rId2"/>
+          <a:stretch>
+            <a:fillRect/>
+          </a:stretch>
+        </p:blipFill>
+        <p:spPr>
+          <a:xfrm>
+            <a:off x="2589557" y="0"/>
+            <a:ext cx="7012886" cy="6858000"/>
+          </a:xfrm>
+          <a:prstGeom prst="rect">
+            <a:avLst/>
+          </a:prstGeom>
+        </p:spPr>
+      </p:pic>
     </p:spTree>
     <p:extLst>
       <p:ext uri="{BB962C8B-B14F-4D97-AF65-F5344CB8AC3E}">
-        <p14:creationId xmlns:p14="http://schemas.microsoft.com/office/powerpoint/2010/main" val="1840454046"/>
+        <p14:creationId xmlns:p14="http://schemas.microsoft.com/office/powerpoint/2010/main" val="471797311"/>
       </p:ext>
     </p:extLst>
   </p:cSld>
@@ -6079,7 +6255,7 @@
 </p:sld>
 </file>
 
-<file path=ppt/slides/slide25.xml><?xml version="1.0" encoding="utf-8"?>
+<file path=ppt/slides/slide27.xml><?xml version="1.0" encoding="utf-8"?>
 <p:sld xmlns:a="http://schemas.openxmlformats.org/drawingml/2006/main" xmlns:r="http://schemas.openxmlformats.org/officeDocument/2006/relationships" xmlns:p="http://schemas.openxmlformats.org/presentationml/2006/main">
   <p:cSld>
     <p:spTree>
@@ -6101,6 +6277,800 @@
           <p:cNvPr id="2" name="标题 1">
             <a:extLst>
               <a:ext uri="{FF2B5EF4-FFF2-40B4-BE49-F238E27FC236}">
+                <a16:creationId xmlns:a16="http://schemas.microsoft.com/office/drawing/2014/main" id="{269B8995-3B44-42F9-94E5-A58345C8BE98}"/>
+              </a:ext>
+            </a:extLst>
+          </p:cNvPr>
+          <p:cNvSpPr>
+            <a:spLocks noGrp="1"/>
+          </p:cNvSpPr>
+          <p:nvPr>
+            <p:ph type="title"/>
+          </p:nvPr>
+        </p:nvSpPr>
+        <p:spPr/>
+        <p:txBody>
+          <a:bodyPr/>
+          <a:lstStyle/>
+          <a:p>
+            <a:r>
+              <a:rPr lang="zh-CN" altLang="en-US" b="1" dirty="0"/>
+              <a:t>微服务框架 </a:t>
+            </a:r>
+            <a:r>
+              <a:rPr lang="en-US" altLang="zh-CN" b="1" dirty="0"/>
+              <a:t>- </a:t>
+            </a:r>
+            <a:r>
+              <a:rPr lang="en-US" altLang="zh-CN" b="1" dirty="0" err="1"/>
+              <a:t>kratos</a:t>
+            </a:r>
+            <a:endParaRPr lang="zh-CN" altLang="en-US" b="1" dirty="0"/>
+          </a:p>
+        </p:txBody>
+      </p:sp>
+      <p:sp>
+        <p:nvSpPr>
+          <p:cNvPr id="3" name="内容占位符 2">
+            <a:extLst>
+              <a:ext uri="{FF2B5EF4-FFF2-40B4-BE49-F238E27FC236}">
+                <a16:creationId xmlns:a16="http://schemas.microsoft.com/office/drawing/2014/main" id="{EC0109F8-4914-4144-A6C3-DF67AD9B7891}"/>
+              </a:ext>
+            </a:extLst>
+          </p:cNvPr>
+          <p:cNvSpPr>
+            <a:spLocks noGrp="1"/>
+          </p:cNvSpPr>
+          <p:nvPr>
+            <p:ph idx="1"/>
+          </p:nvPr>
+        </p:nvSpPr>
+        <p:spPr/>
+        <p:txBody>
+          <a:bodyPr>
+            <a:normAutofit fontScale="85000" lnSpcReduction="20000"/>
+          </a:bodyPr>
+          <a:lstStyle/>
+          <a:p>
+            <a:pPr algn="l"/>
+            <a:r>
+              <a:rPr lang="en-US" altLang="zh-CN" b="1" i="0" dirty="0">
+                <a:solidFill>
+                  <a:srgbClr val="1C1E21"/>
+                </a:solidFill>
+                <a:effectLst/>
+                <a:latin typeface="system-ui"/>
+              </a:rPr>
+              <a:t>Features</a:t>
+            </a:r>
+          </a:p>
+          <a:p>
+            <a:pPr lvl="1"/>
+            <a:r>
+              <a:rPr lang="en-US" altLang="zh-CN" b="0" i="0" dirty="0">
+                <a:solidFill>
+                  <a:srgbClr val="1C1E21"/>
+                </a:solidFill>
+                <a:effectLst/>
+                <a:latin typeface="system-ui"/>
+              </a:rPr>
+              <a:t>APIs</a:t>
+            </a:r>
+            <a:r>
+              <a:rPr lang="zh-CN" altLang="en-US" b="0" i="0" dirty="0">
+                <a:solidFill>
+                  <a:srgbClr val="1C1E21"/>
+                </a:solidFill>
+                <a:effectLst/>
+                <a:latin typeface="system-ui"/>
+              </a:rPr>
+              <a:t>：协议通信以 </a:t>
+            </a:r>
+            <a:r>
+              <a:rPr lang="en-US" altLang="zh-CN" b="0" i="0" dirty="0">
+                <a:solidFill>
+                  <a:srgbClr val="1C1E21"/>
+                </a:solidFill>
+                <a:effectLst/>
+                <a:latin typeface="system-ui"/>
+              </a:rPr>
+              <a:t>HTTP/</a:t>
+            </a:r>
+            <a:r>
+              <a:rPr lang="en-US" altLang="zh-CN" b="0" i="0" dirty="0" err="1">
+                <a:solidFill>
+                  <a:srgbClr val="1C1E21"/>
+                </a:solidFill>
+                <a:effectLst/>
+                <a:latin typeface="system-ui"/>
+              </a:rPr>
+              <a:t>gRPC</a:t>
+            </a:r>
+            <a:r>
+              <a:rPr lang="en-US" altLang="zh-CN" b="0" i="0" dirty="0">
+                <a:solidFill>
+                  <a:srgbClr val="1C1E21"/>
+                </a:solidFill>
+                <a:effectLst/>
+                <a:latin typeface="system-ui"/>
+              </a:rPr>
+              <a:t> </a:t>
+            </a:r>
+            <a:r>
+              <a:rPr lang="zh-CN" altLang="en-US" b="0" i="0" dirty="0">
+                <a:solidFill>
+                  <a:srgbClr val="1C1E21"/>
+                </a:solidFill>
+                <a:effectLst/>
+                <a:latin typeface="system-ui"/>
+              </a:rPr>
+              <a:t>为基础，通过 </a:t>
+            </a:r>
+            <a:r>
+              <a:rPr lang="en-US" altLang="zh-CN" b="0" i="0" dirty="0" err="1">
+                <a:solidFill>
+                  <a:srgbClr val="1C1E21"/>
+                </a:solidFill>
+                <a:effectLst/>
+                <a:latin typeface="system-ui"/>
+              </a:rPr>
+              <a:t>Protobuf</a:t>
+            </a:r>
+            <a:r>
+              <a:rPr lang="en-US" altLang="zh-CN" b="0" i="0" dirty="0">
+                <a:solidFill>
+                  <a:srgbClr val="1C1E21"/>
+                </a:solidFill>
+                <a:effectLst/>
+                <a:latin typeface="system-ui"/>
+              </a:rPr>
+              <a:t> </a:t>
+            </a:r>
+            <a:r>
+              <a:rPr lang="zh-CN" altLang="en-US" b="0" i="0" dirty="0">
+                <a:solidFill>
+                  <a:srgbClr val="1C1E21"/>
+                </a:solidFill>
+                <a:effectLst/>
+                <a:latin typeface="system-ui"/>
+              </a:rPr>
+              <a:t>进行定义；</a:t>
+            </a:r>
+          </a:p>
+          <a:p>
+            <a:pPr lvl="1"/>
+            <a:r>
+              <a:rPr lang="en-US" altLang="zh-CN" b="0" i="0" dirty="0">
+                <a:solidFill>
+                  <a:srgbClr val="1C1E21"/>
+                </a:solidFill>
+                <a:effectLst/>
+                <a:latin typeface="system-ui"/>
+              </a:rPr>
+              <a:t>Errors</a:t>
+            </a:r>
+            <a:r>
+              <a:rPr lang="zh-CN" altLang="en-US" b="0" i="0" dirty="0">
+                <a:solidFill>
+                  <a:srgbClr val="1C1E21"/>
+                </a:solidFill>
+                <a:effectLst/>
+                <a:latin typeface="system-ui"/>
+              </a:rPr>
+              <a:t>：通过 </a:t>
+            </a:r>
+            <a:r>
+              <a:rPr lang="en-US" altLang="zh-CN" b="0" i="0" dirty="0" err="1">
+                <a:solidFill>
+                  <a:srgbClr val="1C1E21"/>
+                </a:solidFill>
+                <a:effectLst/>
+                <a:latin typeface="system-ui"/>
+              </a:rPr>
+              <a:t>Protobuf</a:t>
+            </a:r>
+            <a:r>
+              <a:rPr lang="en-US" altLang="zh-CN" b="0" i="0" dirty="0">
+                <a:solidFill>
+                  <a:srgbClr val="1C1E21"/>
+                </a:solidFill>
+                <a:effectLst/>
+                <a:latin typeface="system-ui"/>
+              </a:rPr>
+              <a:t> </a:t>
+            </a:r>
+            <a:r>
+              <a:rPr lang="zh-CN" altLang="en-US" b="0" i="0" dirty="0">
+                <a:solidFill>
+                  <a:srgbClr val="1C1E21"/>
+                </a:solidFill>
+                <a:effectLst/>
+                <a:latin typeface="system-ui"/>
+              </a:rPr>
+              <a:t>的 </a:t>
+            </a:r>
+            <a:r>
+              <a:rPr lang="en-US" altLang="zh-CN" b="0" i="0" dirty="0">
+                <a:solidFill>
+                  <a:srgbClr val="1C1E21"/>
+                </a:solidFill>
+                <a:effectLst/>
+                <a:latin typeface="system-ui"/>
+              </a:rPr>
+              <a:t>Enum </a:t>
+            </a:r>
+            <a:r>
+              <a:rPr lang="zh-CN" altLang="en-US" b="0" i="0" dirty="0">
+                <a:solidFill>
+                  <a:srgbClr val="1C1E21"/>
+                </a:solidFill>
+                <a:effectLst/>
+                <a:latin typeface="system-ui"/>
+              </a:rPr>
+              <a:t>作为错误码定义，以及工具生成判定接口；</a:t>
+            </a:r>
+          </a:p>
+          <a:p>
+            <a:pPr lvl="1"/>
+            <a:r>
+              <a:rPr lang="en-US" altLang="zh-CN" b="0" i="0" dirty="0">
+                <a:solidFill>
+                  <a:srgbClr val="1C1E21"/>
+                </a:solidFill>
+                <a:effectLst/>
+                <a:latin typeface="system-ui"/>
+              </a:rPr>
+              <a:t>Metadata</a:t>
+            </a:r>
+            <a:r>
+              <a:rPr lang="zh-CN" altLang="en-US" b="0" i="0" dirty="0">
+                <a:solidFill>
+                  <a:srgbClr val="1C1E21"/>
+                </a:solidFill>
+                <a:effectLst/>
+                <a:latin typeface="system-ui"/>
+              </a:rPr>
+              <a:t>：在协议通信 </a:t>
+            </a:r>
+            <a:r>
+              <a:rPr lang="en-US" altLang="zh-CN" b="0" i="0" dirty="0">
+                <a:solidFill>
+                  <a:srgbClr val="1C1E21"/>
+                </a:solidFill>
+                <a:effectLst/>
+                <a:latin typeface="system-ui"/>
+              </a:rPr>
+              <a:t>HTTP/</a:t>
+            </a:r>
+            <a:r>
+              <a:rPr lang="en-US" altLang="zh-CN" b="0" i="0" dirty="0" err="1">
+                <a:solidFill>
+                  <a:srgbClr val="1C1E21"/>
+                </a:solidFill>
+                <a:effectLst/>
+                <a:latin typeface="system-ui"/>
+              </a:rPr>
+              <a:t>gRPC</a:t>
+            </a:r>
+            <a:r>
+              <a:rPr lang="en-US" altLang="zh-CN" b="0" i="0" dirty="0">
+                <a:solidFill>
+                  <a:srgbClr val="1C1E21"/>
+                </a:solidFill>
+                <a:effectLst/>
+                <a:latin typeface="system-ui"/>
+              </a:rPr>
+              <a:t> </a:t>
+            </a:r>
+            <a:r>
+              <a:rPr lang="zh-CN" altLang="en-US" b="0" i="0" dirty="0">
+                <a:solidFill>
+                  <a:srgbClr val="1C1E21"/>
+                </a:solidFill>
+                <a:effectLst/>
+                <a:latin typeface="system-ui"/>
+              </a:rPr>
+              <a:t>中，通过 </a:t>
+            </a:r>
+            <a:r>
+              <a:rPr lang="en-US" altLang="zh-CN" b="0" i="0" dirty="0">
+                <a:solidFill>
+                  <a:srgbClr val="1C1E21"/>
+                </a:solidFill>
+                <a:effectLst/>
+                <a:latin typeface="system-ui"/>
+              </a:rPr>
+              <a:t>Middleware </a:t>
+            </a:r>
+            <a:r>
+              <a:rPr lang="zh-CN" altLang="en-US" b="0" i="0" dirty="0">
+                <a:solidFill>
+                  <a:srgbClr val="1C1E21"/>
+                </a:solidFill>
+                <a:effectLst/>
+                <a:latin typeface="system-ui"/>
+              </a:rPr>
+              <a:t>规范化服务元信息传递；</a:t>
+            </a:r>
+          </a:p>
+          <a:p>
+            <a:pPr lvl="1"/>
+            <a:r>
+              <a:rPr lang="en-US" altLang="zh-CN" b="0" i="0" dirty="0">
+                <a:solidFill>
+                  <a:srgbClr val="1C1E21"/>
+                </a:solidFill>
+                <a:effectLst/>
+                <a:latin typeface="system-ui"/>
+              </a:rPr>
+              <a:t>Config</a:t>
+            </a:r>
+            <a:r>
+              <a:rPr lang="zh-CN" altLang="en-US" b="0" i="0" dirty="0">
+                <a:solidFill>
+                  <a:srgbClr val="1C1E21"/>
+                </a:solidFill>
+                <a:effectLst/>
+                <a:latin typeface="system-ui"/>
+              </a:rPr>
+              <a:t>：支持多数据源方式，进行配置合并铺平，通过 </a:t>
+            </a:r>
+            <a:r>
+              <a:rPr lang="en-US" altLang="zh-CN" b="0" i="0" dirty="0">
+                <a:solidFill>
+                  <a:srgbClr val="1C1E21"/>
+                </a:solidFill>
+                <a:effectLst/>
+                <a:latin typeface="system-ui"/>
+              </a:rPr>
+              <a:t>Atomic </a:t>
+            </a:r>
+            <a:r>
+              <a:rPr lang="zh-CN" altLang="en-US" b="0" i="0" dirty="0">
+                <a:solidFill>
+                  <a:srgbClr val="1C1E21"/>
+                </a:solidFill>
+                <a:effectLst/>
+                <a:latin typeface="system-ui"/>
+              </a:rPr>
+              <a:t>方式支持动态配置；</a:t>
+            </a:r>
+          </a:p>
+          <a:p>
+            <a:pPr lvl="1"/>
+            <a:r>
+              <a:rPr lang="en-US" altLang="zh-CN" b="0" i="0" dirty="0">
+                <a:solidFill>
+                  <a:srgbClr val="1C1E21"/>
+                </a:solidFill>
+                <a:effectLst/>
+                <a:latin typeface="system-ui"/>
+              </a:rPr>
+              <a:t>Logger</a:t>
+            </a:r>
+            <a:r>
+              <a:rPr lang="zh-CN" altLang="en-US" b="0" i="0" dirty="0">
+                <a:solidFill>
+                  <a:srgbClr val="1C1E21"/>
+                </a:solidFill>
+                <a:effectLst/>
+                <a:latin typeface="system-ui"/>
+              </a:rPr>
+              <a:t>：标准日志接口，可方便集成三方 </a:t>
+            </a:r>
+            <a:r>
+              <a:rPr lang="en-US" altLang="zh-CN" b="0" i="0" dirty="0">
+                <a:solidFill>
+                  <a:srgbClr val="1C1E21"/>
+                </a:solidFill>
+                <a:effectLst/>
+                <a:latin typeface="system-ui"/>
+              </a:rPr>
+              <a:t>log </a:t>
+            </a:r>
+            <a:r>
+              <a:rPr lang="zh-CN" altLang="en-US" b="0" i="0" dirty="0">
+                <a:solidFill>
+                  <a:srgbClr val="1C1E21"/>
+                </a:solidFill>
+                <a:effectLst/>
+                <a:latin typeface="system-ui"/>
+              </a:rPr>
+              <a:t>库，并可通过 </a:t>
+            </a:r>
+            <a:r>
+              <a:rPr lang="en-US" altLang="zh-CN" b="0" i="0" dirty="0" err="1">
+                <a:solidFill>
+                  <a:srgbClr val="1C1E21"/>
+                </a:solidFill>
+                <a:effectLst/>
+                <a:latin typeface="system-ui"/>
+              </a:rPr>
+              <a:t>fluentd</a:t>
+            </a:r>
+            <a:r>
+              <a:rPr lang="en-US" altLang="zh-CN" b="0" i="0" dirty="0">
+                <a:solidFill>
+                  <a:srgbClr val="1C1E21"/>
+                </a:solidFill>
+                <a:effectLst/>
+                <a:latin typeface="system-ui"/>
+              </a:rPr>
+              <a:t> </a:t>
+            </a:r>
+            <a:r>
+              <a:rPr lang="zh-CN" altLang="en-US" b="0" i="0" dirty="0">
+                <a:solidFill>
+                  <a:srgbClr val="1C1E21"/>
+                </a:solidFill>
+                <a:effectLst/>
+                <a:latin typeface="system-ui"/>
+              </a:rPr>
+              <a:t>收集日志；</a:t>
+            </a:r>
+          </a:p>
+          <a:p>
+            <a:pPr lvl="1"/>
+            <a:r>
+              <a:rPr lang="en-US" altLang="zh-CN" b="0" i="0" dirty="0">
+                <a:solidFill>
+                  <a:srgbClr val="1C1E21"/>
+                </a:solidFill>
+                <a:effectLst/>
+                <a:latin typeface="system-ui"/>
+              </a:rPr>
+              <a:t>Metrics</a:t>
+            </a:r>
+            <a:r>
+              <a:rPr lang="zh-CN" altLang="en-US" b="0" i="0" dirty="0">
+                <a:solidFill>
+                  <a:srgbClr val="1C1E21"/>
+                </a:solidFill>
+                <a:effectLst/>
+                <a:latin typeface="system-ui"/>
+              </a:rPr>
+              <a:t>：统一指标接口，可以实现各种指标系统，默认集成 </a:t>
+            </a:r>
+            <a:r>
+              <a:rPr lang="en-US" altLang="zh-CN" b="0" i="0" dirty="0">
+                <a:solidFill>
+                  <a:srgbClr val="1C1E21"/>
+                </a:solidFill>
+                <a:effectLst/>
+                <a:latin typeface="system-ui"/>
+              </a:rPr>
+              <a:t>Prometheus</a:t>
+            </a:r>
+            <a:r>
+              <a:rPr lang="zh-CN" altLang="en-US" b="0" i="0" dirty="0">
+                <a:solidFill>
+                  <a:srgbClr val="1C1E21"/>
+                </a:solidFill>
+                <a:effectLst/>
+                <a:latin typeface="system-ui"/>
+              </a:rPr>
+              <a:t>；</a:t>
+            </a:r>
+          </a:p>
+          <a:p>
+            <a:pPr lvl="1"/>
+            <a:r>
+              <a:rPr lang="en-US" altLang="zh-CN" b="0" i="0" dirty="0">
+                <a:solidFill>
+                  <a:srgbClr val="1C1E21"/>
+                </a:solidFill>
+                <a:effectLst/>
+                <a:latin typeface="system-ui"/>
+              </a:rPr>
+              <a:t>Tracing</a:t>
+            </a:r>
+            <a:r>
+              <a:rPr lang="zh-CN" altLang="en-US" b="0" i="0" dirty="0">
+                <a:solidFill>
+                  <a:srgbClr val="1C1E21"/>
+                </a:solidFill>
+                <a:effectLst/>
+                <a:latin typeface="system-ui"/>
+              </a:rPr>
+              <a:t>：遵循 </a:t>
+            </a:r>
+            <a:r>
+              <a:rPr lang="en-US" altLang="zh-CN" b="0" i="0" dirty="0" err="1">
+                <a:solidFill>
+                  <a:srgbClr val="1C1E21"/>
+                </a:solidFill>
+                <a:effectLst/>
+                <a:latin typeface="system-ui"/>
+              </a:rPr>
+              <a:t>OpenTracing</a:t>
+            </a:r>
+            <a:r>
+              <a:rPr lang="en-US" altLang="zh-CN" b="0" i="0" dirty="0">
+                <a:solidFill>
+                  <a:srgbClr val="1C1E21"/>
+                </a:solidFill>
+                <a:effectLst/>
+                <a:latin typeface="system-ui"/>
+              </a:rPr>
+              <a:t> </a:t>
+            </a:r>
+            <a:r>
+              <a:rPr lang="zh-CN" altLang="en-US" b="0" i="0" dirty="0">
+                <a:solidFill>
+                  <a:srgbClr val="1C1E21"/>
+                </a:solidFill>
+                <a:effectLst/>
+                <a:latin typeface="system-ui"/>
+              </a:rPr>
+              <a:t>规范定义，以实现微服务链路追踪；</a:t>
+            </a:r>
+          </a:p>
+          <a:p>
+            <a:pPr lvl="1"/>
+            <a:r>
+              <a:rPr lang="en-US" altLang="zh-CN" b="0" i="0" dirty="0">
+                <a:solidFill>
+                  <a:srgbClr val="1C1E21"/>
+                </a:solidFill>
+                <a:effectLst/>
+                <a:latin typeface="system-ui"/>
+              </a:rPr>
+              <a:t>Encoding</a:t>
+            </a:r>
+            <a:r>
+              <a:rPr lang="zh-CN" altLang="en-US" b="0" i="0" dirty="0">
+                <a:solidFill>
+                  <a:srgbClr val="1C1E21"/>
+                </a:solidFill>
+                <a:effectLst/>
+                <a:latin typeface="system-ui"/>
+              </a:rPr>
+              <a:t>：支持 </a:t>
+            </a:r>
+            <a:r>
+              <a:rPr lang="en-US" altLang="zh-CN" b="0" i="0" dirty="0">
+                <a:solidFill>
+                  <a:srgbClr val="1C1E21"/>
+                </a:solidFill>
+                <a:effectLst/>
+                <a:latin typeface="system-ui"/>
+              </a:rPr>
+              <a:t>Accept </a:t>
+            </a:r>
+            <a:r>
+              <a:rPr lang="zh-CN" altLang="en-US" b="0" i="0" dirty="0">
+                <a:solidFill>
+                  <a:srgbClr val="1C1E21"/>
+                </a:solidFill>
+                <a:effectLst/>
+                <a:latin typeface="system-ui"/>
+              </a:rPr>
+              <a:t>和 </a:t>
+            </a:r>
+            <a:r>
+              <a:rPr lang="en-US" altLang="zh-CN" b="0" i="0" dirty="0">
+                <a:solidFill>
+                  <a:srgbClr val="1C1E21"/>
+                </a:solidFill>
+                <a:effectLst/>
+                <a:latin typeface="system-ui"/>
+              </a:rPr>
+              <a:t>Content-Type </a:t>
+            </a:r>
+            <a:r>
+              <a:rPr lang="zh-CN" altLang="en-US" b="0" i="0" dirty="0">
+                <a:solidFill>
+                  <a:srgbClr val="1C1E21"/>
+                </a:solidFill>
+                <a:effectLst/>
+                <a:latin typeface="system-ui"/>
+              </a:rPr>
+              <a:t>进行自动选择内容编码；</a:t>
+            </a:r>
+          </a:p>
+          <a:p>
+            <a:pPr lvl="1"/>
+            <a:r>
+              <a:rPr lang="en-US" altLang="zh-CN" b="0" i="0" dirty="0">
+                <a:solidFill>
+                  <a:srgbClr val="1C1E21"/>
+                </a:solidFill>
+                <a:effectLst/>
+                <a:latin typeface="system-ui"/>
+              </a:rPr>
+              <a:t>Transport</a:t>
+            </a:r>
+            <a:r>
+              <a:rPr lang="zh-CN" altLang="en-US" b="0" i="0" dirty="0">
+                <a:solidFill>
+                  <a:srgbClr val="1C1E21"/>
+                </a:solidFill>
+                <a:effectLst/>
+                <a:latin typeface="system-ui"/>
+              </a:rPr>
+              <a:t>：通用的 </a:t>
+            </a:r>
+            <a:r>
+              <a:rPr lang="en-US" altLang="zh-CN" b="0" i="0" dirty="0">
+                <a:solidFill>
+                  <a:srgbClr val="1C1E21"/>
+                </a:solidFill>
+                <a:effectLst/>
+                <a:latin typeface="system-ui"/>
+              </a:rPr>
+              <a:t>HTTP/</a:t>
+            </a:r>
+            <a:r>
+              <a:rPr lang="en-US" altLang="zh-CN" b="0" i="0" dirty="0" err="1">
+                <a:solidFill>
+                  <a:srgbClr val="1C1E21"/>
+                </a:solidFill>
+                <a:effectLst/>
+                <a:latin typeface="system-ui"/>
+              </a:rPr>
+              <a:t>gRPC</a:t>
+            </a:r>
+            <a:r>
+              <a:rPr lang="en-US" altLang="zh-CN" b="0" i="0" dirty="0">
+                <a:solidFill>
+                  <a:srgbClr val="1C1E21"/>
+                </a:solidFill>
+                <a:effectLst/>
+                <a:latin typeface="system-ui"/>
+              </a:rPr>
+              <a:t> </a:t>
+            </a:r>
+            <a:r>
+              <a:rPr lang="zh-CN" altLang="en-US" b="0" i="0" dirty="0">
+                <a:solidFill>
+                  <a:srgbClr val="1C1E21"/>
+                </a:solidFill>
+                <a:effectLst/>
+                <a:latin typeface="system-ui"/>
+              </a:rPr>
+              <a:t>传输层，实现统一的 </a:t>
+            </a:r>
+            <a:r>
+              <a:rPr lang="en-US" altLang="zh-CN" b="0" i="0" dirty="0">
+                <a:solidFill>
+                  <a:srgbClr val="1C1E21"/>
+                </a:solidFill>
+                <a:effectLst/>
+                <a:latin typeface="system-ui"/>
+              </a:rPr>
+              <a:t>Middleware </a:t>
+            </a:r>
+            <a:r>
+              <a:rPr lang="zh-CN" altLang="en-US" b="0" i="0" dirty="0">
+                <a:solidFill>
+                  <a:srgbClr val="1C1E21"/>
+                </a:solidFill>
+                <a:effectLst/>
+                <a:latin typeface="system-ui"/>
+              </a:rPr>
+              <a:t>插件支持；</a:t>
+            </a:r>
+          </a:p>
+          <a:p>
+            <a:pPr lvl="1"/>
+            <a:r>
+              <a:rPr lang="en-US" altLang="zh-CN" b="0" i="0" dirty="0">
+                <a:solidFill>
+                  <a:srgbClr val="1C1E21"/>
+                </a:solidFill>
+                <a:effectLst/>
+                <a:latin typeface="system-ui"/>
+              </a:rPr>
+              <a:t>Registry</a:t>
+            </a:r>
+            <a:r>
+              <a:rPr lang="zh-CN" altLang="en-US" b="0" i="0" dirty="0">
+                <a:solidFill>
+                  <a:srgbClr val="1C1E21"/>
+                </a:solidFill>
+                <a:effectLst/>
+                <a:latin typeface="system-ui"/>
+              </a:rPr>
+              <a:t>：实现统一注册中心接口，可插件化对接各种注册中心；</a:t>
+            </a:r>
+          </a:p>
+          <a:p>
+            <a:pPr marL="0" indent="0">
+              <a:buNone/>
+            </a:pPr>
+            <a:endParaRPr lang="en-US" altLang="zh-CN" dirty="0"/>
+          </a:p>
+          <a:p>
+            <a:pPr marL="0" indent="0">
+              <a:buNone/>
+            </a:pPr>
+            <a:endParaRPr lang="en-US" altLang="zh-CN" sz="1200" dirty="0"/>
+          </a:p>
+          <a:p>
+            <a:pPr marL="0" indent="0">
+              <a:buNone/>
+            </a:pPr>
+            <a:r>
+              <a:rPr lang="en-US" altLang="zh-CN" sz="1200" dirty="0"/>
+              <a:t>·</a:t>
+            </a:r>
+            <a:r>
+              <a:rPr lang="en-US" altLang="zh-CN" sz="1200" dirty="0" err="1"/>
+              <a:t>Github</a:t>
+            </a:r>
+            <a:r>
+              <a:rPr lang="zh-CN" altLang="en-US" sz="1200" dirty="0"/>
+              <a:t>：</a:t>
+            </a:r>
+            <a:r>
+              <a:rPr lang="en-US" altLang="zh-CN" sz="1200" dirty="0">
+                <a:hlinkClick r:id="rId2"/>
+              </a:rPr>
+              <a:t>go-</a:t>
+            </a:r>
+            <a:r>
+              <a:rPr lang="en-US" altLang="zh-CN" sz="1200" dirty="0" err="1">
+                <a:hlinkClick r:id="rId2"/>
+              </a:rPr>
+              <a:t>kratos</a:t>
+            </a:r>
+            <a:r>
+              <a:rPr lang="en-US" altLang="zh-CN" sz="1200" dirty="0">
+                <a:hlinkClick r:id="rId2"/>
+              </a:rPr>
+              <a:t>/</a:t>
+            </a:r>
+            <a:r>
+              <a:rPr lang="en-US" altLang="zh-CN" sz="1200" dirty="0" err="1">
+                <a:hlinkClick r:id="rId2"/>
+              </a:rPr>
+              <a:t>kratos</a:t>
+            </a:r>
+            <a:r>
+              <a:rPr lang="en-US" altLang="zh-CN" sz="1200" dirty="0">
+                <a:hlinkClick r:id="rId2"/>
+              </a:rPr>
+              <a:t>: A Go framework for microservices. (github.com)</a:t>
+            </a:r>
+            <a:endParaRPr lang="en-US" altLang="zh-CN" sz="1200" dirty="0"/>
+          </a:p>
+        </p:txBody>
+      </p:sp>
+    </p:spTree>
+    <p:extLst>
+      <p:ext uri="{BB962C8B-B14F-4D97-AF65-F5344CB8AC3E}">
+        <p14:creationId xmlns:p14="http://schemas.microsoft.com/office/powerpoint/2010/main" val="1840454046"/>
+      </p:ext>
+    </p:extLst>
+  </p:cSld>
+  <p:clrMapOvr>
+    <a:masterClrMapping/>
+  </p:clrMapOvr>
+</p:sld>
+</file>
+
+<file path=ppt/slides/slide28.xml><?xml version="1.0" encoding="utf-8"?>
+<p:sld xmlns:a="http://schemas.openxmlformats.org/drawingml/2006/main" xmlns:r="http://schemas.openxmlformats.org/officeDocument/2006/relationships" xmlns:p="http://schemas.openxmlformats.org/presentationml/2006/main">
+  <p:cSld>
+    <p:spTree>
+      <p:nvGrpSpPr>
+        <p:cNvPr id="1" name=""/>
+        <p:cNvGrpSpPr/>
+        <p:nvPr/>
+      </p:nvGrpSpPr>
+      <p:grpSpPr>
+        <a:xfrm>
+          <a:off x="0" y="0"/>
+          <a:ext cx="0" cy="0"/>
+          <a:chOff x="0" y="0"/>
+          <a:chExt cx="0" cy="0"/>
+        </a:xfrm>
+      </p:grpSpPr>
+      <p:sp>
+        <p:nvSpPr>
+          <p:cNvPr id="2" name="标题 1">
+            <a:extLst>
+              <a:ext uri="{FF2B5EF4-FFF2-40B4-BE49-F238E27FC236}">
                 <a16:creationId xmlns:a16="http://schemas.microsoft.com/office/drawing/2014/main" id="{0A7FDCD3-48F4-4032-9D4B-A01491C63D13}"/>
               </a:ext>
             </a:extLst>
@@ -6183,7 +7153,7 @@
 </p:sld>
 </file>
 
-<file path=ppt/slides/slide26.xml><?xml version="1.0" encoding="utf-8"?>
+<file path=ppt/slides/slide29.xml><?xml version="1.0" encoding="utf-8"?>
 <p:sld xmlns:a="http://schemas.openxmlformats.org/drawingml/2006/main" xmlns:r="http://schemas.openxmlformats.org/officeDocument/2006/relationships" xmlns:p="http://schemas.openxmlformats.org/presentationml/2006/main">
   <p:cSld>
     <p:bg>
@@ -6465,122 +7435,61 @@
       </p:grpSpPr>
       <p:sp>
         <p:nvSpPr>
-          <p:cNvPr id="2" name="标题 1">
-            <a:extLst>
-              <a:ext uri="{FF2B5EF4-FFF2-40B4-BE49-F238E27FC236}">
-                <a16:creationId xmlns:a16="http://schemas.microsoft.com/office/drawing/2014/main" id="{53034547-24B3-444B-A197-148C7169E613}"/>
-              </a:ext>
-            </a:extLst>
-          </p:cNvPr>
-          <p:cNvSpPr>
-            <a:spLocks noGrp="1"/>
-          </p:cNvSpPr>
-          <p:nvPr>
-            <p:ph type="title"/>
-          </p:nvPr>
-        </p:nvSpPr>
-        <p:spPr/>
-        <p:txBody>
-          <a:bodyPr/>
-          <a:lstStyle/>
-          <a:p>
-            <a:r>
-              <a:rPr lang="zh-CN" altLang="en-US" b="1" dirty="0"/>
-              <a:t>单体架构缺点</a:t>
-            </a:r>
-          </a:p>
-        </p:txBody>
-      </p:sp>
-      <p:sp>
-        <p:nvSpPr>
-          <p:cNvPr id="3" name="内容占位符 2">
-            <a:extLst>
-              <a:ext uri="{FF2B5EF4-FFF2-40B4-BE49-F238E27FC236}">
-                <a16:creationId xmlns:a16="http://schemas.microsoft.com/office/drawing/2014/main" id="{356D470E-1395-4EAE-9AD2-0AB994FE4591}"/>
-              </a:ext>
-            </a:extLst>
-          </p:cNvPr>
-          <p:cNvSpPr>
-            <a:spLocks noGrp="1"/>
-          </p:cNvSpPr>
-          <p:nvPr>
-            <p:ph idx="1"/>
-          </p:nvPr>
-        </p:nvSpPr>
-        <p:spPr/>
-        <p:txBody>
-          <a:bodyPr>
-            <a:normAutofit/>
+          <p:cNvPr id="5" name="文本框 4">
+            <a:extLst>
+              <a:ext uri="{FF2B5EF4-FFF2-40B4-BE49-F238E27FC236}">
+                <a16:creationId xmlns:a16="http://schemas.microsoft.com/office/drawing/2014/main" id="{06935CB2-95E7-4338-AC74-4916AE62659C}"/>
+              </a:ext>
+            </a:extLst>
+          </p:cNvPr>
+          <p:cNvSpPr txBox="1"/>
+          <p:nvPr/>
+        </p:nvSpPr>
+        <p:spPr>
+          <a:xfrm>
+            <a:off x="3048000" y="3115125"/>
+            <a:ext cx="6096000" cy="830997"/>
+          </a:xfrm>
+          <a:prstGeom prst="rect">
+            <a:avLst/>
+          </a:prstGeom>
+          <a:noFill/>
+        </p:spPr>
+        <p:txBody>
+          <a:bodyPr wrap="square">
+            <a:spAutoFit/>
           </a:bodyPr>
           <a:lstStyle/>
           <a:p>
-            <a:r>
-              <a:rPr lang="zh-CN" altLang="en-US" dirty="0"/>
-              <a:t>难以扩展</a:t>
-            </a:r>
-            <a:endParaRPr lang="en-US" altLang="zh-CN" dirty="0"/>
-          </a:p>
-          <a:p>
-            <a:pPr lvl="1"/>
-            <a:r>
-              <a:rPr lang="zh-CN" altLang="en-US" dirty="0"/>
-              <a:t>只能支持整个项目的扩展，无法支持针对单个业务增长</a:t>
-            </a:r>
-            <a:endParaRPr lang="en-US" altLang="zh-CN" dirty="0"/>
-          </a:p>
-          <a:p>
-            <a:r>
-              <a:rPr lang="zh-CN" altLang="en-US" dirty="0"/>
-              <a:t>复杂性高</a:t>
-            </a:r>
-            <a:endParaRPr lang="en-US" altLang="zh-CN" dirty="0"/>
-          </a:p>
-          <a:p>
-            <a:pPr lvl="1"/>
-            <a:r>
-              <a:rPr lang="zh-CN" altLang="en-US" dirty="0"/>
-              <a:t>代码业务耦合，新人上手时间较长</a:t>
-            </a:r>
-            <a:endParaRPr lang="en-US" altLang="zh-CN" dirty="0"/>
-          </a:p>
-          <a:p>
-            <a:r>
-              <a:rPr lang="zh-CN" altLang="en-US" dirty="0"/>
-              <a:t>代码修改、维护、重构难</a:t>
-            </a:r>
-            <a:endParaRPr lang="en-US" altLang="zh-CN" dirty="0"/>
-          </a:p>
-          <a:p>
-            <a:pPr lvl="1"/>
-            <a:r>
-              <a:rPr lang="zh-CN" altLang="en-US" dirty="0"/>
-              <a:t>代码业务耦合，改动影响面积大，改动难度较大</a:t>
-            </a:r>
-            <a:endParaRPr lang="en-US" altLang="zh-CN" dirty="0"/>
-          </a:p>
-          <a:p>
-            <a:r>
-              <a:rPr lang="zh-CN" altLang="en-US" dirty="0"/>
-              <a:t>部署速度越来越慢</a:t>
-            </a:r>
-            <a:endParaRPr lang="en-US" altLang="zh-CN" dirty="0"/>
-          </a:p>
-          <a:p>
-            <a:r>
-              <a:rPr lang="zh-CN" altLang="en-US" dirty="0"/>
-              <a:t>更换引入新技术难度大</a:t>
-            </a:r>
-            <a:endParaRPr lang="en-US" altLang="zh-CN" dirty="0"/>
-          </a:p>
-          <a:p>
-            <a:endParaRPr lang="en-US" altLang="zh-CN" dirty="0"/>
+            <a:pPr algn="ctr"/>
+            <a:r>
+              <a:rPr lang="zh-CN" altLang="en-US" sz="4800" dirty="0">
+                <a:latin typeface="Bahnschrift SemiCondensed" panose="020B0502040204020203" pitchFamily="34" charset="0"/>
+              </a:rPr>
+              <a:t>为什么要使用</a:t>
+            </a:r>
+            <a:r>
+              <a:rPr lang="zh-CN" altLang="en-US" sz="4800" dirty="0">
+                <a:solidFill>
+                  <a:schemeClr val="tx1"/>
+                </a:solidFill>
+                <a:latin typeface="Bahnschrift SemiCondensed" panose="020B0502040204020203" pitchFamily="34" charset="0"/>
+              </a:rPr>
+              <a:t>微服务？</a:t>
+            </a:r>
+            <a:endParaRPr lang="en-US" altLang="zh-CN" sz="4800" dirty="0">
+              <a:solidFill>
+                <a:schemeClr val="tx1"/>
+              </a:solidFill>
+              <a:latin typeface="Bahnschrift SemiCondensed" panose="020B0502040204020203" pitchFamily="34" charset="0"/>
+            </a:endParaRPr>
           </a:p>
         </p:txBody>
       </p:sp>
     </p:spTree>
     <p:extLst>
       <p:ext uri="{BB962C8B-B14F-4D97-AF65-F5344CB8AC3E}">
-        <p14:creationId xmlns:p14="http://schemas.microsoft.com/office/powerpoint/2010/main" val="4223378422"/>
+        <p14:creationId xmlns:p14="http://schemas.microsoft.com/office/powerpoint/2010/main" val="2401020738"/>
       </p:ext>
     </p:extLst>
   </p:cSld>
@@ -6626,7 +7535,7 @@
           <p:cNvPr id="2" name="标题 1">
             <a:extLst>
               <a:ext uri="{FF2B5EF4-FFF2-40B4-BE49-F238E27FC236}">
-                <a16:creationId xmlns:a16="http://schemas.microsoft.com/office/drawing/2014/main" id="{0C89DA8C-DCC7-48B8-9BFE-E47674812ABC}"/>
+                <a16:creationId xmlns:a16="http://schemas.microsoft.com/office/drawing/2014/main" id="{53034547-24B3-444B-A197-148C7169E613}"/>
               </a:ext>
             </a:extLst>
           </p:cNvPr>
@@ -6644,83 +7553,101 @@
           <a:p>
             <a:r>
               <a:rPr lang="zh-CN" altLang="en-US" b="1" dirty="0"/>
-              <a:t>为什么要使用微服务 </a:t>
-            </a:r>
-            <a:r>
-              <a:rPr lang="en-US" altLang="zh-CN" b="1" dirty="0"/>
-              <a:t>– </a:t>
-            </a:r>
-            <a:r>
-              <a:rPr lang="zh-CN" altLang="en-US" b="1" dirty="0"/>
-              <a:t>人员解耦</a:t>
-            </a:r>
-          </a:p>
-        </p:txBody>
-      </p:sp>
-      <p:pic>
-        <p:nvPicPr>
-          <p:cNvPr id="9" name="图片 8">
-            <a:extLst>
-              <a:ext uri="{FF2B5EF4-FFF2-40B4-BE49-F238E27FC236}">
-                <a16:creationId xmlns:a16="http://schemas.microsoft.com/office/drawing/2014/main" id="{1C463A03-CE57-44CC-AE8A-8FAE601C7AA1}"/>
-              </a:ext>
-            </a:extLst>
-          </p:cNvPr>
-          <p:cNvPicPr>
-            <a:picLocks noChangeAspect="1"/>
-          </p:cNvPicPr>
-          <p:nvPr/>
-        </p:nvPicPr>
-        <p:blipFill>
-          <a:blip r:embed="rId3"/>
-          <a:stretch>
-            <a:fillRect/>
-          </a:stretch>
-        </p:blipFill>
-        <p:spPr>
-          <a:xfrm>
-            <a:off x="6357322" y="2180903"/>
-            <a:ext cx="4990476" cy="4066667"/>
-          </a:xfrm>
-          <a:prstGeom prst="rect">
-            <a:avLst/>
-          </a:prstGeom>
-        </p:spPr>
-      </p:pic>
-      <p:pic>
-        <p:nvPicPr>
-          <p:cNvPr id="11" name="图片 10">
-            <a:extLst>
-              <a:ext uri="{FF2B5EF4-FFF2-40B4-BE49-F238E27FC236}">
-                <a16:creationId xmlns:a16="http://schemas.microsoft.com/office/drawing/2014/main" id="{35F8B0E8-0A9B-4925-97BF-B3D22A1C1477}"/>
-              </a:ext>
-            </a:extLst>
-          </p:cNvPr>
-          <p:cNvPicPr>
-            <a:picLocks noChangeAspect="1"/>
-          </p:cNvPicPr>
-          <p:nvPr/>
-        </p:nvPicPr>
-        <p:blipFill>
-          <a:blip r:embed="rId4"/>
-          <a:stretch>
-            <a:fillRect/>
-          </a:stretch>
-        </p:blipFill>
-        <p:spPr>
-          <a:xfrm>
-            <a:off x="838200" y="3061855"/>
-            <a:ext cx="5361905" cy="2304762"/>
-          </a:xfrm>
-          <a:prstGeom prst="rect">
-            <a:avLst/>
-          </a:prstGeom>
-        </p:spPr>
-      </p:pic>
+              <a:t>单体架构缺点</a:t>
+            </a:r>
+          </a:p>
+        </p:txBody>
+      </p:sp>
+      <p:sp>
+        <p:nvSpPr>
+          <p:cNvPr id="3" name="内容占位符 2">
+            <a:extLst>
+              <a:ext uri="{FF2B5EF4-FFF2-40B4-BE49-F238E27FC236}">
+                <a16:creationId xmlns:a16="http://schemas.microsoft.com/office/drawing/2014/main" id="{356D470E-1395-4EAE-9AD2-0AB994FE4591}"/>
+              </a:ext>
+            </a:extLst>
+          </p:cNvPr>
+          <p:cNvSpPr>
+            <a:spLocks noGrp="1"/>
+          </p:cNvSpPr>
+          <p:nvPr>
+            <p:ph idx="1"/>
+          </p:nvPr>
+        </p:nvSpPr>
+        <p:spPr/>
+        <p:txBody>
+          <a:bodyPr>
+            <a:normAutofit/>
+          </a:bodyPr>
+          <a:lstStyle/>
+          <a:p>
+            <a:r>
+              <a:rPr lang="zh-CN" altLang="en-US" dirty="0"/>
+              <a:t>难以扩展</a:t>
+            </a:r>
+            <a:endParaRPr lang="en-US" altLang="zh-CN" dirty="0"/>
+          </a:p>
+          <a:p>
+            <a:pPr lvl="1"/>
+            <a:r>
+              <a:rPr lang="zh-CN" altLang="en-US" dirty="0"/>
+              <a:t>只能支持整个项目的扩展，无法支持针对单个业务增长</a:t>
+            </a:r>
+            <a:endParaRPr lang="en-US" altLang="zh-CN" dirty="0"/>
+          </a:p>
+          <a:p>
+            <a:r>
+              <a:rPr lang="zh-CN" altLang="en-US" dirty="0"/>
+              <a:t>复杂性高</a:t>
+            </a:r>
+            <a:endParaRPr lang="en-US" altLang="zh-CN" dirty="0"/>
+          </a:p>
+          <a:p>
+            <a:pPr lvl="1"/>
+            <a:r>
+              <a:rPr lang="zh-CN" altLang="en-US" dirty="0"/>
+              <a:t>代码业务耦合，新人上手时间较长</a:t>
+            </a:r>
+            <a:endParaRPr lang="en-US" altLang="zh-CN" dirty="0"/>
+          </a:p>
+          <a:p>
+            <a:r>
+              <a:rPr lang="zh-CN" altLang="en-US" dirty="0"/>
+              <a:t>代码修改、维护、重构难</a:t>
+            </a:r>
+            <a:endParaRPr lang="en-US" altLang="zh-CN" dirty="0"/>
+          </a:p>
+          <a:p>
+            <a:pPr lvl="1"/>
+            <a:r>
+              <a:rPr lang="zh-CN" altLang="en-US" dirty="0"/>
+              <a:t>代码业务耦合，改动影响面积大，改动难度较大</a:t>
+            </a:r>
+            <a:endParaRPr lang="en-US" altLang="zh-CN" dirty="0"/>
+          </a:p>
+          <a:p>
+            <a:r>
+              <a:rPr lang="zh-CN" altLang="en-US" dirty="0"/>
+              <a:t>部署速度越来越慢</a:t>
+            </a:r>
+            <a:endParaRPr lang="en-US" altLang="zh-CN" dirty="0"/>
+          </a:p>
+          <a:p>
+            <a:r>
+              <a:rPr lang="zh-CN" altLang="en-US" dirty="0"/>
+              <a:t>更换引入新技术难度大</a:t>
+            </a:r>
+            <a:endParaRPr lang="en-US" altLang="zh-CN" dirty="0"/>
+          </a:p>
+          <a:p>
+            <a:endParaRPr lang="en-US" altLang="zh-CN" dirty="0"/>
+          </a:p>
+        </p:txBody>
+      </p:sp>
     </p:spTree>
     <p:extLst>
       <p:ext uri="{BB962C8B-B14F-4D97-AF65-F5344CB8AC3E}">
-        <p14:creationId xmlns:p14="http://schemas.microsoft.com/office/powerpoint/2010/main" val="3909651942"/>
+        <p14:creationId xmlns:p14="http://schemas.microsoft.com/office/powerpoint/2010/main" val="4223378422"/>
       </p:ext>
     </p:extLst>
   </p:cSld>
@@ -6763,10 +7690,10 @@
       </p:grpSpPr>
       <p:sp>
         <p:nvSpPr>
-          <p:cNvPr id="2" name="标题 1">
-            <a:extLst>
-              <a:ext uri="{FF2B5EF4-FFF2-40B4-BE49-F238E27FC236}">
-                <a16:creationId xmlns:a16="http://schemas.microsoft.com/office/drawing/2014/main" id="{861FED06-97C7-4C58-AA81-040813805E25}"/>
+          <p:cNvPr id="5" name="标题 4">
+            <a:extLst>
+              <a:ext uri="{FF2B5EF4-FFF2-40B4-BE49-F238E27FC236}">
+                <a16:creationId xmlns:a16="http://schemas.microsoft.com/office/drawing/2014/main" id="{42CEF9B4-1B0A-43E3-84C3-4082AEC8B07A}"/>
               </a:ext>
             </a:extLst>
           </p:cNvPr>
@@ -6784,62 +7711,137 @@
           <a:p>
             <a:r>
               <a:rPr lang="zh-CN" altLang="en-US" b="1" dirty="0"/>
-              <a:t>为什么要使用微服务 </a:t>
-            </a:r>
-            <a:r>
-              <a:rPr lang="en-US" altLang="zh-CN" b="1" dirty="0"/>
-              <a:t>– </a:t>
-            </a:r>
-            <a:r>
-              <a:rPr lang="zh-CN" altLang="en-US" b="1" dirty="0"/>
-              <a:t>业务</a:t>
-            </a:r>
-            <a:r>
-              <a:rPr lang="en-US" altLang="zh-CN" b="1" dirty="0"/>
-              <a:t>/</a:t>
-            </a:r>
-            <a:r>
-              <a:rPr lang="zh-CN" altLang="en-US" b="1" dirty="0"/>
-              <a:t>数据 解耦</a:t>
-            </a:r>
-            <a:endParaRPr lang="zh-CN" altLang="en-US" dirty="0"/>
-          </a:p>
-        </p:txBody>
-      </p:sp>
-      <p:pic>
-        <p:nvPicPr>
-          <p:cNvPr id="5" name="图片 4">
-            <a:extLst>
-              <a:ext uri="{FF2B5EF4-FFF2-40B4-BE49-F238E27FC236}">
-                <a16:creationId xmlns:a16="http://schemas.microsoft.com/office/drawing/2014/main" id="{FF511C45-9B02-4950-9BAA-6BAB14C72224}"/>
-              </a:ext>
-            </a:extLst>
-          </p:cNvPr>
-          <p:cNvPicPr>
-            <a:picLocks noChangeAspect="1"/>
-          </p:cNvPicPr>
-          <p:nvPr/>
-        </p:nvPicPr>
-        <p:blipFill>
-          <a:blip r:embed="rId3"/>
-          <a:stretch>
-            <a:fillRect/>
-          </a:stretch>
-        </p:blipFill>
-        <p:spPr>
-          <a:xfrm>
-            <a:off x="2991238" y="2696764"/>
-            <a:ext cx="6209524" cy="2742857"/>
-          </a:xfrm>
-          <a:prstGeom prst="rect">
-            <a:avLst/>
-          </a:prstGeom>
-        </p:spPr>
-      </p:pic>
+              <a:t>微服务优点</a:t>
+            </a:r>
+          </a:p>
+        </p:txBody>
+      </p:sp>
+      <p:sp>
+        <p:nvSpPr>
+          <p:cNvPr id="6" name="内容占位符 5">
+            <a:extLst>
+              <a:ext uri="{FF2B5EF4-FFF2-40B4-BE49-F238E27FC236}">
+                <a16:creationId xmlns:a16="http://schemas.microsoft.com/office/drawing/2014/main" id="{8E0246E9-4B85-40F2-8994-F4F7791D5DAD}"/>
+              </a:ext>
+            </a:extLst>
+          </p:cNvPr>
+          <p:cNvSpPr>
+            <a:spLocks noGrp="1"/>
+          </p:cNvSpPr>
+          <p:nvPr>
+            <p:ph idx="1"/>
+          </p:nvPr>
+        </p:nvSpPr>
+        <p:spPr/>
+        <p:txBody>
+          <a:bodyPr/>
+          <a:lstStyle/>
+          <a:p>
+            <a:r>
+              <a:rPr lang="zh-CN" altLang="en-US" dirty="0">
+                <a:latin typeface="Bahnschrift SemiBold" panose="020B0502040204020203" pitchFamily="34" charset="0"/>
+              </a:rPr>
+              <a:t>松耦合，代码结构更加清晰</a:t>
+            </a:r>
+            <a:endParaRPr lang="en-US" altLang="zh-CN" dirty="0">
+              <a:latin typeface="Bahnschrift SemiBold" panose="020B0502040204020203" pitchFamily="34" charset="0"/>
+            </a:endParaRPr>
+          </a:p>
+          <a:p>
+            <a:r>
+              <a:rPr lang="zh-CN" altLang="en-US" dirty="0">
+                <a:latin typeface="Bahnschrift SemiBold" panose="020B0502040204020203" pitchFamily="34" charset="0"/>
+              </a:rPr>
+              <a:t>开发者友好，避免老代码包袱</a:t>
+            </a:r>
+            <a:endParaRPr lang="en-US" altLang="zh-CN" dirty="0">
+              <a:latin typeface="Bahnschrift SemiBold" panose="020B0502040204020203" pitchFamily="34" charset="0"/>
+            </a:endParaRPr>
+          </a:p>
+          <a:p>
+            <a:r>
+              <a:rPr lang="zh-CN" altLang="en-US" dirty="0">
+                <a:latin typeface="Bahnschrift SemiBold" panose="020B0502040204020203" pitchFamily="34" charset="0"/>
+              </a:rPr>
+              <a:t>独立发布、快速迭代</a:t>
+            </a:r>
+            <a:endParaRPr lang="en-US" altLang="zh-CN" dirty="0">
+              <a:latin typeface="Bahnschrift SemiBold" panose="020B0502040204020203" pitchFamily="34" charset="0"/>
+            </a:endParaRPr>
+          </a:p>
+          <a:p>
+            <a:r>
+              <a:rPr lang="zh-CN" altLang="en-US" dirty="0">
+                <a:latin typeface="Bahnschrift SemiBold" panose="020B0502040204020203" pitchFamily="34" charset="0"/>
+              </a:rPr>
+              <a:t>故障隔离</a:t>
+            </a:r>
+            <a:endParaRPr lang="en-US" altLang="zh-CN" dirty="0">
+              <a:latin typeface="Bahnschrift SemiBold" panose="020B0502040204020203" pitchFamily="34" charset="0"/>
+            </a:endParaRPr>
+          </a:p>
+          <a:p>
+            <a:r>
+              <a:rPr lang="zh-CN" altLang="en-US" dirty="0">
+                <a:latin typeface="Bahnschrift SemiBold" panose="020B0502040204020203" pitchFamily="34" charset="0"/>
+              </a:rPr>
+              <a:t>增加重用</a:t>
+            </a:r>
+            <a:r>
+              <a:rPr lang="en-US" altLang="zh-CN" dirty="0">
+                <a:latin typeface="Bahnschrift SemiBold" panose="020B0502040204020203" pitchFamily="34" charset="0"/>
+              </a:rPr>
+              <a:t>, </a:t>
+            </a:r>
+            <a:r>
+              <a:rPr lang="zh-CN" altLang="en-US" dirty="0">
+                <a:latin typeface="Bahnschrift SemiBold" panose="020B0502040204020203" pitchFamily="34" charset="0"/>
+              </a:rPr>
+              <a:t>可组合</a:t>
+            </a:r>
+            <a:endParaRPr lang="en-US" altLang="zh-CN" dirty="0">
+              <a:latin typeface="Bahnschrift SemiBold" panose="020B0502040204020203" pitchFamily="34" charset="0"/>
+            </a:endParaRPr>
+          </a:p>
+          <a:p>
+            <a:r>
+              <a:rPr lang="zh-CN" altLang="en-US" dirty="0">
+                <a:latin typeface="Bahnschrift SemiBold" panose="020B0502040204020203" pitchFamily="34" charset="0"/>
+              </a:rPr>
+              <a:t>针对性横向扩展</a:t>
+            </a:r>
+            <a:endParaRPr lang="en-US" altLang="zh-CN" dirty="0">
+              <a:latin typeface="Bahnschrift SemiBold" panose="020B0502040204020203" pitchFamily="34" charset="0"/>
+            </a:endParaRPr>
+          </a:p>
+          <a:p>
+            <a:r>
+              <a:rPr lang="zh-CN" altLang="en-US" dirty="0">
+                <a:latin typeface="Bahnschrift SemiBold" panose="020B0502040204020203" pitchFamily="34" charset="0"/>
+              </a:rPr>
+              <a:t>独立部署</a:t>
+            </a:r>
+            <a:endParaRPr lang="en-US" altLang="zh-CN" dirty="0">
+              <a:latin typeface="Bahnschrift SemiBold" panose="020B0502040204020203" pitchFamily="34" charset="0"/>
+            </a:endParaRPr>
+          </a:p>
+          <a:p>
+            <a:r>
+              <a:rPr lang="zh-CN" altLang="en-US" dirty="0">
+                <a:latin typeface="Bahnschrift SemiBold" panose="020B0502040204020203" pitchFamily="34" charset="0"/>
+              </a:rPr>
+              <a:t>易于开发维护</a:t>
+            </a:r>
+            <a:endParaRPr lang="en-US" altLang="zh-CN" dirty="0">
+              <a:latin typeface="Bahnschrift SemiBold" panose="020B0502040204020203" pitchFamily="34" charset="0"/>
+            </a:endParaRPr>
+          </a:p>
+        </p:txBody>
+      </p:sp>
     </p:spTree>
     <p:extLst>
       <p:ext uri="{BB962C8B-B14F-4D97-AF65-F5344CB8AC3E}">
-        <p14:creationId xmlns:p14="http://schemas.microsoft.com/office/powerpoint/2010/main" val="1594615968"/>
+        <p14:creationId xmlns:p14="http://schemas.microsoft.com/office/powerpoint/2010/main" val="3099553736"/>
       </p:ext>
     </p:extLst>
   </p:cSld>
@@ -6882,10 +7884,10 @@
       </p:grpSpPr>
       <p:sp>
         <p:nvSpPr>
-          <p:cNvPr id="5" name="标题 4">
-            <a:extLst>
-              <a:ext uri="{FF2B5EF4-FFF2-40B4-BE49-F238E27FC236}">
-                <a16:creationId xmlns:a16="http://schemas.microsoft.com/office/drawing/2014/main" id="{42CEF9B4-1B0A-43E3-84C3-4082AEC8B07A}"/>
+          <p:cNvPr id="2" name="标题 1">
+            <a:extLst>
+              <a:ext uri="{FF2B5EF4-FFF2-40B4-BE49-F238E27FC236}">
+                <a16:creationId xmlns:a16="http://schemas.microsoft.com/office/drawing/2014/main" id="{0C89DA8C-DCC7-48B8-9BFE-E47674812ABC}"/>
               </a:ext>
             </a:extLst>
           </p:cNvPr>
@@ -6903,137 +7905,83 @@
           <a:p>
             <a:r>
               <a:rPr lang="zh-CN" altLang="en-US" b="1" dirty="0"/>
-              <a:t>微服务优点</a:t>
-            </a:r>
-          </a:p>
-        </p:txBody>
-      </p:sp>
-      <p:sp>
-        <p:nvSpPr>
-          <p:cNvPr id="6" name="内容占位符 5">
-            <a:extLst>
-              <a:ext uri="{FF2B5EF4-FFF2-40B4-BE49-F238E27FC236}">
-                <a16:creationId xmlns:a16="http://schemas.microsoft.com/office/drawing/2014/main" id="{8E0246E9-4B85-40F2-8994-F4F7791D5DAD}"/>
-              </a:ext>
-            </a:extLst>
-          </p:cNvPr>
-          <p:cNvSpPr>
-            <a:spLocks noGrp="1"/>
-          </p:cNvSpPr>
-          <p:nvPr>
-            <p:ph idx="1"/>
-          </p:nvPr>
-        </p:nvSpPr>
-        <p:spPr/>
-        <p:txBody>
-          <a:bodyPr/>
-          <a:lstStyle/>
-          <a:p>
-            <a:r>
-              <a:rPr lang="zh-CN" altLang="en-US" dirty="0">
-                <a:latin typeface="Bahnschrift SemiBold" panose="020B0502040204020203" pitchFamily="34" charset="0"/>
-              </a:rPr>
-              <a:t>松耦合，代码结构更加清晰</a:t>
-            </a:r>
-            <a:endParaRPr lang="en-US" altLang="zh-CN" dirty="0">
-              <a:latin typeface="Bahnschrift SemiBold" panose="020B0502040204020203" pitchFamily="34" charset="0"/>
-            </a:endParaRPr>
-          </a:p>
-          <a:p>
-            <a:r>
-              <a:rPr lang="zh-CN" altLang="en-US" dirty="0">
-                <a:latin typeface="Bahnschrift SemiBold" panose="020B0502040204020203" pitchFamily="34" charset="0"/>
-              </a:rPr>
-              <a:t>开发者友好，避免老代码包袱</a:t>
-            </a:r>
-            <a:endParaRPr lang="en-US" altLang="zh-CN" dirty="0">
-              <a:latin typeface="Bahnschrift SemiBold" panose="020B0502040204020203" pitchFamily="34" charset="0"/>
-            </a:endParaRPr>
-          </a:p>
-          <a:p>
-            <a:r>
-              <a:rPr lang="zh-CN" altLang="en-US" dirty="0">
-                <a:latin typeface="Bahnschrift SemiBold" panose="020B0502040204020203" pitchFamily="34" charset="0"/>
-              </a:rPr>
-              <a:t>独立发布、快速迭代</a:t>
-            </a:r>
-            <a:endParaRPr lang="en-US" altLang="zh-CN" dirty="0">
-              <a:latin typeface="Bahnschrift SemiBold" panose="020B0502040204020203" pitchFamily="34" charset="0"/>
-            </a:endParaRPr>
-          </a:p>
-          <a:p>
-            <a:r>
-              <a:rPr lang="zh-CN" altLang="en-US" dirty="0">
-                <a:latin typeface="Bahnschrift SemiBold" panose="020B0502040204020203" pitchFamily="34" charset="0"/>
-              </a:rPr>
-              <a:t>故障隔离</a:t>
-            </a:r>
-            <a:endParaRPr lang="en-US" altLang="zh-CN" dirty="0">
-              <a:latin typeface="Bahnschrift SemiBold" panose="020B0502040204020203" pitchFamily="34" charset="0"/>
-            </a:endParaRPr>
-          </a:p>
-          <a:p>
-            <a:r>
-              <a:rPr lang="zh-CN" altLang="en-US" dirty="0">
-                <a:latin typeface="Bahnschrift SemiBold" panose="020B0502040204020203" pitchFamily="34" charset="0"/>
-              </a:rPr>
-              <a:t>增加重用</a:t>
-            </a:r>
-            <a:r>
-              <a:rPr lang="en-US" altLang="zh-CN" dirty="0">
-                <a:latin typeface="Bahnschrift SemiBold" panose="020B0502040204020203" pitchFamily="34" charset="0"/>
-              </a:rPr>
-              <a:t>, </a:t>
-            </a:r>
-            <a:r>
-              <a:rPr lang="zh-CN" altLang="en-US" dirty="0">
-                <a:latin typeface="Bahnschrift SemiBold" panose="020B0502040204020203" pitchFamily="34" charset="0"/>
-              </a:rPr>
-              <a:t>可组合</a:t>
-            </a:r>
-            <a:endParaRPr lang="en-US" altLang="zh-CN" dirty="0">
-              <a:latin typeface="Bahnschrift SemiBold" panose="020B0502040204020203" pitchFamily="34" charset="0"/>
-            </a:endParaRPr>
-          </a:p>
-          <a:p>
-            <a:r>
-              <a:rPr lang="zh-CN" altLang="en-US" dirty="0">
-                <a:latin typeface="Bahnschrift SemiBold" panose="020B0502040204020203" pitchFamily="34" charset="0"/>
-              </a:rPr>
-              <a:t>针对性横向扩展</a:t>
-            </a:r>
-            <a:endParaRPr lang="en-US" altLang="zh-CN" dirty="0">
-              <a:latin typeface="Bahnschrift SemiBold" panose="020B0502040204020203" pitchFamily="34" charset="0"/>
-            </a:endParaRPr>
-          </a:p>
-          <a:p>
-            <a:r>
-              <a:rPr lang="zh-CN" altLang="en-US" dirty="0">
-                <a:latin typeface="Bahnschrift SemiBold" panose="020B0502040204020203" pitchFamily="34" charset="0"/>
-              </a:rPr>
-              <a:t>独立部署</a:t>
-            </a:r>
-            <a:endParaRPr lang="en-US" altLang="zh-CN" dirty="0">
-              <a:latin typeface="Bahnschrift SemiBold" panose="020B0502040204020203" pitchFamily="34" charset="0"/>
-            </a:endParaRPr>
-          </a:p>
-          <a:p>
-            <a:r>
-              <a:rPr lang="zh-CN" altLang="en-US" dirty="0">
-                <a:latin typeface="Bahnschrift SemiBold" panose="020B0502040204020203" pitchFamily="34" charset="0"/>
-              </a:rPr>
-              <a:t>易于开发维护</a:t>
-            </a:r>
-            <a:endParaRPr lang="en-US" altLang="zh-CN" dirty="0">
-              <a:latin typeface="Bahnschrift SemiBold" panose="020B0502040204020203" pitchFamily="34" charset="0"/>
-            </a:endParaRPr>
-          </a:p>
-        </p:txBody>
-      </p:sp>
+              <a:t>为什么要使用微服务 </a:t>
+            </a:r>
+            <a:r>
+              <a:rPr lang="en-US" altLang="zh-CN" b="1" dirty="0"/>
+              <a:t>– </a:t>
+            </a:r>
+            <a:r>
+              <a:rPr lang="zh-CN" altLang="en-US" b="1" dirty="0"/>
+              <a:t>人员解耦</a:t>
+            </a:r>
+          </a:p>
+        </p:txBody>
+      </p:sp>
+      <p:pic>
+        <p:nvPicPr>
+          <p:cNvPr id="9" name="图片 8">
+            <a:extLst>
+              <a:ext uri="{FF2B5EF4-FFF2-40B4-BE49-F238E27FC236}">
+                <a16:creationId xmlns:a16="http://schemas.microsoft.com/office/drawing/2014/main" id="{1C463A03-CE57-44CC-AE8A-8FAE601C7AA1}"/>
+              </a:ext>
+            </a:extLst>
+          </p:cNvPr>
+          <p:cNvPicPr>
+            <a:picLocks noChangeAspect="1"/>
+          </p:cNvPicPr>
+          <p:nvPr/>
+        </p:nvPicPr>
+        <p:blipFill>
+          <a:blip r:embed="rId3"/>
+          <a:stretch>
+            <a:fillRect/>
+          </a:stretch>
+        </p:blipFill>
+        <p:spPr>
+          <a:xfrm>
+            <a:off x="6357322" y="2180903"/>
+            <a:ext cx="4990476" cy="4066667"/>
+          </a:xfrm>
+          <a:prstGeom prst="rect">
+            <a:avLst/>
+          </a:prstGeom>
+        </p:spPr>
+      </p:pic>
+      <p:pic>
+        <p:nvPicPr>
+          <p:cNvPr id="11" name="图片 10">
+            <a:extLst>
+              <a:ext uri="{FF2B5EF4-FFF2-40B4-BE49-F238E27FC236}">
+                <a16:creationId xmlns:a16="http://schemas.microsoft.com/office/drawing/2014/main" id="{35F8B0E8-0A9B-4925-97BF-B3D22A1C1477}"/>
+              </a:ext>
+            </a:extLst>
+          </p:cNvPr>
+          <p:cNvPicPr>
+            <a:picLocks noChangeAspect="1"/>
+          </p:cNvPicPr>
+          <p:nvPr/>
+        </p:nvPicPr>
+        <p:blipFill>
+          <a:blip r:embed="rId4"/>
+          <a:stretch>
+            <a:fillRect/>
+          </a:stretch>
+        </p:blipFill>
+        <p:spPr>
+          <a:xfrm>
+            <a:off x="838200" y="3061855"/>
+            <a:ext cx="5361905" cy="2304762"/>
+          </a:xfrm>
+          <a:prstGeom prst="rect">
+            <a:avLst/>
+          </a:prstGeom>
+        </p:spPr>
+      </p:pic>
     </p:spTree>
     <p:extLst>
       <p:ext uri="{BB962C8B-B14F-4D97-AF65-F5344CB8AC3E}">
-        <p14:creationId xmlns:p14="http://schemas.microsoft.com/office/powerpoint/2010/main" val="3099553736"/>
+        <p14:creationId xmlns:p14="http://schemas.microsoft.com/office/powerpoint/2010/main" val="3909651942"/>
       </p:ext>
     </p:extLst>
   </p:cSld>
@@ -7079,7 +8027,7 @@
           <p:cNvPr id="2" name="标题 1">
             <a:extLst>
               <a:ext uri="{FF2B5EF4-FFF2-40B4-BE49-F238E27FC236}">
-                <a16:creationId xmlns:a16="http://schemas.microsoft.com/office/drawing/2014/main" id="{6EBEA4FE-6F6E-47A8-9FAD-5E95D634576F}"/>
+                <a16:creationId xmlns:a16="http://schemas.microsoft.com/office/drawing/2014/main" id="{861FED06-97C7-4C58-AA81-040813805E25}"/>
               </a:ext>
             </a:extLst>
           </p:cNvPr>
@@ -7090,621 +8038,41 @@
             <p:ph type="title"/>
           </p:nvPr>
         </p:nvSpPr>
-        <p:spPr>
-          <a:xfrm>
-            <a:off x="838200" y="272360"/>
-            <a:ext cx="10515600" cy="1325563"/>
-          </a:xfrm>
-        </p:spPr>
+        <p:spPr/>
         <p:txBody>
           <a:bodyPr/>
           <a:lstStyle/>
           <a:p>
             <a:r>
+              <a:rPr lang="zh-CN" altLang="en-US" b="1" dirty="0"/>
+              <a:t>为什么要使用微服务 </a:t>
+            </a:r>
+            <a:r>
               <a:rPr lang="en-US" altLang="zh-CN" b="1" dirty="0"/>
-              <a:t>RPC </a:t>
+              <a:t>– </a:t>
             </a:r>
             <a:r>
               <a:rPr lang="zh-CN" altLang="en-US" b="1" dirty="0"/>
-              <a:t>协议</a:t>
-            </a:r>
-          </a:p>
-        </p:txBody>
-      </p:sp>
-      <p:sp>
-        <p:nvSpPr>
-          <p:cNvPr id="3" name="内容占位符 2">
-            <a:extLst>
-              <a:ext uri="{FF2B5EF4-FFF2-40B4-BE49-F238E27FC236}">
-                <a16:creationId xmlns:a16="http://schemas.microsoft.com/office/drawing/2014/main" id="{1C937B21-9DE3-4725-A34D-BB405052C50C}"/>
-              </a:ext>
-            </a:extLst>
-          </p:cNvPr>
-          <p:cNvSpPr>
-            <a:spLocks noGrp="1"/>
-          </p:cNvSpPr>
-          <p:nvPr>
-            <p:ph idx="1"/>
-          </p:nvPr>
-        </p:nvSpPr>
-        <p:spPr/>
-        <p:txBody>
-          <a:bodyPr/>
-          <a:lstStyle/>
-          <a:p>
-            <a:r>
-              <a:rPr lang="en-US" altLang="zh-CN" dirty="0" err="1">
-                <a:latin typeface="Bahnschrift SemiBold" panose="020B0502040204020203" pitchFamily="34" charset="0"/>
-              </a:rPr>
-              <a:t>rpc</a:t>
-            </a:r>
-            <a:r>
-              <a:rPr lang="en-US" altLang="zh-CN" dirty="0">
-                <a:latin typeface="Bahnschrift SemiBold" panose="020B0502040204020203" pitchFamily="34" charset="0"/>
-              </a:rPr>
-              <a:t> over </a:t>
-            </a:r>
-            <a:r>
-              <a:rPr lang="en-US" altLang="zh-CN" dirty="0" err="1">
-                <a:latin typeface="Bahnschrift SemiBold" panose="020B0502040204020203" pitchFamily="34" charset="0"/>
-              </a:rPr>
-              <a:t>tcp</a:t>
-            </a:r>
-            <a:r>
-              <a:rPr lang="en-US" altLang="zh-CN" dirty="0">
-                <a:latin typeface="Bahnschrift SemiBold" panose="020B0502040204020203" pitchFamily="34" charset="0"/>
-              </a:rPr>
-              <a:t>; </a:t>
-            </a:r>
-            <a:r>
-              <a:rPr lang="zh-CN" altLang="en-US" dirty="0">
-                <a:latin typeface="Bahnschrift SemiBold" panose="020B0502040204020203" pitchFamily="34" charset="0"/>
-              </a:rPr>
-              <a:t>强约束</a:t>
-            </a:r>
-            <a:endParaRPr lang="en-US" altLang="zh-CN" dirty="0">
-              <a:latin typeface="Bahnschrift SemiBold" panose="020B0502040204020203" pitchFamily="34" charset="0"/>
-            </a:endParaRPr>
-          </a:p>
-          <a:p>
-            <a:pPr marL="685800" lvl="2">
-              <a:spcBef>
-                <a:spcPts val="1000"/>
-              </a:spcBef>
-            </a:pPr>
-            <a:r>
-              <a:rPr lang="en-US" altLang="zh-CN" sz="2400" dirty="0">
-                <a:latin typeface="Bahnschrift SemiBold" panose="020B0502040204020203" pitchFamily="34" charset="0"/>
-              </a:rPr>
-              <a:t>google protocol buffer</a:t>
-            </a:r>
-          </a:p>
-          <a:p>
-            <a:pPr marL="685800" lvl="2">
-              <a:spcBef>
-                <a:spcPts val="1000"/>
-              </a:spcBef>
-            </a:pPr>
-            <a:r>
-              <a:rPr lang="en-US" altLang="zh-CN" sz="2400" dirty="0">
-                <a:latin typeface="Bahnschrift SemiBold" panose="020B0502040204020203" pitchFamily="34" charset="0"/>
-              </a:rPr>
-              <a:t>apache thrift</a:t>
-            </a:r>
-          </a:p>
-          <a:p>
-            <a:pPr marL="685800" lvl="2">
-              <a:spcBef>
-                <a:spcPts val="1000"/>
-              </a:spcBef>
-            </a:pPr>
-            <a:r>
-              <a:rPr lang="zh-CN" altLang="en-US" sz="2400" dirty="0">
-                <a:latin typeface="Bahnschrift SemiBold" panose="020B0502040204020203" pitchFamily="34" charset="0"/>
-              </a:rPr>
-              <a:t>协议紧凑</a:t>
-            </a:r>
-            <a:r>
-              <a:rPr lang="en-US" altLang="zh-CN" sz="2400" dirty="0">
-                <a:latin typeface="Bahnschrift SemiBold" panose="020B0502040204020203" pitchFamily="34" charset="0"/>
-              </a:rPr>
-              <a:t>, </a:t>
-            </a:r>
-            <a:r>
-              <a:rPr lang="zh-CN" altLang="en-US" sz="2400" dirty="0">
-                <a:latin typeface="Bahnschrift SemiBold" panose="020B0502040204020203" pitchFamily="34" charset="0"/>
-              </a:rPr>
-              <a:t>性能⾼ </a:t>
-            </a:r>
-            <a:endParaRPr lang="en-US" altLang="zh-CN" sz="2400" dirty="0">
-              <a:latin typeface="Bahnschrift SemiBold" panose="020B0502040204020203" pitchFamily="34" charset="0"/>
-            </a:endParaRPr>
-          </a:p>
-          <a:p>
-            <a:endParaRPr lang="en-US" altLang="zh-CN" dirty="0">
-              <a:latin typeface="Bahnschrift SemiBold" panose="020B0502040204020203" pitchFamily="34" charset="0"/>
-            </a:endParaRPr>
-          </a:p>
-          <a:p>
-            <a:r>
-              <a:rPr lang="en-US" altLang="zh-CN" dirty="0" err="1">
-                <a:latin typeface="Bahnschrift SemiBold" panose="020B0502040204020203" pitchFamily="34" charset="0"/>
-              </a:rPr>
-              <a:t>rpc</a:t>
-            </a:r>
-            <a:r>
-              <a:rPr lang="en-US" altLang="zh-CN" dirty="0">
-                <a:latin typeface="Bahnschrift SemiBold" panose="020B0502040204020203" pitchFamily="34" charset="0"/>
-              </a:rPr>
-              <a:t> over http; </a:t>
-            </a:r>
-            <a:r>
-              <a:rPr lang="zh-CN" altLang="en-US" dirty="0">
-                <a:latin typeface="Bahnschrift SemiBold" panose="020B0502040204020203" pitchFamily="34" charset="0"/>
-              </a:rPr>
-              <a:t>不约束</a:t>
-            </a:r>
-            <a:endParaRPr lang="en-US" altLang="zh-CN" dirty="0">
-              <a:latin typeface="Bahnschrift SemiBold" panose="020B0502040204020203" pitchFamily="34" charset="0"/>
-            </a:endParaRPr>
-          </a:p>
-          <a:p>
-            <a:pPr marL="685800" lvl="2">
-              <a:spcBef>
-                <a:spcPts val="1000"/>
-              </a:spcBef>
-            </a:pPr>
-            <a:r>
-              <a:rPr lang="en-US" altLang="zh-CN" sz="2400" dirty="0" err="1">
-                <a:latin typeface="Bahnschrift SemiBold" panose="020B0502040204020203" pitchFamily="34" charset="0"/>
-              </a:rPr>
-              <a:t>rpc</a:t>
-            </a:r>
-            <a:r>
-              <a:rPr lang="en-US" altLang="zh-CN" sz="2400" dirty="0">
-                <a:latin typeface="Bahnschrift SemiBold" panose="020B0502040204020203" pitchFamily="34" charset="0"/>
-              </a:rPr>
-              <a:t> http </a:t>
-            </a:r>
-            <a:r>
-              <a:rPr lang="en-US" altLang="zh-CN" sz="2400" dirty="0" err="1">
-                <a:latin typeface="Bahnschrift SemiBold" panose="020B0502040204020203" pitchFamily="34" charset="0"/>
-              </a:rPr>
-              <a:t>msgpack</a:t>
-            </a:r>
-            <a:endParaRPr lang="en-US" altLang="zh-CN" sz="2400" dirty="0">
-              <a:latin typeface="Bahnschrift SemiBold" panose="020B0502040204020203" pitchFamily="34" charset="0"/>
-            </a:endParaRPr>
-          </a:p>
-          <a:p>
-            <a:pPr marL="685800" lvl="2">
-              <a:spcBef>
-                <a:spcPts val="1000"/>
-              </a:spcBef>
-            </a:pPr>
-            <a:r>
-              <a:rPr lang="zh-CN" altLang="en-US" sz="2400" dirty="0">
-                <a:latin typeface="Bahnschrift SemiBold" panose="020B0502040204020203" pitchFamily="34" charset="0"/>
-              </a:rPr>
-              <a:t>协议冗余</a:t>
-            </a:r>
-            <a:r>
-              <a:rPr lang="en-US" altLang="zh-CN" sz="2400" dirty="0">
-                <a:latin typeface="Bahnschrift SemiBold" panose="020B0502040204020203" pitchFamily="34" charset="0"/>
-              </a:rPr>
-              <a:t>, </a:t>
-            </a:r>
-            <a:r>
-              <a:rPr lang="zh-CN" altLang="en-US" sz="2400" dirty="0">
-                <a:latin typeface="Bahnschrift SemiBold" panose="020B0502040204020203" pitchFamily="34" charset="0"/>
-              </a:rPr>
-              <a:t>简单</a:t>
-            </a:r>
-            <a:r>
-              <a:rPr lang="en-US" altLang="zh-CN" sz="2400" dirty="0">
-                <a:latin typeface="Bahnschrift SemiBold" panose="020B0502040204020203" pitchFamily="34" charset="0"/>
-              </a:rPr>
-              <a:t>, </a:t>
-            </a:r>
-            <a:r>
-              <a:rPr lang="zh-CN" altLang="en-US" sz="2400" dirty="0">
-                <a:latin typeface="Bahnschrift SemiBold" panose="020B0502040204020203" pitchFamily="34" charset="0"/>
-              </a:rPr>
-              <a:t>自定义开发</a:t>
-            </a:r>
-            <a:endParaRPr lang="en-US" altLang="zh-CN" sz="2400" dirty="0">
-              <a:latin typeface="Bahnschrift SemiBold" panose="020B0502040204020203" pitchFamily="34" charset="0"/>
-            </a:endParaRPr>
-          </a:p>
-          <a:p>
-            <a:pPr lvl="1"/>
+              <a:t>业务</a:t>
+            </a:r>
+            <a:r>
+              <a:rPr lang="en-US" altLang="zh-CN" b="1" dirty="0"/>
+              <a:t>/</a:t>
+            </a:r>
+            <a:r>
+              <a:rPr lang="zh-CN" altLang="en-US" b="1" dirty="0"/>
+              <a:t>数据 解耦</a:t>
+            </a:r>
             <a:endParaRPr lang="zh-CN" altLang="en-US" dirty="0"/>
           </a:p>
-          <a:p>
-            <a:endParaRPr lang="en-US" altLang="zh-CN" dirty="0"/>
-          </a:p>
-          <a:p>
-            <a:pPr lvl="1"/>
-            <a:endParaRPr lang="en-US" altLang="zh-CN" dirty="0"/>
-          </a:p>
-        </p:txBody>
-      </p:sp>
-      <p:graphicFrame>
-        <p:nvGraphicFramePr>
-          <p:cNvPr id="4" name="表格 4">
-            <a:extLst>
-              <a:ext uri="{FF2B5EF4-FFF2-40B4-BE49-F238E27FC236}">
-                <a16:creationId xmlns:a16="http://schemas.microsoft.com/office/drawing/2014/main" id="{BCE98B44-FCB5-4594-99EF-1E3DD6246E6A}"/>
-              </a:ext>
-            </a:extLst>
-          </p:cNvPr>
-          <p:cNvGraphicFramePr>
-            <a:graphicFrameLocks noGrp="1"/>
-          </p:cNvGraphicFramePr>
-          <p:nvPr>
-            <p:extLst>
-              <p:ext uri="{D42A27DB-BD31-4B8C-83A1-F6EECF244321}">
-                <p14:modId xmlns:p14="http://schemas.microsoft.com/office/powerpoint/2010/main" val="596757153"/>
-              </p:ext>
-            </p:extLst>
-          </p:nvPr>
-        </p:nvGraphicFramePr>
-        <p:xfrm>
-          <a:off x="5883965" y="3692223"/>
-          <a:ext cx="5976732" cy="2377440"/>
-        </p:xfrm>
-        <a:graphic>
-          <a:graphicData uri="http://schemas.openxmlformats.org/drawingml/2006/table">
-            <a:tbl>
-              <a:tblPr firstRow="1" bandRow="1">
-                <a:tableStyleId>{5C22544A-7EE6-4342-B048-85BDC9FD1C3A}</a:tableStyleId>
-              </a:tblPr>
-              <a:tblGrid>
-                <a:gridCol w="1494183">
-                  <a:extLst>
-                    <a:ext uri="{9D8B030D-6E8A-4147-A177-3AD203B41FA5}">
-                      <a16:colId xmlns:a16="http://schemas.microsoft.com/office/drawing/2014/main" val="3253390512"/>
-                    </a:ext>
-                  </a:extLst>
-                </a:gridCol>
-                <a:gridCol w="1494183">
-                  <a:extLst>
-                    <a:ext uri="{9D8B030D-6E8A-4147-A177-3AD203B41FA5}">
-                      <a16:colId xmlns:a16="http://schemas.microsoft.com/office/drawing/2014/main" val="2387662656"/>
-                    </a:ext>
-                  </a:extLst>
-                </a:gridCol>
-                <a:gridCol w="1494183">
-                  <a:extLst>
-                    <a:ext uri="{9D8B030D-6E8A-4147-A177-3AD203B41FA5}">
-                      <a16:colId xmlns:a16="http://schemas.microsoft.com/office/drawing/2014/main" val="3247183767"/>
-                    </a:ext>
-                  </a:extLst>
-                </a:gridCol>
-                <a:gridCol w="1494183">
-                  <a:extLst>
-                    <a:ext uri="{9D8B030D-6E8A-4147-A177-3AD203B41FA5}">
-                      <a16:colId xmlns:a16="http://schemas.microsoft.com/office/drawing/2014/main" val="3701874458"/>
-                    </a:ext>
-                  </a:extLst>
-                </a:gridCol>
-              </a:tblGrid>
-              <a:tr h="362520">
-                <a:tc>
-                  <a:txBody>
-                    <a:bodyPr/>
-                    <a:lstStyle/>
-                    <a:p>
-                      <a:r>
-                        <a:rPr lang="zh-CN" altLang="en-US" dirty="0"/>
-                        <a:t>协议</a:t>
-                      </a:r>
-                    </a:p>
-                  </a:txBody>
-                  <a:tcPr/>
-                </a:tc>
-                <a:tc>
-                  <a:txBody>
-                    <a:bodyPr/>
-                    <a:lstStyle/>
-                    <a:p>
-                      <a:r>
-                        <a:rPr lang="en-US" altLang="zh-CN" dirty="0"/>
-                        <a:t>Protocol buffer</a:t>
-                      </a:r>
-                      <a:endParaRPr lang="zh-CN" altLang="en-US" dirty="0"/>
-                    </a:p>
-                  </a:txBody>
-                  <a:tcPr/>
-                </a:tc>
-                <a:tc>
-                  <a:txBody>
-                    <a:bodyPr/>
-                    <a:lstStyle/>
-                    <a:p>
-                      <a:r>
-                        <a:rPr lang="en-US" altLang="zh-CN" dirty="0"/>
-                        <a:t>json</a:t>
-                      </a:r>
-                      <a:endParaRPr lang="zh-CN" altLang="en-US" dirty="0"/>
-                    </a:p>
-                  </a:txBody>
-                  <a:tcPr/>
-                </a:tc>
-                <a:tc>
-                  <a:txBody>
-                    <a:bodyPr/>
-                    <a:lstStyle/>
-                    <a:p>
-                      <a:r>
-                        <a:rPr lang="en-US" altLang="zh-CN" dirty="0"/>
-                        <a:t>xml</a:t>
-                      </a:r>
-                      <a:endParaRPr lang="zh-CN" altLang="en-US" dirty="0"/>
-                    </a:p>
-                  </a:txBody>
-                  <a:tcPr/>
-                </a:tc>
-                <a:extLst>
-                  <a:ext uri="{0D108BD9-81ED-4DB2-BD59-A6C34878D82A}">
-                    <a16:rowId xmlns:a16="http://schemas.microsoft.com/office/drawing/2014/main" val="562980275"/>
-                  </a:ext>
-                </a:extLst>
-              </a:tr>
-              <a:tr h="634410">
-                <a:tc>
-                  <a:txBody>
-                    <a:bodyPr/>
-                    <a:lstStyle/>
-                    <a:p>
-                      <a:r>
-                        <a:rPr lang="zh-CN" altLang="en-US" dirty="0"/>
-                        <a:t>序列化</a:t>
-                      </a:r>
-                      <a:r>
-                        <a:rPr lang="en-US" altLang="zh-CN" dirty="0"/>
-                        <a:t>/</a:t>
-                      </a:r>
-                      <a:r>
-                        <a:rPr lang="zh-CN" altLang="en-US" dirty="0"/>
-                        <a:t>反序列化开销</a:t>
-                      </a:r>
-                    </a:p>
-                  </a:txBody>
-                  <a:tcPr/>
-                </a:tc>
-                <a:tc>
-                  <a:txBody>
-                    <a:bodyPr/>
-                    <a:lstStyle/>
-                    <a:p>
-                      <a:r>
-                        <a:rPr lang="zh-CN" altLang="en-US" dirty="0"/>
-                        <a:t>低</a:t>
-                      </a:r>
-                    </a:p>
-                  </a:txBody>
-                  <a:tcPr/>
-                </a:tc>
-                <a:tc>
-                  <a:txBody>
-                    <a:bodyPr/>
-                    <a:lstStyle/>
-                    <a:p>
-                      <a:r>
-                        <a:rPr lang="zh-CN" altLang="en-US" dirty="0"/>
-                        <a:t>高</a:t>
-                      </a:r>
-                    </a:p>
-                  </a:txBody>
-                  <a:tcPr/>
-                </a:tc>
-                <a:tc>
-                  <a:txBody>
-                    <a:bodyPr/>
-                    <a:lstStyle/>
-                    <a:p>
-                      <a:r>
-                        <a:rPr lang="zh-CN" altLang="en-US" dirty="0"/>
-                        <a:t>高</a:t>
-                      </a:r>
-                    </a:p>
-                  </a:txBody>
-                  <a:tcPr/>
-                </a:tc>
-                <a:extLst>
-                  <a:ext uri="{0D108BD9-81ED-4DB2-BD59-A6C34878D82A}">
-                    <a16:rowId xmlns:a16="http://schemas.microsoft.com/office/drawing/2014/main" val="2262983487"/>
-                  </a:ext>
-                </a:extLst>
-              </a:tr>
-              <a:tr h="362520">
-                <a:tc>
-                  <a:txBody>
-                    <a:bodyPr/>
-                    <a:lstStyle/>
-                    <a:p>
-                      <a:r>
-                        <a:rPr lang="zh-CN" altLang="en-US" dirty="0"/>
-                        <a:t>自描述性</a:t>
-                      </a:r>
-                    </a:p>
-                  </a:txBody>
-                  <a:tcPr/>
-                </a:tc>
-                <a:tc>
-                  <a:txBody>
-                    <a:bodyPr/>
-                    <a:lstStyle/>
-                    <a:p>
-                      <a:r>
-                        <a:rPr lang="zh-CN" altLang="en-US" dirty="0"/>
-                        <a:t>无</a:t>
-                      </a:r>
-                    </a:p>
-                  </a:txBody>
-                  <a:tcPr/>
-                </a:tc>
-                <a:tc>
-                  <a:txBody>
-                    <a:bodyPr/>
-                    <a:lstStyle/>
-                    <a:p>
-                      <a:r>
-                        <a:rPr lang="zh-CN" altLang="en-US" dirty="0"/>
-                        <a:t>可</a:t>
-                      </a:r>
-                    </a:p>
-                  </a:txBody>
-                  <a:tcPr/>
-                </a:tc>
-                <a:tc>
-                  <a:txBody>
-                    <a:bodyPr/>
-                    <a:lstStyle/>
-                    <a:p>
-                      <a:r>
-                        <a:rPr lang="zh-CN" altLang="en-US" dirty="0"/>
-                        <a:t>可</a:t>
-                      </a:r>
-                    </a:p>
-                  </a:txBody>
-                  <a:tcPr/>
-                </a:tc>
-                <a:extLst>
-                  <a:ext uri="{0D108BD9-81ED-4DB2-BD59-A6C34878D82A}">
-                    <a16:rowId xmlns:a16="http://schemas.microsoft.com/office/drawing/2014/main" val="149951632"/>
-                  </a:ext>
-                </a:extLst>
-              </a:tr>
-              <a:tr h="362520">
-                <a:tc>
-                  <a:txBody>
-                    <a:bodyPr/>
-                    <a:lstStyle/>
-                    <a:p>
-                      <a:r>
-                        <a:rPr lang="zh-CN" altLang="en-US" dirty="0"/>
-                        <a:t>通用性</a:t>
-                      </a:r>
-                    </a:p>
-                  </a:txBody>
-                  <a:tcPr/>
-                </a:tc>
-                <a:tc>
-                  <a:txBody>
-                    <a:bodyPr/>
-                    <a:lstStyle/>
-                    <a:p>
-                      <a:r>
-                        <a:rPr lang="zh-CN" altLang="en-US" dirty="0"/>
-                        <a:t>差</a:t>
-                      </a:r>
-                    </a:p>
-                  </a:txBody>
-                  <a:tcPr/>
-                </a:tc>
-                <a:tc>
-                  <a:txBody>
-                    <a:bodyPr/>
-                    <a:lstStyle/>
-                    <a:p>
-                      <a:r>
-                        <a:rPr lang="zh-CN" altLang="en-US" dirty="0"/>
-                        <a:t>好</a:t>
-                      </a:r>
-                    </a:p>
-                  </a:txBody>
-                  <a:tcPr/>
-                </a:tc>
-                <a:tc>
-                  <a:txBody>
-                    <a:bodyPr/>
-                    <a:lstStyle/>
-                    <a:p>
-                      <a:r>
-                        <a:rPr lang="zh-CN" altLang="en-US" dirty="0"/>
-                        <a:t>一般</a:t>
-                      </a:r>
-                    </a:p>
-                  </a:txBody>
-                  <a:tcPr/>
-                </a:tc>
-                <a:extLst>
-                  <a:ext uri="{0D108BD9-81ED-4DB2-BD59-A6C34878D82A}">
-                    <a16:rowId xmlns:a16="http://schemas.microsoft.com/office/drawing/2014/main" val="3500149766"/>
-                  </a:ext>
-                </a:extLst>
-              </a:tr>
-              <a:tr h="362520">
-                <a:tc>
-                  <a:txBody>
-                    <a:bodyPr/>
-                    <a:lstStyle/>
-                    <a:p>
-                      <a:r>
-                        <a:rPr lang="zh-CN" altLang="en-US" dirty="0"/>
-                        <a:t>可读性</a:t>
-                      </a:r>
-                    </a:p>
-                  </a:txBody>
-                  <a:tcPr/>
-                </a:tc>
-                <a:tc>
-                  <a:txBody>
-                    <a:bodyPr/>
-                    <a:lstStyle/>
-                    <a:p>
-                      <a:r>
-                        <a:rPr lang="zh-CN" altLang="en-US" dirty="0"/>
-                        <a:t>无</a:t>
-                      </a:r>
-                    </a:p>
-                  </a:txBody>
-                  <a:tcPr/>
-                </a:tc>
-                <a:tc>
-                  <a:txBody>
-                    <a:bodyPr/>
-                    <a:lstStyle/>
-                    <a:p>
-                      <a:r>
-                        <a:rPr lang="zh-CN" altLang="en-US" dirty="0"/>
-                        <a:t>好</a:t>
-                      </a:r>
-                    </a:p>
-                  </a:txBody>
-                  <a:tcPr/>
-                </a:tc>
-                <a:tc>
-                  <a:txBody>
-                    <a:bodyPr/>
-                    <a:lstStyle/>
-                    <a:p>
-                      <a:r>
-                        <a:rPr lang="zh-CN" altLang="en-US" dirty="0"/>
-                        <a:t>一般</a:t>
-                      </a:r>
-                    </a:p>
-                  </a:txBody>
-                  <a:tcPr/>
-                </a:tc>
-                <a:extLst>
-                  <a:ext uri="{0D108BD9-81ED-4DB2-BD59-A6C34878D82A}">
-                    <a16:rowId xmlns:a16="http://schemas.microsoft.com/office/drawing/2014/main" val="3009969018"/>
-                  </a:ext>
-                </a:extLst>
-              </a:tr>
-            </a:tbl>
-          </a:graphicData>
-        </a:graphic>
-      </p:graphicFrame>
+        </p:txBody>
+      </p:sp>
       <p:pic>
         <p:nvPicPr>
-          <p:cNvPr id="6" name="图片 5">
-            <a:extLst>
-              <a:ext uri="{FF2B5EF4-FFF2-40B4-BE49-F238E27FC236}">
-                <a16:creationId xmlns:a16="http://schemas.microsoft.com/office/drawing/2014/main" id="{1D91C069-0A56-4420-A97B-405B4A094704}"/>
+          <p:cNvPr id="5" name="图片 4">
+            <a:extLst>
+              <a:ext uri="{FF2B5EF4-FFF2-40B4-BE49-F238E27FC236}">
+                <a16:creationId xmlns:a16="http://schemas.microsoft.com/office/drawing/2014/main" id="{FF511C45-9B02-4950-9BAA-6BAB14C72224}"/>
               </a:ext>
             </a:extLst>
           </p:cNvPr>
@@ -7721,38 +8089,8 @@
         </p:blipFill>
         <p:spPr>
           <a:xfrm>
-            <a:off x="5989981" y="168801"/>
-            <a:ext cx="5266895" cy="3523422"/>
-          </a:xfrm>
-          <a:prstGeom prst="rect">
-            <a:avLst/>
-          </a:prstGeom>
-        </p:spPr>
-      </p:pic>
-      <p:pic>
-        <p:nvPicPr>
-          <p:cNvPr id="8" name="图片 7">
-            <a:extLst>
-              <a:ext uri="{FF2B5EF4-FFF2-40B4-BE49-F238E27FC236}">
-                <a16:creationId xmlns:a16="http://schemas.microsoft.com/office/drawing/2014/main" id="{06421588-7C74-45E9-A5CB-06B0657DA45B}"/>
-              </a:ext>
-            </a:extLst>
-          </p:cNvPr>
-          <p:cNvPicPr>
-            <a:picLocks noChangeAspect="1"/>
-          </p:cNvPicPr>
-          <p:nvPr/>
-        </p:nvPicPr>
-        <p:blipFill>
-          <a:blip r:embed="rId4"/>
-          <a:stretch>
-            <a:fillRect/>
-          </a:stretch>
-        </p:blipFill>
-        <p:spPr>
-          <a:xfrm>
-            <a:off x="2586476" y="1338524"/>
-            <a:ext cx="7019048" cy="4180952"/>
+            <a:off x="2991238" y="2696764"/>
+            <a:ext cx="6209524" cy="2742857"/>
           </a:xfrm>
           <a:prstGeom prst="rect">
             <a:avLst/>
@@ -7762,7 +8100,7 @@
     </p:spTree>
     <p:extLst>
       <p:ext uri="{BB962C8B-B14F-4D97-AF65-F5344CB8AC3E}">
-        <p14:creationId xmlns:p14="http://schemas.microsoft.com/office/powerpoint/2010/main" val="3022536939"/>
+        <p14:creationId xmlns:p14="http://schemas.microsoft.com/office/powerpoint/2010/main" val="1594615968"/>
       </p:ext>
     </p:extLst>
   </p:cSld>
